--- a/Presentation - Draft.pptx
+++ b/Presentation - Draft.pptx
@@ -2,11 +2,16 @@
 <file path=ppt/presentation.xml><?xml version="1.0" encoding="utf-8"?>
 <p:presentation xmlns:a="http://schemas.openxmlformats.org/drawingml/2006/main" xmlns:r="http://schemas.openxmlformats.org/officeDocument/2006/relationships" xmlns:p="http://schemas.openxmlformats.org/presentationml/2006/main" saveSubsetFonts="1">
   <p:sldMasterIdLst>
-    <p:sldMasterId id="2147483648" r:id="rId1"/>
+    <p:sldMasterId id="2147483696" r:id="rId1"/>
   </p:sldMasterIdLst>
+  <p:notesMasterIdLst>
+    <p:notesMasterId r:id="rId6"/>
+  </p:notesMasterIdLst>
   <p:sldIdLst>
     <p:sldId id="256" r:id="rId2"/>
-    <p:sldId id="257" r:id="rId3"/>
+    <p:sldId id="259" r:id="rId3"/>
+    <p:sldId id="258" r:id="rId4"/>
+    <p:sldId id="257" r:id="rId5"/>
   </p:sldIdLst>
   <p:sldSz cx="12192000" cy="6858000"/>
   <p:notesSz cx="6858000" cy="9144000"/>
@@ -813,6 +818,440 @@
 </pc:chgInfo>
 </file>
 
+<file path=ppt/notesMasters/notesMaster1.xml><?xml version="1.0" encoding="utf-8"?>
+<p:notesMaster xmlns:a="http://schemas.openxmlformats.org/drawingml/2006/main" xmlns:r="http://schemas.openxmlformats.org/officeDocument/2006/relationships" xmlns:p="http://schemas.openxmlformats.org/presentationml/2006/main">
+  <p:cSld>
+    <p:bg>
+      <p:bgRef idx="1001">
+        <a:schemeClr val="bg1"/>
+      </p:bgRef>
+    </p:bg>
+    <p:spTree>
+      <p:nvGrpSpPr>
+        <p:cNvPr id="1" name=""/>
+        <p:cNvGrpSpPr/>
+        <p:nvPr/>
+      </p:nvGrpSpPr>
+      <p:grpSpPr>
+        <a:xfrm>
+          <a:off x="0" y="0"/>
+          <a:ext cx="0" cy="0"/>
+          <a:chOff x="0" y="0"/>
+          <a:chExt cx="0" cy="0"/>
+        </a:xfrm>
+      </p:grpSpPr>
+      <p:sp>
+        <p:nvSpPr>
+          <p:cNvPr id="2" name="Header Placeholder 1"/>
+          <p:cNvSpPr>
+            <a:spLocks noGrp="1"/>
+          </p:cNvSpPr>
+          <p:nvPr>
+            <p:ph type="hdr" sz="quarter"/>
+          </p:nvPr>
+        </p:nvSpPr>
+        <p:spPr>
+          <a:xfrm>
+            <a:off x="0" y="0"/>
+            <a:ext cx="2971800" cy="458788"/>
+          </a:xfrm>
+          <a:prstGeom prst="rect">
+            <a:avLst/>
+          </a:prstGeom>
+        </p:spPr>
+        <p:txBody>
+          <a:bodyPr vert="horz" lIns="91440" tIns="45720" rIns="91440" bIns="45720" rtlCol="0"/>
+          <a:lstStyle>
+            <a:lvl1pPr algn="l">
+              <a:defRPr sz="1200"/>
+            </a:lvl1pPr>
+          </a:lstStyle>
+          <a:p>
+            <a:endParaRPr lang="en-CA"/>
+          </a:p>
+        </p:txBody>
+      </p:sp>
+      <p:sp>
+        <p:nvSpPr>
+          <p:cNvPr id="3" name="Date Placeholder 2"/>
+          <p:cNvSpPr>
+            <a:spLocks noGrp="1"/>
+          </p:cNvSpPr>
+          <p:nvPr>
+            <p:ph type="dt" idx="1"/>
+          </p:nvPr>
+        </p:nvSpPr>
+        <p:spPr>
+          <a:xfrm>
+            <a:off x="3884613" y="0"/>
+            <a:ext cx="2971800" cy="458788"/>
+          </a:xfrm>
+          <a:prstGeom prst="rect">
+            <a:avLst/>
+          </a:prstGeom>
+        </p:spPr>
+        <p:txBody>
+          <a:bodyPr vert="horz" lIns="91440" tIns="45720" rIns="91440" bIns="45720" rtlCol="0"/>
+          <a:lstStyle>
+            <a:lvl1pPr algn="r">
+              <a:defRPr sz="1200"/>
+            </a:lvl1pPr>
+          </a:lstStyle>
+          <a:p>
+            <a:fld id="{04D4D7AC-8DA4-4A32-AFEF-62F165A8D487}" type="datetimeFigureOut">
+              <a:rPr lang="en-CA" smtClean="0"/>
+              <a:t>2020-02-11</a:t>
+            </a:fld>
+            <a:endParaRPr lang="en-CA"/>
+          </a:p>
+        </p:txBody>
+      </p:sp>
+      <p:sp>
+        <p:nvSpPr>
+          <p:cNvPr id="4" name="Slide Image Placeholder 3"/>
+          <p:cNvSpPr>
+            <a:spLocks noGrp="1" noRot="1" noChangeAspect="1"/>
+          </p:cNvSpPr>
+          <p:nvPr>
+            <p:ph type="sldImg" idx="2"/>
+          </p:nvPr>
+        </p:nvSpPr>
+        <p:spPr>
+          <a:xfrm>
+            <a:off x="685800" y="1143000"/>
+            <a:ext cx="5486400" cy="3086100"/>
+          </a:xfrm>
+          <a:prstGeom prst="rect">
+            <a:avLst/>
+          </a:prstGeom>
+          <a:noFill/>
+          <a:ln w="12700">
+            <a:solidFill>
+              <a:prstClr val="black"/>
+            </a:solidFill>
+          </a:ln>
+        </p:spPr>
+        <p:txBody>
+          <a:bodyPr vert="horz" lIns="91440" tIns="45720" rIns="91440" bIns="45720" rtlCol="0" anchor="ctr"/>
+          <a:lstStyle/>
+          <a:p>
+            <a:endParaRPr lang="en-CA"/>
+          </a:p>
+        </p:txBody>
+      </p:sp>
+      <p:sp>
+        <p:nvSpPr>
+          <p:cNvPr id="5" name="Notes Placeholder 4"/>
+          <p:cNvSpPr>
+            <a:spLocks noGrp="1"/>
+          </p:cNvSpPr>
+          <p:nvPr>
+            <p:ph type="body" sz="quarter" idx="3"/>
+          </p:nvPr>
+        </p:nvSpPr>
+        <p:spPr>
+          <a:xfrm>
+            <a:off x="685800" y="4400550"/>
+            <a:ext cx="5486400" cy="3600450"/>
+          </a:xfrm>
+          <a:prstGeom prst="rect">
+            <a:avLst/>
+          </a:prstGeom>
+        </p:spPr>
+        <p:txBody>
+          <a:bodyPr vert="horz" lIns="91440" tIns="45720" rIns="91440" bIns="45720" rtlCol="0"/>
+          <a:lstStyle/>
+          <a:p>
+            <a:pPr lvl="0"/>
+            <a:r>
+              <a:rPr lang="en-US" smtClean="0"/>
+              <a:t>Click to edit Master text styles</a:t>
+            </a:r>
+          </a:p>
+          <a:p>
+            <a:pPr lvl="1"/>
+            <a:r>
+              <a:rPr lang="en-US" smtClean="0"/>
+              <a:t>Second level</a:t>
+            </a:r>
+          </a:p>
+          <a:p>
+            <a:pPr lvl="2"/>
+            <a:r>
+              <a:rPr lang="en-US" smtClean="0"/>
+              <a:t>Third level</a:t>
+            </a:r>
+          </a:p>
+          <a:p>
+            <a:pPr lvl="3"/>
+            <a:r>
+              <a:rPr lang="en-US" smtClean="0"/>
+              <a:t>Fourth level</a:t>
+            </a:r>
+          </a:p>
+          <a:p>
+            <a:pPr lvl="4"/>
+            <a:r>
+              <a:rPr lang="en-US" smtClean="0"/>
+              <a:t>Fifth level</a:t>
+            </a:r>
+            <a:endParaRPr lang="en-CA"/>
+          </a:p>
+        </p:txBody>
+      </p:sp>
+      <p:sp>
+        <p:nvSpPr>
+          <p:cNvPr id="6" name="Footer Placeholder 5"/>
+          <p:cNvSpPr>
+            <a:spLocks noGrp="1"/>
+          </p:cNvSpPr>
+          <p:nvPr>
+            <p:ph type="ftr" sz="quarter" idx="4"/>
+          </p:nvPr>
+        </p:nvSpPr>
+        <p:spPr>
+          <a:xfrm>
+            <a:off x="0" y="8685213"/>
+            <a:ext cx="2971800" cy="458787"/>
+          </a:xfrm>
+          <a:prstGeom prst="rect">
+            <a:avLst/>
+          </a:prstGeom>
+        </p:spPr>
+        <p:txBody>
+          <a:bodyPr vert="horz" lIns="91440" tIns="45720" rIns="91440" bIns="45720" rtlCol="0" anchor="b"/>
+          <a:lstStyle>
+            <a:lvl1pPr algn="l">
+              <a:defRPr sz="1200"/>
+            </a:lvl1pPr>
+          </a:lstStyle>
+          <a:p>
+            <a:endParaRPr lang="en-CA"/>
+          </a:p>
+        </p:txBody>
+      </p:sp>
+      <p:sp>
+        <p:nvSpPr>
+          <p:cNvPr id="7" name="Slide Number Placeholder 6"/>
+          <p:cNvSpPr>
+            <a:spLocks noGrp="1"/>
+          </p:cNvSpPr>
+          <p:nvPr>
+            <p:ph type="sldNum" sz="quarter" idx="5"/>
+          </p:nvPr>
+        </p:nvSpPr>
+        <p:spPr>
+          <a:xfrm>
+            <a:off x="3884613" y="8685213"/>
+            <a:ext cx="2971800" cy="458787"/>
+          </a:xfrm>
+          <a:prstGeom prst="rect">
+            <a:avLst/>
+          </a:prstGeom>
+        </p:spPr>
+        <p:txBody>
+          <a:bodyPr vert="horz" lIns="91440" tIns="45720" rIns="91440" bIns="45720" rtlCol="0" anchor="b"/>
+          <a:lstStyle>
+            <a:lvl1pPr algn="r">
+              <a:defRPr sz="1200"/>
+            </a:lvl1pPr>
+          </a:lstStyle>
+          <a:p>
+            <a:fld id="{DA16FC7C-2BDA-4D40-9153-BA12C865205E}" type="slidenum">
+              <a:rPr lang="en-CA" smtClean="0"/>
+              <a:t>‹#›</a:t>
+            </a:fld>
+            <a:endParaRPr lang="en-CA"/>
+          </a:p>
+        </p:txBody>
+      </p:sp>
+    </p:spTree>
+    <p:extLst>
+      <p:ext uri="{BB962C8B-B14F-4D97-AF65-F5344CB8AC3E}">
+        <p14:creationId xmlns:p14="http://schemas.microsoft.com/office/powerpoint/2010/main" val="1177774278"/>
+      </p:ext>
+    </p:extLst>
+  </p:cSld>
+  <p:clrMap bg1="lt1" tx1="dk1" bg2="lt2" tx2="dk2" accent1="accent1" accent2="accent2" accent3="accent3" accent4="accent4" accent5="accent5" accent6="accent6" hlink="hlink" folHlink="folHlink"/>
+  <p:notesStyle>
+    <a:lvl1pPr marL="0" algn="l" defTabSz="914400" rtl="0" eaLnBrk="1" latinLnBrk="0" hangingPunct="1">
+      <a:defRPr sz="1200" kern="1200">
+        <a:solidFill>
+          <a:schemeClr val="tx1"/>
+        </a:solidFill>
+        <a:latin typeface="+mn-lt"/>
+        <a:ea typeface="+mn-ea"/>
+        <a:cs typeface="+mn-cs"/>
+      </a:defRPr>
+    </a:lvl1pPr>
+    <a:lvl2pPr marL="457200" algn="l" defTabSz="914400" rtl="0" eaLnBrk="1" latinLnBrk="0" hangingPunct="1">
+      <a:defRPr sz="1200" kern="1200">
+        <a:solidFill>
+          <a:schemeClr val="tx1"/>
+        </a:solidFill>
+        <a:latin typeface="+mn-lt"/>
+        <a:ea typeface="+mn-ea"/>
+        <a:cs typeface="+mn-cs"/>
+      </a:defRPr>
+    </a:lvl2pPr>
+    <a:lvl3pPr marL="914400" algn="l" defTabSz="914400" rtl="0" eaLnBrk="1" latinLnBrk="0" hangingPunct="1">
+      <a:defRPr sz="1200" kern="1200">
+        <a:solidFill>
+          <a:schemeClr val="tx1"/>
+        </a:solidFill>
+        <a:latin typeface="+mn-lt"/>
+        <a:ea typeface="+mn-ea"/>
+        <a:cs typeface="+mn-cs"/>
+      </a:defRPr>
+    </a:lvl3pPr>
+    <a:lvl4pPr marL="1371600" algn="l" defTabSz="914400" rtl="0" eaLnBrk="1" latinLnBrk="0" hangingPunct="1">
+      <a:defRPr sz="1200" kern="1200">
+        <a:solidFill>
+          <a:schemeClr val="tx1"/>
+        </a:solidFill>
+        <a:latin typeface="+mn-lt"/>
+        <a:ea typeface="+mn-ea"/>
+        <a:cs typeface="+mn-cs"/>
+      </a:defRPr>
+    </a:lvl4pPr>
+    <a:lvl5pPr marL="1828800" algn="l" defTabSz="914400" rtl="0" eaLnBrk="1" latinLnBrk="0" hangingPunct="1">
+      <a:defRPr sz="1200" kern="1200">
+        <a:solidFill>
+          <a:schemeClr val="tx1"/>
+        </a:solidFill>
+        <a:latin typeface="+mn-lt"/>
+        <a:ea typeface="+mn-ea"/>
+        <a:cs typeface="+mn-cs"/>
+      </a:defRPr>
+    </a:lvl5pPr>
+    <a:lvl6pPr marL="2286000" algn="l" defTabSz="914400" rtl="0" eaLnBrk="1" latinLnBrk="0" hangingPunct="1">
+      <a:defRPr sz="1200" kern="1200">
+        <a:solidFill>
+          <a:schemeClr val="tx1"/>
+        </a:solidFill>
+        <a:latin typeface="+mn-lt"/>
+        <a:ea typeface="+mn-ea"/>
+        <a:cs typeface="+mn-cs"/>
+      </a:defRPr>
+    </a:lvl6pPr>
+    <a:lvl7pPr marL="2743200" algn="l" defTabSz="914400" rtl="0" eaLnBrk="1" latinLnBrk="0" hangingPunct="1">
+      <a:defRPr sz="1200" kern="1200">
+        <a:solidFill>
+          <a:schemeClr val="tx1"/>
+        </a:solidFill>
+        <a:latin typeface="+mn-lt"/>
+        <a:ea typeface="+mn-ea"/>
+        <a:cs typeface="+mn-cs"/>
+      </a:defRPr>
+    </a:lvl7pPr>
+    <a:lvl8pPr marL="3200400" algn="l" defTabSz="914400" rtl="0" eaLnBrk="1" latinLnBrk="0" hangingPunct="1">
+      <a:defRPr sz="1200" kern="1200">
+        <a:solidFill>
+          <a:schemeClr val="tx1"/>
+        </a:solidFill>
+        <a:latin typeface="+mn-lt"/>
+        <a:ea typeface="+mn-ea"/>
+        <a:cs typeface="+mn-cs"/>
+      </a:defRPr>
+    </a:lvl8pPr>
+    <a:lvl9pPr marL="3657600" algn="l" defTabSz="914400" rtl="0" eaLnBrk="1" latinLnBrk="0" hangingPunct="1">
+      <a:defRPr sz="1200" kern="1200">
+        <a:solidFill>
+          <a:schemeClr val="tx1"/>
+        </a:solidFill>
+        <a:latin typeface="+mn-lt"/>
+        <a:ea typeface="+mn-ea"/>
+        <a:cs typeface="+mn-cs"/>
+      </a:defRPr>
+    </a:lvl9pPr>
+  </p:notesStyle>
+</p:notesMaster>
+</file>
+
+<file path=ppt/notesSlides/notesSlide1.xml><?xml version="1.0" encoding="utf-8"?>
+<p:notes xmlns:a="http://schemas.openxmlformats.org/drawingml/2006/main" xmlns:r="http://schemas.openxmlformats.org/officeDocument/2006/relationships" xmlns:p="http://schemas.openxmlformats.org/presentationml/2006/main">
+  <p:cSld>
+    <p:spTree>
+      <p:nvGrpSpPr>
+        <p:cNvPr id="1" name=""/>
+        <p:cNvGrpSpPr/>
+        <p:nvPr/>
+      </p:nvGrpSpPr>
+      <p:grpSpPr>
+        <a:xfrm>
+          <a:off x="0" y="0"/>
+          <a:ext cx="0" cy="0"/>
+          <a:chOff x="0" y="0"/>
+          <a:chExt cx="0" cy="0"/>
+        </a:xfrm>
+      </p:grpSpPr>
+      <p:sp>
+        <p:nvSpPr>
+          <p:cNvPr id="2" name="Slide Image Placeholder 1"/>
+          <p:cNvSpPr>
+            <a:spLocks noGrp="1" noRot="1" noChangeAspect="1"/>
+          </p:cNvSpPr>
+          <p:nvPr>
+            <p:ph type="sldImg"/>
+          </p:nvPr>
+        </p:nvSpPr>
+        <p:spPr/>
+      </p:sp>
+      <p:sp>
+        <p:nvSpPr>
+          <p:cNvPr id="3" name="Notes Placeholder 2"/>
+          <p:cNvSpPr>
+            <a:spLocks noGrp="1"/>
+          </p:cNvSpPr>
+          <p:nvPr>
+            <p:ph type="body" idx="1"/>
+          </p:nvPr>
+        </p:nvSpPr>
+        <p:spPr/>
+        <p:txBody>
+          <a:bodyPr/>
+          <a:lstStyle/>
+          <a:p>
+            <a:endParaRPr lang="en-CA"/>
+          </a:p>
+        </p:txBody>
+      </p:sp>
+      <p:sp>
+        <p:nvSpPr>
+          <p:cNvPr id="4" name="Slide Number Placeholder 3"/>
+          <p:cNvSpPr>
+            <a:spLocks noGrp="1"/>
+          </p:cNvSpPr>
+          <p:nvPr>
+            <p:ph type="sldNum" sz="quarter" idx="10"/>
+          </p:nvPr>
+        </p:nvSpPr>
+        <p:spPr/>
+        <p:txBody>
+          <a:bodyPr/>
+          <a:lstStyle/>
+          <a:p>
+            <a:fld id="{DA16FC7C-2BDA-4D40-9153-BA12C865205E}" type="slidenum">
+              <a:rPr lang="en-CA" smtClean="0"/>
+              <a:t>1</a:t>
+            </a:fld>
+            <a:endParaRPr lang="en-CA"/>
+          </a:p>
+        </p:txBody>
+      </p:sp>
+    </p:spTree>
+    <p:extLst>
+      <p:ext uri="{BB962C8B-B14F-4D97-AF65-F5344CB8AC3E}">
+        <p14:creationId xmlns:p14="http://schemas.microsoft.com/office/powerpoint/2010/main" val="2039928248"/>
+      </p:ext>
+    </p:extLst>
+  </p:cSld>
+  <p:clrMapOvr>
+    <a:masterClrMapping/>
+  </p:clrMapOvr>
+</p:notes>
+</file>
+
 <file path=ppt/slideLayouts/slideLayout1.xml><?xml version="1.0" encoding="utf-8"?>
 <p:sldLayout xmlns:a="http://schemas.openxmlformats.org/drawingml/2006/main" xmlns:r="http://schemas.openxmlformats.org/officeDocument/2006/relationships" xmlns:p="http://schemas.openxmlformats.org/presentationml/2006/main" type="title" preserve="1">
   <p:cSld name="Title Slide">
@@ -832,13 +1271,7 @@
       </p:grpSpPr>
       <p:sp>
         <p:nvSpPr>
-          <p:cNvPr id="2" name="Title 1">
-            <a:extLst>
-              <a:ext uri="{FF2B5EF4-FFF2-40B4-BE49-F238E27FC236}">
-                <a16:creationId xmlns:a16="http://schemas.microsoft.com/office/drawing/2014/main" id="{8D18FB7F-A767-44FD-A619-6658FEEA68E0}"/>
-              </a:ext>
-            </a:extLst>
-          </p:cNvPr>
+          <p:cNvPr id="2" name="Title 1"/>
           <p:cNvSpPr>
             <a:spLocks noGrp="1"/>
           </p:cNvSpPr>
@@ -861,22 +1294,16 @@
           </a:lstStyle>
           <a:p>
             <a:r>
-              <a:rPr lang="en-US"/>
+              <a:rPr lang="en-US" smtClean="0"/>
               <a:t>Click to edit Master title style</a:t>
             </a:r>
-            <a:endParaRPr lang="en-CA"/>
-          </a:p>
-        </p:txBody>
-      </p:sp>
-      <p:sp>
-        <p:nvSpPr>
-          <p:cNvPr id="3" name="Subtitle 2">
-            <a:extLst>
-              <a:ext uri="{FF2B5EF4-FFF2-40B4-BE49-F238E27FC236}">
-                <a16:creationId xmlns:a16="http://schemas.microsoft.com/office/drawing/2014/main" id="{2CE85E6E-9834-446C-8FE2-62C4A5F5D108}"/>
-              </a:ext>
-            </a:extLst>
-          </p:cNvPr>
+            <a:endParaRPr lang="en-US" dirty="0"/>
+          </a:p>
+        </p:txBody>
+      </p:sp>
+      <p:sp>
+        <p:nvSpPr>
+          <p:cNvPr id="3" name="Subtitle 2"/>
           <p:cNvSpPr>
             <a:spLocks noGrp="1"/>
           </p:cNvSpPr>
@@ -932,22 +1359,16 @@
           </a:lstStyle>
           <a:p>
             <a:r>
-              <a:rPr lang="en-US"/>
+              <a:rPr lang="en-US" smtClean="0"/>
               <a:t>Click to edit Master subtitle style</a:t>
             </a:r>
-            <a:endParaRPr lang="en-CA"/>
-          </a:p>
-        </p:txBody>
-      </p:sp>
-      <p:sp>
-        <p:nvSpPr>
-          <p:cNvPr id="4" name="Date Placeholder 3">
-            <a:extLst>
-              <a:ext uri="{FF2B5EF4-FFF2-40B4-BE49-F238E27FC236}">
-                <a16:creationId xmlns:a16="http://schemas.microsoft.com/office/drawing/2014/main" id="{6472D7D0-F930-41A9-AD5C-BAEB5C921210}"/>
-              </a:ext>
-            </a:extLst>
-          </p:cNvPr>
+            <a:endParaRPr lang="en-US" dirty="0"/>
+          </a:p>
+        </p:txBody>
+      </p:sp>
+      <p:sp>
+        <p:nvSpPr>
+          <p:cNvPr id="4" name="Date Placeholder 3"/>
           <p:cNvSpPr>
             <a:spLocks noGrp="1"/>
           </p:cNvSpPr>
@@ -960,7 +1381,7 @@
           <a:bodyPr/>
           <a:lstStyle/>
           <a:p>
-            <a:fld id="{07A317FD-2EEA-492F-8869-5C2CACA9BA9B}" type="datetimeFigureOut">
+            <a:fld id="{9C90D6E0-8AF1-4FB9-AEC6-E8A9FBEBE584}" type="datetime1">
               <a:rPr lang="en-CA" smtClean="0"/>
               <a:t>2020-02-11</a:t>
             </a:fld>
@@ -970,13 +1391,7 @@
       </p:sp>
       <p:sp>
         <p:nvSpPr>
-          <p:cNvPr id="5" name="Footer Placeholder 4">
-            <a:extLst>
-              <a:ext uri="{FF2B5EF4-FFF2-40B4-BE49-F238E27FC236}">
-                <a16:creationId xmlns:a16="http://schemas.microsoft.com/office/drawing/2014/main" id="{6BBCC769-0B47-45B1-9BD1-15E759B8D2DB}"/>
-              </a:ext>
-            </a:extLst>
-          </p:cNvPr>
+          <p:cNvPr id="5" name="Footer Placeholder 4"/>
           <p:cNvSpPr>
             <a:spLocks noGrp="1"/>
           </p:cNvSpPr>
@@ -995,13 +1410,7 @@
       </p:sp>
       <p:sp>
         <p:nvSpPr>
-          <p:cNvPr id="6" name="Slide Number Placeholder 5">
-            <a:extLst>
-              <a:ext uri="{FF2B5EF4-FFF2-40B4-BE49-F238E27FC236}">
-                <a16:creationId xmlns:a16="http://schemas.microsoft.com/office/drawing/2014/main" id="{3F206BDC-86D6-4C06-BF16-DE7215C185D0}"/>
-              </a:ext>
-            </a:extLst>
-          </p:cNvPr>
+          <p:cNvPr id="6" name="Slide Number Placeholder 5"/>
           <p:cNvSpPr>
             <a:spLocks noGrp="1"/>
           </p:cNvSpPr>
@@ -1025,7 +1434,7 @@
     </p:spTree>
     <p:extLst>
       <p:ext uri="{BB962C8B-B14F-4D97-AF65-F5344CB8AC3E}">
-        <p14:creationId xmlns:p14="http://schemas.microsoft.com/office/powerpoint/2010/main" val="2436775814"/>
+        <p14:creationId xmlns:p14="http://schemas.microsoft.com/office/powerpoint/2010/main" val="3984460363"/>
       </p:ext>
     </p:extLst>
   </p:cSld>
@@ -1054,13 +1463,7 @@
       </p:grpSpPr>
       <p:sp>
         <p:nvSpPr>
-          <p:cNvPr id="2" name="Title 1">
-            <a:extLst>
-              <a:ext uri="{FF2B5EF4-FFF2-40B4-BE49-F238E27FC236}">
-                <a16:creationId xmlns:a16="http://schemas.microsoft.com/office/drawing/2014/main" id="{6DBBF459-8173-4E0A-B657-D27338B1943C}"/>
-              </a:ext>
-            </a:extLst>
-          </p:cNvPr>
+          <p:cNvPr id="2" name="Title 1"/>
           <p:cNvSpPr>
             <a:spLocks noGrp="1"/>
           </p:cNvSpPr>
@@ -1074,22 +1477,16 @@
           <a:lstStyle/>
           <a:p>
             <a:r>
-              <a:rPr lang="en-US"/>
+              <a:rPr lang="en-US" smtClean="0"/>
               <a:t>Click to edit Master title style</a:t>
             </a:r>
-            <a:endParaRPr lang="en-CA"/>
-          </a:p>
-        </p:txBody>
-      </p:sp>
-      <p:sp>
-        <p:nvSpPr>
-          <p:cNvPr id="3" name="Vertical Text Placeholder 2">
-            <a:extLst>
-              <a:ext uri="{FF2B5EF4-FFF2-40B4-BE49-F238E27FC236}">
-                <a16:creationId xmlns:a16="http://schemas.microsoft.com/office/drawing/2014/main" id="{36C49A7E-114F-452B-9BA5-1450C8E009D3}"/>
-              </a:ext>
-            </a:extLst>
-          </p:cNvPr>
+            <a:endParaRPr lang="en-US" dirty="0"/>
+          </a:p>
+        </p:txBody>
+      </p:sp>
+      <p:sp>
+        <p:nvSpPr>
+          <p:cNvPr id="3" name="Vertical Text Placeholder 2"/>
           <p:cNvSpPr>
             <a:spLocks noGrp="1"/>
           </p:cNvSpPr>
@@ -1104,50 +1501,44 @@
           <a:p>
             <a:pPr lvl="0"/>
             <a:r>
-              <a:rPr lang="en-US"/>
+              <a:rPr lang="en-US" smtClean="0"/>
               <a:t>Click to edit Master text styles</a:t>
             </a:r>
           </a:p>
           <a:p>
             <a:pPr lvl="1"/>
             <a:r>
-              <a:rPr lang="en-US"/>
+              <a:rPr lang="en-US" smtClean="0"/>
               <a:t>Second level</a:t>
             </a:r>
           </a:p>
           <a:p>
             <a:pPr lvl="2"/>
             <a:r>
-              <a:rPr lang="en-US"/>
+              <a:rPr lang="en-US" smtClean="0"/>
               <a:t>Third level</a:t>
             </a:r>
           </a:p>
           <a:p>
             <a:pPr lvl="3"/>
             <a:r>
-              <a:rPr lang="en-US"/>
+              <a:rPr lang="en-US" smtClean="0"/>
               <a:t>Fourth level</a:t>
             </a:r>
           </a:p>
           <a:p>
             <a:pPr lvl="4"/>
             <a:r>
-              <a:rPr lang="en-US"/>
+              <a:rPr lang="en-US" smtClean="0"/>
               <a:t>Fifth level</a:t>
             </a:r>
-            <a:endParaRPr lang="en-CA"/>
-          </a:p>
-        </p:txBody>
-      </p:sp>
-      <p:sp>
-        <p:nvSpPr>
-          <p:cNvPr id="4" name="Date Placeholder 3">
-            <a:extLst>
-              <a:ext uri="{FF2B5EF4-FFF2-40B4-BE49-F238E27FC236}">
-                <a16:creationId xmlns:a16="http://schemas.microsoft.com/office/drawing/2014/main" id="{9A6BC6DA-6041-45B8-B458-998767952E6C}"/>
-              </a:ext>
-            </a:extLst>
-          </p:cNvPr>
+            <a:endParaRPr lang="en-US" dirty="0"/>
+          </a:p>
+        </p:txBody>
+      </p:sp>
+      <p:sp>
+        <p:nvSpPr>
+          <p:cNvPr id="4" name="Date Placeholder 3"/>
           <p:cNvSpPr>
             <a:spLocks noGrp="1"/>
           </p:cNvSpPr>
@@ -1160,7 +1551,7 @@
           <a:bodyPr/>
           <a:lstStyle/>
           <a:p>
-            <a:fld id="{07A317FD-2EEA-492F-8869-5C2CACA9BA9B}" type="datetimeFigureOut">
+            <a:fld id="{235ADF09-2644-4A49-B570-F665EF47CCB0}" type="datetime1">
               <a:rPr lang="en-CA" smtClean="0"/>
               <a:t>2020-02-11</a:t>
             </a:fld>
@@ -1170,13 +1561,7 @@
       </p:sp>
       <p:sp>
         <p:nvSpPr>
-          <p:cNvPr id="5" name="Footer Placeholder 4">
-            <a:extLst>
-              <a:ext uri="{FF2B5EF4-FFF2-40B4-BE49-F238E27FC236}">
-                <a16:creationId xmlns:a16="http://schemas.microsoft.com/office/drawing/2014/main" id="{9C39B418-C5FE-473E-932F-61400C0142E0}"/>
-              </a:ext>
-            </a:extLst>
-          </p:cNvPr>
+          <p:cNvPr id="5" name="Footer Placeholder 4"/>
           <p:cNvSpPr>
             <a:spLocks noGrp="1"/>
           </p:cNvSpPr>
@@ -1195,13 +1580,7 @@
       </p:sp>
       <p:sp>
         <p:nvSpPr>
-          <p:cNvPr id="6" name="Slide Number Placeholder 5">
-            <a:extLst>
-              <a:ext uri="{FF2B5EF4-FFF2-40B4-BE49-F238E27FC236}">
-                <a16:creationId xmlns:a16="http://schemas.microsoft.com/office/drawing/2014/main" id="{DEABAFAA-F07F-44F5-A1D6-7D4467697144}"/>
-              </a:ext>
-            </a:extLst>
-          </p:cNvPr>
+          <p:cNvPr id="6" name="Slide Number Placeholder 5"/>
           <p:cNvSpPr>
             <a:spLocks noGrp="1"/>
           </p:cNvSpPr>
@@ -1225,7 +1604,7 @@
     </p:spTree>
     <p:extLst>
       <p:ext uri="{BB962C8B-B14F-4D97-AF65-F5344CB8AC3E}">
-        <p14:creationId xmlns:p14="http://schemas.microsoft.com/office/powerpoint/2010/main" val="173135395"/>
+        <p14:creationId xmlns:p14="http://schemas.microsoft.com/office/powerpoint/2010/main" val="2384675372"/>
       </p:ext>
     </p:extLst>
   </p:cSld>
@@ -1254,13 +1633,7 @@
       </p:grpSpPr>
       <p:sp>
         <p:nvSpPr>
-          <p:cNvPr id="2" name="Vertical Title 1">
-            <a:extLst>
-              <a:ext uri="{FF2B5EF4-FFF2-40B4-BE49-F238E27FC236}">
-                <a16:creationId xmlns:a16="http://schemas.microsoft.com/office/drawing/2014/main" id="{BDB091B3-0C42-478E-AFAA-A9B2E9D6961C}"/>
-              </a:ext>
-            </a:extLst>
-          </p:cNvPr>
+          <p:cNvPr id="2" name="Vertical Title 1"/>
           <p:cNvSpPr>
             <a:spLocks noGrp="1"/>
           </p:cNvSpPr>
@@ -1279,22 +1652,16 @@
           <a:lstStyle/>
           <a:p>
             <a:r>
-              <a:rPr lang="en-US"/>
+              <a:rPr lang="en-US" smtClean="0"/>
               <a:t>Click to edit Master title style</a:t>
             </a:r>
-            <a:endParaRPr lang="en-CA"/>
-          </a:p>
-        </p:txBody>
-      </p:sp>
-      <p:sp>
-        <p:nvSpPr>
-          <p:cNvPr id="3" name="Vertical Text Placeholder 2">
-            <a:extLst>
-              <a:ext uri="{FF2B5EF4-FFF2-40B4-BE49-F238E27FC236}">
-                <a16:creationId xmlns:a16="http://schemas.microsoft.com/office/drawing/2014/main" id="{F4613D7E-DB3E-42E0-8D38-D5878880DD30}"/>
-              </a:ext>
-            </a:extLst>
-          </p:cNvPr>
+            <a:endParaRPr lang="en-US" dirty="0"/>
+          </a:p>
+        </p:txBody>
+      </p:sp>
+      <p:sp>
+        <p:nvSpPr>
+          <p:cNvPr id="3" name="Vertical Text Placeholder 2"/>
           <p:cNvSpPr>
             <a:spLocks noGrp="1"/>
           </p:cNvSpPr>
@@ -1314,50 +1681,44 @@
           <a:p>
             <a:pPr lvl="0"/>
             <a:r>
-              <a:rPr lang="en-US"/>
+              <a:rPr lang="en-US" smtClean="0"/>
               <a:t>Click to edit Master text styles</a:t>
             </a:r>
           </a:p>
           <a:p>
             <a:pPr lvl="1"/>
             <a:r>
-              <a:rPr lang="en-US"/>
+              <a:rPr lang="en-US" smtClean="0"/>
               <a:t>Second level</a:t>
             </a:r>
           </a:p>
           <a:p>
             <a:pPr lvl="2"/>
             <a:r>
-              <a:rPr lang="en-US"/>
+              <a:rPr lang="en-US" smtClean="0"/>
               <a:t>Third level</a:t>
             </a:r>
           </a:p>
           <a:p>
             <a:pPr lvl="3"/>
             <a:r>
-              <a:rPr lang="en-US"/>
+              <a:rPr lang="en-US" smtClean="0"/>
               <a:t>Fourth level</a:t>
             </a:r>
           </a:p>
           <a:p>
             <a:pPr lvl="4"/>
             <a:r>
-              <a:rPr lang="en-US"/>
+              <a:rPr lang="en-US" smtClean="0"/>
               <a:t>Fifth level</a:t>
             </a:r>
-            <a:endParaRPr lang="en-CA"/>
-          </a:p>
-        </p:txBody>
-      </p:sp>
-      <p:sp>
-        <p:nvSpPr>
-          <p:cNvPr id="4" name="Date Placeholder 3">
-            <a:extLst>
-              <a:ext uri="{FF2B5EF4-FFF2-40B4-BE49-F238E27FC236}">
-                <a16:creationId xmlns:a16="http://schemas.microsoft.com/office/drawing/2014/main" id="{4AC88C2F-F149-4955-945F-0EB0B29CB6D2}"/>
-              </a:ext>
-            </a:extLst>
-          </p:cNvPr>
+            <a:endParaRPr lang="en-US" dirty="0"/>
+          </a:p>
+        </p:txBody>
+      </p:sp>
+      <p:sp>
+        <p:nvSpPr>
+          <p:cNvPr id="4" name="Date Placeholder 3"/>
           <p:cNvSpPr>
             <a:spLocks noGrp="1"/>
           </p:cNvSpPr>
@@ -1370,7 +1731,7 @@
           <a:bodyPr/>
           <a:lstStyle/>
           <a:p>
-            <a:fld id="{07A317FD-2EEA-492F-8869-5C2CACA9BA9B}" type="datetimeFigureOut">
+            <a:fld id="{6D24D16E-B183-45E0-B1F3-3CF81AE7EBA6}" type="datetime1">
               <a:rPr lang="en-CA" smtClean="0"/>
               <a:t>2020-02-11</a:t>
             </a:fld>
@@ -1380,13 +1741,7 @@
       </p:sp>
       <p:sp>
         <p:nvSpPr>
-          <p:cNvPr id="5" name="Footer Placeholder 4">
-            <a:extLst>
-              <a:ext uri="{FF2B5EF4-FFF2-40B4-BE49-F238E27FC236}">
-                <a16:creationId xmlns:a16="http://schemas.microsoft.com/office/drawing/2014/main" id="{467DA1AC-AF50-4E25-A372-2A35DB571719}"/>
-              </a:ext>
-            </a:extLst>
-          </p:cNvPr>
+          <p:cNvPr id="5" name="Footer Placeholder 4"/>
           <p:cNvSpPr>
             <a:spLocks noGrp="1"/>
           </p:cNvSpPr>
@@ -1405,13 +1760,7 @@
       </p:sp>
       <p:sp>
         <p:nvSpPr>
-          <p:cNvPr id="6" name="Slide Number Placeholder 5">
-            <a:extLst>
-              <a:ext uri="{FF2B5EF4-FFF2-40B4-BE49-F238E27FC236}">
-                <a16:creationId xmlns:a16="http://schemas.microsoft.com/office/drawing/2014/main" id="{D9D2D241-D357-4CE5-933D-062B09500C22}"/>
-              </a:ext>
-            </a:extLst>
-          </p:cNvPr>
+          <p:cNvPr id="6" name="Slide Number Placeholder 5"/>
           <p:cNvSpPr>
             <a:spLocks noGrp="1"/>
           </p:cNvSpPr>
@@ -1435,7 +1784,7 @@
     </p:spTree>
     <p:extLst>
       <p:ext uri="{BB962C8B-B14F-4D97-AF65-F5344CB8AC3E}">
-        <p14:creationId xmlns:p14="http://schemas.microsoft.com/office/powerpoint/2010/main" val="4012585871"/>
+        <p14:creationId xmlns:p14="http://schemas.microsoft.com/office/powerpoint/2010/main" val="4241411023"/>
       </p:ext>
     </p:extLst>
   </p:cSld>
@@ -1464,13 +1813,7 @@
       </p:grpSpPr>
       <p:sp>
         <p:nvSpPr>
-          <p:cNvPr id="2" name="Title 1">
-            <a:extLst>
-              <a:ext uri="{FF2B5EF4-FFF2-40B4-BE49-F238E27FC236}">
-                <a16:creationId xmlns:a16="http://schemas.microsoft.com/office/drawing/2014/main" id="{BD975479-1B43-4EB5-9735-030817A25659}"/>
-              </a:ext>
-            </a:extLst>
-          </p:cNvPr>
+          <p:cNvPr id="2" name="Title 1"/>
           <p:cNvSpPr>
             <a:spLocks noGrp="1"/>
           </p:cNvSpPr>
@@ -1484,22 +1827,16 @@
           <a:lstStyle/>
           <a:p>
             <a:r>
-              <a:rPr lang="en-US"/>
+              <a:rPr lang="en-US" smtClean="0"/>
               <a:t>Click to edit Master title style</a:t>
             </a:r>
-            <a:endParaRPr lang="en-CA"/>
-          </a:p>
-        </p:txBody>
-      </p:sp>
-      <p:sp>
-        <p:nvSpPr>
-          <p:cNvPr id="3" name="Content Placeholder 2">
-            <a:extLst>
-              <a:ext uri="{FF2B5EF4-FFF2-40B4-BE49-F238E27FC236}">
-                <a16:creationId xmlns:a16="http://schemas.microsoft.com/office/drawing/2014/main" id="{97192690-0E43-44B0-B4DD-9D67C0F6636C}"/>
-              </a:ext>
-            </a:extLst>
-          </p:cNvPr>
+            <a:endParaRPr lang="en-US" dirty="0"/>
+          </a:p>
+        </p:txBody>
+      </p:sp>
+      <p:sp>
+        <p:nvSpPr>
+          <p:cNvPr id="3" name="Content Placeholder 2"/>
           <p:cNvSpPr>
             <a:spLocks noGrp="1"/>
           </p:cNvSpPr>
@@ -1514,50 +1851,44 @@
           <a:p>
             <a:pPr lvl="0"/>
             <a:r>
-              <a:rPr lang="en-US"/>
+              <a:rPr lang="en-US" smtClean="0"/>
               <a:t>Click to edit Master text styles</a:t>
             </a:r>
           </a:p>
           <a:p>
             <a:pPr lvl="1"/>
             <a:r>
-              <a:rPr lang="en-US"/>
+              <a:rPr lang="en-US" smtClean="0"/>
               <a:t>Second level</a:t>
             </a:r>
           </a:p>
           <a:p>
             <a:pPr lvl="2"/>
             <a:r>
-              <a:rPr lang="en-US"/>
+              <a:rPr lang="en-US" smtClean="0"/>
               <a:t>Third level</a:t>
             </a:r>
           </a:p>
           <a:p>
             <a:pPr lvl="3"/>
             <a:r>
-              <a:rPr lang="en-US"/>
+              <a:rPr lang="en-US" smtClean="0"/>
               <a:t>Fourth level</a:t>
             </a:r>
           </a:p>
           <a:p>
             <a:pPr lvl="4"/>
             <a:r>
-              <a:rPr lang="en-US"/>
+              <a:rPr lang="en-US" smtClean="0"/>
               <a:t>Fifth level</a:t>
             </a:r>
-            <a:endParaRPr lang="en-CA"/>
-          </a:p>
-        </p:txBody>
-      </p:sp>
-      <p:sp>
-        <p:nvSpPr>
-          <p:cNvPr id="4" name="Date Placeholder 3">
-            <a:extLst>
-              <a:ext uri="{FF2B5EF4-FFF2-40B4-BE49-F238E27FC236}">
-                <a16:creationId xmlns:a16="http://schemas.microsoft.com/office/drawing/2014/main" id="{ADE49DDA-9F58-456E-84F1-64E257153D00}"/>
-              </a:ext>
-            </a:extLst>
-          </p:cNvPr>
+            <a:endParaRPr lang="en-US" dirty="0"/>
+          </a:p>
+        </p:txBody>
+      </p:sp>
+      <p:sp>
+        <p:nvSpPr>
+          <p:cNvPr id="4" name="Date Placeholder 3"/>
           <p:cNvSpPr>
             <a:spLocks noGrp="1"/>
           </p:cNvSpPr>
@@ -1570,7 +1901,7 @@
           <a:bodyPr/>
           <a:lstStyle/>
           <a:p>
-            <a:fld id="{07A317FD-2EEA-492F-8869-5C2CACA9BA9B}" type="datetimeFigureOut">
+            <a:fld id="{65DC060A-AC75-4AD4-8560-B10CA86B5900}" type="datetime1">
               <a:rPr lang="en-CA" smtClean="0"/>
               <a:t>2020-02-11</a:t>
             </a:fld>
@@ -1580,13 +1911,7 @@
       </p:sp>
       <p:sp>
         <p:nvSpPr>
-          <p:cNvPr id="5" name="Footer Placeholder 4">
-            <a:extLst>
-              <a:ext uri="{FF2B5EF4-FFF2-40B4-BE49-F238E27FC236}">
-                <a16:creationId xmlns:a16="http://schemas.microsoft.com/office/drawing/2014/main" id="{3A5A318F-8C5B-4D63-873A-54D84CFCD966}"/>
-              </a:ext>
-            </a:extLst>
-          </p:cNvPr>
+          <p:cNvPr id="5" name="Footer Placeholder 4"/>
           <p:cNvSpPr>
             <a:spLocks noGrp="1"/>
           </p:cNvSpPr>
@@ -1605,13 +1930,7 @@
       </p:sp>
       <p:sp>
         <p:nvSpPr>
-          <p:cNvPr id="6" name="Slide Number Placeholder 5">
-            <a:extLst>
-              <a:ext uri="{FF2B5EF4-FFF2-40B4-BE49-F238E27FC236}">
-                <a16:creationId xmlns:a16="http://schemas.microsoft.com/office/drawing/2014/main" id="{E34B4C0E-6F49-4BA7-A76B-3E15326266AC}"/>
-              </a:ext>
-            </a:extLst>
-          </p:cNvPr>
+          <p:cNvPr id="6" name="Slide Number Placeholder 5"/>
           <p:cNvSpPr>
             <a:spLocks noGrp="1"/>
           </p:cNvSpPr>
@@ -1635,7 +1954,7 @@
     </p:spTree>
     <p:extLst>
       <p:ext uri="{BB962C8B-B14F-4D97-AF65-F5344CB8AC3E}">
-        <p14:creationId xmlns:p14="http://schemas.microsoft.com/office/powerpoint/2010/main" val="3287441020"/>
+        <p14:creationId xmlns:p14="http://schemas.microsoft.com/office/powerpoint/2010/main" val="454157390"/>
       </p:ext>
     </p:extLst>
   </p:cSld>
@@ -1664,13 +1983,7 @@
       </p:grpSpPr>
       <p:sp>
         <p:nvSpPr>
-          <p:cNvPr id="2" name="Title 1">
-            <a:extLst>
-              <a:ext uri="{FF2B5EF4-FFF2-40B4-BE49-F238E27FC236}">
-                <a16:creationId xmlns:a16="http://schemas.microsoft.com/office/drawing/2014/main" id="{0D201BB6-802C-4E03-A488-C8490E4BF894}"/>
-              </a:ext>
-            </a:extLst>
-          </p:cNvPr>
+          <p:cNvPr id="2" name="Title 1"/>
           <p:cNvSpPr>
             <a:spLocks noGrp="1"/>
           </p:cNvSpPr>
@@ -1693,22 +2006,16 @@
           </a:lstStyle>
           <a:p>
             <a:r>
-              <a:rPr lang="en-US"/>
+              <a:rPr lang="en-US" smtClean="0"/>
               <a:t>Click to edit Master title style</a:t>
             </a:r>
-            <a:endParaRPr lang="en-CA"/>
-          </a:p>
-        </p:txBody>
-      </p:sp>
-      <p:sp>
-        <p:nvSpPr>
-          <p:cNvPr id="3" name="Text Placeholder 2">
-            <a:extLst>
-              <a:ext uri="{FF2B5EF4-FFF2-40B4-BE49-F238E27FC236}">
-                <a16:creationId xmlns:a16="http://schemas.microsoft.com/office/drawing/2014/main" id="{9D328FC7-8226-41FA-AE67-F16F97DCEDC6}"/>
-              </a:ext>
-            </a:extLst>
-          </p:cNvPr>
+            <a:endParaRPr lang="en-US" dirty="0"/>
+          </a:p>
+        </p:txBody>
+      </p:sp>
+      <p:sp>
+        <p:nvSpPr>
+          <p:cNvPr id="3" name="Text Placeholder 2"/>
           <p:cNvSpPr>
             <a:spLocks noGrp="1"/>
           </p:cNvSpPr>
@@ -1819,7 +2126,7 @@
           <a:p>
             <a:pPr lvl="0"/>
             <a:r>
-              <a:rPr lang="en-US"/>
+              <a:rPr lang="en-US" smtClean="0"/>
               <a:t>Click to edit Master text styles</a:t>
             </a:r>
           </a:p>
@@ -1827,13 +2134,7 @@
       </p:sp>
       <p:sp>
         <p:nvSpPr>
-          <p:cNvPr id="4" name="Date Placeholder 3">
-            <a:extLst>
-              <a:ext uri="{FF2B5EF4-FFF2-40B4-BE49-F238E27FC236}">
-                <a16:creationId xmlns:a16="http://schemas.microsoft.com/office/drawing/2014/main" id="{DB9EAC83-99B9-465B-ACBC-14177CAA63E0}"/>
-              </a:ext>
-            </a:extLst>
-          </p:cNvPr>
+          <p:cNvPr id="4" name="Date Placeholder 3"/>
           <p:cNvSpPr>
             <a:spLocks noGrp="1"/>
           </p:cNvSpPr>
@@ -1846,7 +2147,7 @@
           <a:bodyPr/>
           <a:lstStyle/>
           <a:p>
-            <a:fld id="{07A317FD-2EEA-492F-8869-5C2CACA9BA9B}" type="datetimeFigureOut">
+            <a:fld id="{0E63E658-A6CB-4143-9CA5-E252185CF6AB}" type="datetime1">
               <a:rPr lang="en-CA" smtClean="0"/>
               <a:t>2020-02-11</a:t>
             </a:fld>
@@ -1856,13 +2157,7 @@
       </p:sp>
       <p:sp>
         <p:nvSpPr>
-          <p:cNvPr id="5" name="Footer Placeholder 4">
-            <a:extLst>
-              <a:ext uri="{FF2B5EF4-FFF2-40B4-BE49-F238E27FC236}">
-                <a16:creationId xmlns:a16="http://schemas.microsoft.com/office/drawing/2014/main" id="{C9519C4A-B920-4C35-BA33-5F2ED0E5701D}"/>
-              </a:ext>
-            </a:extLst>
-          </p:cNvPr>
+          <p:cNvPr id="5" name="Footer Placeholder 4"/>
           <p:cNvSpPr>
             <a:spLocks noGrp="1"/>
           </p:cNvSpPr>
@@ -1881,13 +2176,7 @@
       </p:sp>
       <p:sp>
         <p:nvSpPr>
-          <p:cNvPr id="6" name="Slide Number Placeholder 5">
-            <a:extLst>
-              <a:ext uri="{FF2B5EF4-FFF2-40B4-BE49-F238E27FC236}">
-                <a16:creationId xmlns:a16="http://schemas.microsoft.com/office/drawing/2014/main" id="{A96F7CBF-5CFC-4BEF-95CB-94CC8CBEF96D}"/>
-              </a:ext>
-            </a:extLst>
-          </p:cNvPr>
+          <p:cNvPr id="6" name="Slide Number Placeholder 5"/>
           <p:cNvSpPr>
             <a:spLocks noGrp="1"/>
           </p:cNvSpPr>
@@ -1911,7 +2200,7 @@
     </p:spTree>
     <p:extLst>
       <p:ext uri="{BB962C8B-B14F-4D97-AF65-F5344CB8AC3E}">
-        <p14:creationId xmlns:p14="http://schemas.microsoft.com/office/powerpoint/2010/main" val="2147135461"/>
+        <p14:creationId xmlns:p14="http://schemas.microsoft.com/office/powerpoint/2010/main" val="3367220422"/>
       </p:ext>
     </p:extLst>
   </p:cSld>
@@ -1940,13 +2229,7 @@
       </p:grpSpPr>
       <p:sp>
         <p:nvSpPr>
-          <p:cNvPr id="2" name="Title 1">
-            <a:extLst>
-              <a:ext uri="{FF2B5EF4-FFF2-40B4-BE49-F238E27FC236}">
-                <a16:creationId xmlns:a16="http://schemas.microsoft.com/office/drawing/2014/main" id="{1738510A-3BF5-436D-AA19-1C8715FBCADE}"/>
-              </a:ext>
-            </a:extLst>
-          </p:cNvPr>
+          <p:cNvPr id="2" name="Title 1"/>
           <p:cNvSpPr>
             <a:spLocks noGrp="1"/>
           </p:cNvSpPr>
@@ -1960,22 +2243,16 @@
           <a:lstStyle/>
           <a:p>
             <a:r>
-              <a:rPr lang="en-US"/>
+              <a:rPr lang="en-US" smtClean="0"/>
               <a:t>Click to edit Master title style</a:t>
             </a:r>
-            <a:endParaRPr lang="en-CA"/>
-          </a:p>
-        </p:txBody>
-      </p:sp>
-      <p:sp>
-        <p:nvSpPr>
-          <p:cNvPr id="3" name="Content Placeholder 2">
-            <a:extLst>
-              <a:ext uri="{FF2B5EF4-FFF2-40B4-BE49-F238E27FC236}">
-                <a16:creationId xmlns:a16="http://schemas.microsoft.com/office/drawing/2014/main" id="{20780167-6CB5-4F3F-AB11-D3AD2F7028DE}"/>
-              </a:ext>
-            </a:extLst>
-          </p:cNvPr>
+            <a:endParaRPr lang="en-US" dirty="0"/>
+          </a:p>
+        </p:txBody>
+      </p:sp>
+      <p:sp>
+        <p:nvSpPr>
+          <p:cNvPr id="3" name="Content Placeholder 2"/>
           <p:cNvSpPr>
             <a:spLocks noGrp="1"/>
           </p:cNvSpPr>
@@ -1995,50 +2272,44 @@
           <a:p>
             <a:pPr lvl="0"/>
             <a:r>
-              <a:rPr lang="en-US"/>
+              <a:rPr lang="en-US" smtClean="0"/>
               <a:t>Click to edit Master text styles</a:t>
             </a:r>
           </a:p>
           <a:p>
             <a:pPr lvl="1"/>
             <a:r>
-              <a:rPr lang="en-US"/>
+              <a:rPr lang="en-US" smtClean="0"/>
               <a:t>Second level</a:t>
             </a:r>
           </a:p>
           <a:p>
             <a:pPr lvl="2"/>
             <a:r>
-              <a:rPr lang="en-US"/>
+              <a:rPr lang="en-US" smtClean="0"/>
               <a:t>Third level</a:t>
             </a:r>
           </a:p>
           <a:p>
             <a:pPr lvl="3"/>
             <a:r>
-              <a:rPr lang="en-US"/>
+              <a:rPr lang="en-US" smtClean="0"/>
               <a:t>Fourth level</a:t>
             </a:r>
           </a:p>
           <a:p>
             <a:pPr lvl="4"/>
             <a:r>
-              <a:rPr lang="en-US"/>
+              <a:rPr lang="en-US" smtClean="0"/>
               <a:t>Fifth level</a:t>
             </a:r>
-            <a:endParaRPr lang="en-CA"/>
-          </a:p>
-        </p:txBody>
-      </p:sp>
-      <p:sp>
-        <p:nvSpPr>
-          <p:cNvPr id="4" name="Content Placeholder 3">
-            <a:extLst>
-              <a:ext uri="{FF2B5EF4-FFF2-40B4-BE49-F238E27FC236}">
-                <a16:creationId xmlns:a16="http://schemas.microsoft.com/office/drawing/2014/main" id="{89F5E733-77D8-43CC-82F2-65ED2608B4B9}"/>
-              </a:ext>
-            </a:extLst>
-          </p:cNvPr>
+            <a:endParaRPr lang="en-US" dirty="0"/>
+          </a:p>
+        </p:txBody>
+      </p:sp>
+      <p:sp>
+        <p:nvSpPr>
+          <p:cNvPr id="4" name="Content Placeholder 3"/>
           <p:cNvSpPr>
             <a:spLocks noGrp="1"/>
           </p:cNvSpPr>
@@ -2058,50 +2329,44 @@
           <a:p>
             <a:pPr lvl="0"/>
             <a:r>
-              <a:rPr lang="en-US"/>
+              <a:rPr lang="en-US" smtClean="0"/>
               <a:t>Click to edit Master text styles</a:t>
             </a:r>
           </a:p>
           <a:p>
             <a:pPr lvl="1"/>
             <a:r>
-              <a:rPr lang="en-US"/>
+              <a:rPr lang="en-US" smtClean="0"/>
               <a:t>Second level</a:t>
             </a:r>
           </a:p>
           <a:p>
             <a:pPr lvl="2"/>
             <a:r>
-              <a:rPr lang="en-US"/>
+              <a:rPr lang="en-US" smtClean="0"/>
               <a:t>Third level</a:t>
             </a:r>
           </a:p>
           <a:p>
             <a:pPr lvl="3"/>
             <a:r>
-              <a:rPr lang="en-US"/>
+              <a:rPr lang="en-US" smtClean="0"/>
               <a:t>Fourth level</a:t>
             </a:r>
           </a:p>
           <a:p>
             <a:pPr lvl="4"/>
             <a:r>
-              <a:rPr lang="en-US"/>
+              <a:rPr lang="en-US" smtClean="0"/>
               <a:t>Fifth level</a:t>
             </a:r>
-            <a:endParaRPr lang="en-CA"/>
-          </a:p>
-        </p:txBody>
-      </p:sp>
-      <p:sp>
-        <p:nvSpPr>
-          <p:cNvPr id="5" name="Date Placeholder 4">
-            <a:extLst>
-              <a:ext uri="{FF2B5EF4-FFF2-40B4-BE49-F238E27FC236}">
-                <a16:creationId xmlns:a16="http://schemas.microsoft.com/office/drawing/2014/main" id="{875D5ED1-BE96-4504-8113-E7AE12FB821A}"/>
-              </a:ext>
-            </a:extLst>
-          </p:cNvPr>
+            <a:endParaRPr lang="en-US" dirty="0"/>
+          </a:p>
+        </p:txBody>
+      </p:sp>
+      <p:sp>
+        <p:nvSpPr>
+          <p:cNvPr id="5" name="Date Placeholder 4"/>
           <p:cNvSpPr>
             <a:spLocks noGrp="1"/>
           </p:cNvSpPr>
@@ -2114,7 +2379,7 @@
           <a:bodyPr/>
           <a:lstStyle/>
           <a:p>
-            <a:fld id="{07A317FD-2EEA-492F-8869-5C2CACA9BA9B}" type="datetimeFigureOut">
+            <a:fld id="{86334D7C-786D-4534-928E-3B12A8DB1989}" type="datetime1">
               <a:rPr lang="en-CA" smtClean="0"/>
               <a:t>2020-02-11</a:t>
             </a:fld>
@@ -2124,13 +2389,7 @@
       </p:sp>
       <p:sp>
         <p:nvSpPr>
-          <p:cNvPr id="6" name="Footer Placeholder 5">
-            <a:extLst>
-              <a:ext uri="{FF2B5EF4-FFF2-40B4-BE49-F238E27FC236}">
-                <a16:creationId xmlns:a16="http://schemas.microsoft.com/office/drawing/2014/main" id="{5A249EB0-3D45-405C-8DD7-36D810ADC797}"/>
-              </a:ext>
-            </a:extLst>
-          </p:cNvPr>
+          <p:cNvPr id="6" name="Footer Placeholder 5"/>
           <p:cNvSpPr>
             <a:spLocks noGrp="1"/>
           </p:cNvSpPr>
@@ -2149,13 +2408,7 @@
       </p:sp>
       <p:sp>
         <p:nvSpPr>
-          <p:cNvPr id="7" name="Slide Number Placeholder 6">
-            <a:extLst>
-              <a:ext uri="{FF2B5EF4-FFF2-40B4-BE49-F238E27FC236}">
-                <a16:creationId xmlns:a16="http://schemas.microsoft.com/office/drawing/2014/main" id="{C407E578-F0B4-450F-8205-CD30BDD25BDB}"/>
-              </a:ext>
-            </a:extLst>
-          </p:cNvPr>
+          <p:cNvPr id="7" name="Slide Number Placeholder 6"/>
           <p:cNvSpPr>
             <a:spLocks noGrp="1"/>
           </p:cNvSpPr>
@@ -2179,7 +2432,7 @@
     </p:spTree>
     <p:extLst>
       <p:ext uri="{BB962C8B-B14F-4D97-AF65-F5344CB8AC3E}">
-        <p14:creationId xmlns:p14="http://schemas.microsoft.com/office/powerpoint/2010/main" val="4066226544"/>
+        <p14:creationId xmlns:p14="http://schemas.microsoft.com/office/powerpoint/2010/main" val="3637564168"/>
       </p:ext>
     </p:extLst>
   </p:cSld>
@@ -2208,13 +2461,7 @@
       </p:grpSpPr>
       <p:sp>
         <p:nvSpPr>
-          <p:cNvPr id="2" name="Title 1">
-            <a:extLst>
-              <a:ext uri="{FF2B5EF4-FFF2-40B4-BE49-F238E27FC236}">
-                <a16:creationId xmlns:a16="http://schemas.microsoft.com/office/drawing/2014/main" id="{DAD5B3E2-FB12-444F-B6D9-F572D04FCF3E}"/>
-              </a:ext>
-            </a:extLst>
-          </p:cNvPr>
+          <p:cNvPr id="2" name="Title 1"/>
           <p:cNvSpPr>
             <a:spLocks noGrp="1"/>
           </p:cNvSpPr>
@@ -2233,22 +2480,16 @@
           <a:lstStyle/>
           <a:p>
             <a:r>
-              <a:rPr lang="en-US"/>
+              <a:rPr lang="en-US" smtClean="0"/>
               <a:t>Click to edit Master title style</a:t>
             </a:r>
-            <a:endParaRPr lang="en-CA"/>
-          </a:p>
-        </p:txBody>
-      </p:sp>
-      <p:sp>
-        <p:nvSpPr>
-          <p:cNvPr id="3" name="Text Placeholder 2">
-            <a:extLst>
-              <a:ext uri="{FF2B5EF4-FFF2-40B4-BE49-F238E27FC236}">
-                <a16:creationId xmlns:a16="http://schemas.microsoft.com/office/drawing/2014/main" id="{EA35C7CB-0E8A-4EB3-9D47-C8020AFDA65C}"/>
-              </a:ext>
-            </a:extLst>
-          </p:cNvPr>
+            <a:endParaRPr lang="en-US" dirty="0"/>
+          </a:p>
+        </p:txBody>
+      </p:sp>
+      <p:sp>
+        <p:nvSpPr>
+          <p:cNvPr id="3" name="Text Placeholder 2"/>
           <p:cNvSpPr>
             <a:spLocks noGrp="1"/>
           </p:cNvSpPr>
@@ -2305,7 +2546,7 @@
           <a:p>
             <a:pPr lvl="0"/>
             <a:r>
-              <a:rPr lang="en-US"/>
+              <a:rPr lang="en-US" smtClean="0"/>
               <a:t>Click to edit Master text styles</a:t>
             </a:r>
           </a:p>
@@ -2313,13 +2554,7 @@
       </p:sp>
       <p:sp>
         <p:nvSpPr>
-          <p:cNvPr id="4" name="Content Placeholder 3">
-            <a:extLst>
-              <a:ext uri="{FF2B5EF4-FFF2-40B4-BE49-F238E27FC236}">
-                <a16:creationId xmlns:a16="http://schemas.microsoft.com/office/drawing/2014/main" id="{DAC51CFD-8DBC-436A-B6C2-4452E426D36D}"/>
-              </a:ext>
-            </a:extLst>
-          </p:cNvPr>
+          <p:cNvPr id="4" name="Content Placeholder 3"/>
           <p:cNvSpPr>
             <a:spLocks noGrp="1"/>
           </p:cNvSpPr>
@@ -2339,50 +2574,44 @@
           <a:p>
             <a:pPr lvl="0"/>
             <a:r>
-              <a:rPr lang="en-US"/>
+              <a:rPr lang="en-US" smtClean="0"/>
               <a:t>Click to edit Master text styles</a:t>
             </a:r>
           </a:p>
           <a:p>
             <a:pPr lvl="1"/>
             <a:r>
-              <a:rPr lang="en-US"/>
+              <a:rPr lang="en-US" smtClean="0"/>
               <a:t>Second level</a:t>
             </a:r>
           </a:p>
           <a:p>
             <a:pPr lvl="2"/>
             <a:r>
-              <a:rPr lang="en-US"/>
+              <a:rPr lang="en-US" smtClean="0"/>
               <a:t>Third level</a:t>
             </a:r>
           </a:p>
           <a:p>
             <a:pPr lvl="3"/>
             <a:r>
-              <a:rPr lang="en-US"/>
+              <a:rPr lang="en-US" smtClean="0"/>
               <a:t>Fourth level</a:t>
             </a:r>
           </a:p>
           <a:p>
             <a:pPr lvl="4"/>
             <a:r>
-              <a:rPr lang="en-US"/>
+              <a:rPr lang="en-US" smtClean="0"/>
               <a:t>Fifth level</a:t>
             </a:r>
-            <a:endParaRPr lang="en-CA"/>
-          </a:p>
-        </p:txBody>
-      </p:sp>
-      <p:sp>
-        <p:nvSpPr>
-          <p:cNvPr id="5" name="Text Placeholder 4">
-            <a:extLst>
-              <a:ext uri="{FF2B5EF4-FFF2-40B4-BE49-F238E27FC236}">
-                <a16:creationId xmlns:a16="http://schemas.microsoft.com/office/drawing/2014/main" id="{3D4A602A-0B49-4601-9F79-D20A683C1855}"/>
-              </a:ext>
-            </a:extLst>
-          </p:cNvPr>
+            <a:endParaRPr lang="en-US" dirty="0"/>
+          </a:p>
+        </p:txBody>
+      </p:sp>
+      <p:sp>
+        <p:nvSpPr>
+          <p:cNvPr id="5" name="Text Placeholder 4"/>
           <p:cNvSpPr>
             <a:spLocks noGrp="1"/>
           </p:cNvSpPr>
@@ -2439,7 +2668,7 @@
           <a:p>
             <a:pPr lvl="0"/>
             <a:r>
-              <a:rPr lang="en-US"/>
+              <a:rPr lang="en-US" smtClean="0"/>
               <a:t>Click to edit Master text styles</a:t>
             </a:r>
           </a:p>
@@ -2447,13 +2676,7 @@
       </p:sp>
       <p:sp>
         <p:nvSpPr>
-          <p:cNvPr id="6" name="Content Placeholder 5">
-            <a:extLst>
-              <a:ext uri="{FF2B5EF4-FFF2-40B4-BE49-F238E27FC236}">
-                <a16:creationId xmlns:a16="http://schemas.microsoft.com/office/drawing/2014/main" id="{D499F2E7-BF48-4CF9-AF22-285756C8DD8B}"/>
-              </a:ext>
-            </a:extLst>
-          </p:cNvPr>
+          <p:cNvPr id="6" name="Content Placeholder 5"/>
           <p:cNvSpPr>
             <a:spLocks noGrp="1"/>
           </p:cNvSpPr>
@@ -2473,50 +2696,44 @@
           <a:p>
             <a:pPr lvl="0"/>
             <a:r>
-              <a:rPr lang="en-US"/>
+              <a:rPr lang="en-US" smtClean="0"/>
               <a:t>Click to edit Master text styles</a:t>
             </a:r>
           </a:p>
           <a:p>
             <a:pPr lvl="1"/>
             <a:r>
-              <a:rPr lang="en-US"/>
+              <a:rPr lang="en-US" smtClean="0"/>
               <a:t>Second level</a:t>
             </a:r>
           </a:p>
           <a:p>
             <a:pPr lvl="2"/>
             <a:r>
-              <a:rPr lang="en-US"/>
+              <a:rPr lang="en-US" smtClean="0"/>
               <a:t>Third level</a:t>
             </a:r>
           </a:p>
           <a:p>
             <a:pPr lvl="3"/>
             <a:r>
-              <a:rPr lang="en-US"/>
+              <a:rPr lang="en-US" smtClean="0"/>
               <a:t>Fourth level</a:t>
             </a:r>
           </a:p>
           <a:p>
             <a:pPr lvl="4"/>
             <a:r>
-              <a:rPr lang="en-US"/>
+              <a:rPr lang="en-US" smtClean="0"/>
               <a:t>Fifth level</a:t>
             </a:r>
-            <a:endParaRPr lang="en-CA"/>
-          </a:p>
-        </p:txBody>
-      </p:sp>
-      <p:sp>
-        <p:nvSpPr>
-          <p:cNvPr id="7" name="Date Placeholder 6">
-            <a:extLst>
-              <a:ext uri="{FF2B5EF4-FFF2-40B4-BE49-F238E27FC236}">
-                <a16:creationId xmlns:a16="http://schemas.microsoft.com/office/drawing/2014/main" id="{56010197-2342-4771-82D6-99841A70509A}"/>
-              </a:ext>
-            </a:extLst>
-          </p:cNvPr>
+            <a:endParaRPr lang="en-US" dirty="0"/>
+          </a:p>
+        </p:txBody>
+      </p:sp>
+      <p:sp>
+        <p:nvSpPr>
+          <p:cNvPr id="7" name="Date Placeholder 6"/>
           <p:cNvSpPr>
             <a:spLocks noGrp="1"/>
           </p:cNvSpPr>
@@ -2529,7 +2746,7 @@
           <a:bodyPr/>
           <a:lstStyle/>
           <a:p>
-            <a:fld id="{07A317FD-2EEA-492F-8869-5C2CACA9BA9B}" type="datetimeFigureOut">
+            <a:fld id="{5A52BC53-BEB4-418F-B04F-D95A03CBB44C}" type="datetime1">
               <a:rPr lang="en-CA" smtClean="0"/>
               <a:t>2020-02-11</a:t>
             </a:fld>
@@ -2539,13 +2756,7 @@
       </p:sp>
       <p:sp>
         <p:nvSpPr>
-          <p:cNvPr id="8" name="Footer Placeholder 7">
-            <a:extLst>
-              <a:ext uri="{FF2B5EF4-FFF2-40B4-BE49-F238E27FC236}">
-                <a16:creationId xmlns:a16="http://schemas.microsoft.com/office/drawing/2014/main" id="{02A1E83C-011C-49EC-B995-19942E179AF2}"/>
-              </a:ext>
-            </a:extLst>
-          </p:cNvPr>
+          <p:cNvPr id="8" name="Footer Placeholder 7"/>
           <p:cNvSpPr>
             <a:spLocks noGrp="1"/>
           </p:cNvSpPr>
@@ -2564,13 +2775,7 @@
       </p:sp>
       <p:sp>
         <p:nvSpPr>
-          <p:cNvPr id="9" name="Slide Number Placeholder 8">
-            <a:extLst>
-              <a:ext uri="{FF2B5EF4-FFF2-40B4-BE49-F238E27FC236}">
-                <a16:creationId xmlns:a16="http://schemas.microsoft.com/office/drawing/2014/main" id="{F70D7CE5-BA00-4F03-BE19-A8830811FECF}"/>
-              </a:ext>
-            </a:extLst>
-          </p:cNvPr>
+          <p:cNvPr id="9" name="Slide Number Placeholder 8"/>
           <p:cNvSpPr>
             <a:spLocks noGrp="1"/>
           </p:cNvSpPr>
@@ -2594,7 +2799,7 @@
     </p:spTree>
     <p:extLst>
       <p:ext uri="{BB962C8B-B14F-4D97-AF65-F5344CB8AC3E}">
-        <p14:creationId xmlns:p14="http://schemas.microsoft.com/office/powerpoint/2010/main" val="532780809"/>
+        <p14:creationId xmlns:p14="http://schemas.microsoft.com/office/powerpoint/2010/main" val="2621848089"/>
       </p:ext>
     </p:extLst>
   </p:cSld>
@@ -2623,13 +2828,7 @@
       </p:grpSpPr>
       <p:sp>
         <p:nvSpPr>
-          <p:cNvPr id="2" name="Title 1">
-            <a:extLst>
-              <a:ext uri="{FF2B5EF4-FFF2-40B4-BE49-F238E27FC236}">
-                <a16:creationId xmlns:a16="http://schemas.microsoft.com/office/drawing/2014/main" id="{29A0039B-C1C5-410F-860B-C1EFC836C268}"/>
-              </a:ext>
-            </a:extLst>
-          </p:cNvPr>
+          <p:cNvPr id="2" name="Title 1"/>
           <p:cNvSpPr>
             <a:spLocks noGrp="1"/>
           </p:cNvSpPr>
@@ -2643,22 +2842,16 @@
           <a:lstStyle/>
           <a:p>
             <a:r>
-              <a:rPr lang="en-US"/>
+              <a:rPr lang="en-US" smtClean="0"/>
               <a:t>Click to edit Master title style</a:t>
             </a:r>
-            <a:endParaRPr lang="en-CA"/>
-          </a:p>
-        </p:txBody>
-      </p:sp>
-      <p:sp>
-        <p:nvSpPr>
-          <p:cNvPr id="3" name="Date Placeholder 2">
-            <a:extLst>
-              <a:ext uri="{FF2B5EF4-FFF2-40B4-BE49-F238E27FC236}">
-                <a16:creationId xmlns:a16="http://schemas.microsoft.com/office/drawing/2014/main" id="{E00A3936-CD09-492C-8842-9FE63B23F4D4}"/>
-              </a:ext>
-            </a:extLst>
-          </p:cNvPr>
+            <a:endParaRPr lang="en-US" dirty="0"/>
+          </a:p>
+        </p:txBody>
+      </p:sp>
+      <p:sp>
+        <p:nvSpPr>
+          <p:cNvPr id="3" name="Date Placeholder 2"/>
           <p:cNvSpPr>
             <a:spLocks noGrp="1"/>
           </p:cNvSpPr>
@@ -2671,7 +2864,7 @@
           <a:bodyPr/>
           <a:lstStyle/>
           <a:p>
-            <a:fld id="{07A317FD-2EEA-492F-8869-5C2CACA9BA9B}" type="datetimeFigureOut">
+            <a:fld id="{7161DD02-C9D1-424C-A11E-4528E5D6C327}" type="datetime1">
               <a:rPr lang="en-CA" smtClean="0"/>
               <a:t>2020-02-11</a:t>
             </a:fld>
@@ -2681,13 +2874,7 @@
       </p:sp>
       <p:sp>
         <p:nvSpPr>
-          <p:cNvPr id="4" name="Footer Placeholder 3">
-            <a:extLst>
-              <a:ext uri="{FF2B5EF4-FFF2-40B4-BE49-F238E27FC236}">
-                <a16:creationId xmlns:a16="http://schemas.microsoft.com/office/drawing/2014/main" id="{42C132F3-30F9-4F27-8015-93B920DF4961}"/>
-              </a:ext>
-            </a:extLst>
-          </p:cNvPr>
+          <p:cNvPr id="4" name="Footer Placeholder 3"/>
           <p:cNvSpPr>
             <a:spLocks noGrp="1"/>
           </p:cNvSpPr>
@@ -2706,13 +2893,7 @@
       </p:sp>
       <p:sp>
         <p:nvSpPr>
-          <p:cNvPr id="5" name="Slide Number Placeholder 4">
-            <a:extLst>
-              <a:ext uri="{FF2B5EF4-FFF2-40B4-BE49-F238E27FC236}">
-                <a16:creationId xmlns:a16="http://schemas.microsoft.com/office/drawing/2014/main" id="{77F52D28-233A-416D-9BDA-0DB98DF51759}"/>
-              </a:ext>
-            </a:extLst>
-          </p:cNvPr>
+          <p:cNvPr id="5" name="Slide Number Placeholder 4"/>
           <p:cNvSpPr>
             <a:spLocks noGrp="1"/>
           </p:cNvSpPr>
@@ -2736,7 +2917,7 @@
     </p:spTree>
     <p:extLst>
       <p:ext uri="{BB962C8B-B14F-4D97-AF65-F5344CB8AC3E}">
-        <p14:creationId xmlns:p14="http://schemas.microsoft.com/office/powerpoint/2010/main" val="65495549"/>
+        <p14:creationId xmlns:p14="http://schemas.microsoft.com/office/powerpoint/2010/main" val="4107812018"/>
       </p:ext>
     </p:extLst>
   </p:cSld>
@@ -2765,13 +2946,7 @@
       </p:grpSpPr>
       <p:sp>
         <p:nvSpPr>
-          <p:cNvPr id="2" name="Date Placeholder 1">
-            <a:extLst>
-              <a:ext uri="{FF2B5EF4-FFF2-40B4-BE49-F238E27FC236}">
-                <a16:creationId xmlns:a16="http://schemas.microsoft.com/office/drawing/2014/main" id="{DBFF0A67-A568-4FD0-9231-3D0ED04F356D}"/>
-              </a:ext>
-            </a:extLst>
-          </p:cNvPr>
+          <p:cNvPr id="2" name="Date Placeholder 1"/>
           <p:cNvSpPr>
             <a:spLocks noGrp="1"/>
           </p:cNvSpPr>
@@ -2784,7 +2959,7 @@
           <a:bodyPr/>
           <a:lstStyle/>
           <a:p>
-            <a:fld id="{07A317FD-2EEA-492F-8869-5C2CACA9BA9B}" type="datetimeFigureOut">
+            <a:fld id="{FD070F63-9D92-4793-8EDD-3414A76C9A71}" type="datetime1">
               <a:rPr lang="en-CA" smtClean="0"/>
               <a:t>2020-02-11</a:t>
             </a:fld>
@@ -2794,13 +2969,7 @@
       </p:sp>
       <p:sp>
         <p:nvSpPr>
-          <p:cNvPr id="3" name="Footer Placeholder 2">
-            <a:extLst>
-              <a:ext uri="{FF2B5EF4-FFF2-40B4-BE49-F238E27FC236}">
-                <a16:creationId xmlns:a16="http://schemas.microsoft.com/office/drawing/2014/main" id="{ECC09C06-9E81-47A6-BD15-5BBFF2F67129}"/>
-              </a:ext>
-            </a:extLst>
-          </p:cNvPr>
+          <p:cNvPr id="3" name="Footer Placeholder 2"/>
           <p:cNvSpPr>
             <a:spLocks noGrp="1"/>
           </p:cNvSpPr>
@@ -2819,13 +2988,7 @@
       </p:sp>
       <p:sp>
         <p:nvSpPr>
-          <p:cNvPr id="4" name="Slide Number Placeholder 3">
-            <a:extLst>
-              <a:ext uri="{FF2B5EF4-FFF2-40B4-BE49-F238E27FC236}">
-                <a16:creationId xmlns:a16="http://schemas.microsoft.com/office/drawing/2014/main" id="{9FCC0B53-4531-4E68-881D-51ADADC00C92}"/>
-              </a:ext>
-            </a:extLst>
-          </p:cNvPr>
+          <p:cNvPr id="4" name="Slide Number Placeholder 3"/>
           <p:cNvSpPr>
             <a:spLocks noGrp="1"/>
           </p:cNvSpPr>
@@ -2849,7 +3012,7 @@
     </p:spTree>
     <p:extLst>
       <p:ext uri="{BB962C8B-B14F-4D97-AF65-F5344CB8AC3E}">
-        <p14:creationId xmlns:p14="http://schemas.microsoft.com/office/powerpoint/2010/main" val="2807525695"/>
+        <p14:creationId xmlns:p14="http://schemas.microsoft.com/office/powerpoint/2010/main" val="2923680513"/>
       </p:ext>
     </p:extLst>
   </p:cSld>
@@ -2878,13 +3041,7 @@
       </p:grpSpPr>
       <p:sp>
         <p:nvSpPr>
-          <p:cNvPr id="2" name="Title 1">
-            <a:extLst>
-              <a:ext uri="{FF2B5EF4-FFF2-40B4-BE49-F238E27FC236}">
-                <a16:creationId xmlns:a16="http://schemas.microsoft.com/office/drawing/2014/main" id="{0319D003-F375-4FA5-97BF-F47B1F7D4F57}"/>
-              </a:ext>
-            </a:extLst>
-          </p:cNvPr>
+          <p:cNvPr id="2" name="Title 1"/>
           <p:cNvSpPr>
             <a:spLocks noGrp="1"/>
           </p:cNvSpPr>
@@ -2907,22 +3064,16 @@
           </a:lstStyle>
           <a:p>
             <a:r>
-              <a:rPr lang="en-US"/>
+              <a:rPr lang="en-US" smtClean="0"/>
               <a:t>Click to edit Master title style</a:t>
             </a:r>
-            <a:endParaRPr lang="en-CA"/>
-          </a:p>
-        </p:txBody>
-      </p:sp>
-      <p:sp>
-        <p:nvSpPr>
-          <p:cNvPr id="3" name="Content Placeholder 2">
-            <a:extLst>
-              <a:ext uri="{FF2B5EF4-FFF2-40B4-BE49-F238E27FC236}">
-                <a16:creationId xmlns:a16="http://schemas.microsoft.com/office/drawing/2014/main" id="{BD0AFFF9-D151-4861-A51B-27D5B6FDC3C7}"/>
-              </a:ext>
-            </a:extLst>
-          </p:cNvPr>
+            <a:endParaRPr lang="en-US" dirty="0"/>
+          </a:p>
+        </p:txBody>
+      </p:sp>
+      <p:sp>
+        <p:nvSpPr>
+          <p:cNvPr id="3" name="Content Placeholder 2"/>
           <p:cNvSpPr>
             <a:spLocks noGrp="1"/>
           </p:cNvSpPr>
@@ -2970,50 +3121,44 @@
           <a:p>
             <a:pPr lvl="0"/>
             <a:r>
-              <a:rPr lang="en-US"/>
+              <a:rPr lang="en-US" smtClean="0"/>
               <a:t>Click to edit Master text styles</a:t>
             </a:r>
           </a:p>
           <a:p>
             <a:pPr lvl="1"/>
             <a:r>
-              <a:rPr lang="en-US"/>
+              <a:rPr lang="en-US" smtClean="0"/>
               <a:t>Second level</a:t>
             </a:r>
           </a:p>
           <a:p>
             <a:pPr lvl="2"/>
             <a:r>
-              <a:rPr lang="en-US"/>
+              <a:rPr lang="en-US" smtClean="0"/>
               <a:t>Third level</a:t>
             </a:r>
           </a:p>
           <a:p>
             <a:pPr lvl="3"/>
             <a:r>
-              <a:rPr lang="en-US"/>
+              <a:rPr lang="en-US" smtClean="0"/>
               <a:t>Fourth level</a:t>
             </a:r>
           </a:p>
           <a:p>
             <a:pPr lvl="4"/>
             <a:r>
-              <a:rPr lang="en-US"/>
+              <a:rPr lang="en-US" smtClean="0"/>
               <a:t>Fifth level</a:t>
             </a:r>
-            <a:endParaRPr lang="en-CA"/>
-          </a:p>
-        </p:txBody>
-      </p:sp>
-      <p:sp>
-        <p:nvSpPr>
-          <p:cNvPr id="4" name="Text Placeholder 3">
-            <a:extLst>
-              <a:ext uri="{FF2B5EF4-FFF2-40B4-BE49-F238E27FC236}">
-                <a16:creationId xmlns:a16="http://schemas.microsoft.com/office/drawing/2014/main" id="{9B7E4BE1-A41F-45DC-AD9B-5C0955C3F26E}"/>
-              </a:ext>
-            </a:extLst>
-          </p:cNvPr>
+            <a:endParaRPr lang="en-US" dirty="0"/>
+          </a:p>
+        </p:txBody>
+      </p:sp>
+      <p:sp>
+        <p:nvSpPr>
+          <p:cNvPr id="4" name="Text Placeholder 3"/>
           <p:cNvSpPr>
             <a:spLocks noGrp="1"/>
           </p:cNvSpPr>
@@ -3070,7 +3215,7 @@
           <a:p>
             <a:pPr lvl="0"/>
             <a:r>
-              <a:rPr lang="en-US"/>
+              <a:rPr lang="en-US" smtClean="0"/>
               <a:t>Click to edit Master text styles</a:t>
             </a:r>
           </a:p>
@@ -3078,13 +3223,7 @@
       </p:sp>
       <p:sp>
         <p:nvSpPr>
-          <p:cNvPr id="5" name="Date Placeholder 4">
-            <a:extLst>
-              <a:ext uri="{FF2B5EF4-FFF2-40B4-BE49-F238E27FC236}">
-                <a16:creationId xmlns:a16="http://schemas.microsoft.com/office/drawing/2014/main" id="{58451C5E-987D-4976-8403-DE1F301E822D}"/>
-              </a:ext>
-            </a:extLst>
-          </p:cNvPr>
+          <p:cNvPr id="5" name="Date Placeholder 4"/>
           <p:cNvSpPr>
             <a:spLocks noGrp="1"/>
           </p:cNvSpPr>
@@ -3097,7 +3236,7 @@
           <a:bodyPr/>
           <a:lstStyle/>
           <a:p>
-            <a:fld id="{07A317FD-2EEA-492F-8869-5C2CACA9BA9B}" type="datetimeFigureOut">
+            <a:fld id="{FD769F1F-3028-4F0D-A3DB-E6937BEC16AF}" type="datetime1">
               <a:rPr lang="en-CA" smtClean="0"/>
               <a:t>2020-02-11</a:t>
             </a:fld>
@@ -3107,13 +3246,7 @@
       </p:sp>
       <p:sp>
         <p:nvSpPr>
-          <p:cNvPr id="6" name="Footer Placeholder 5">
-            <a:extLst>
-              <a:ext uri="{FF2B5EF4-FFF2-40B4-BE49-F238E27FC236}">
-                <a16:creationId xmlns:a16="http://schemas.microsoft.com/office/drawing/2014/main" id="{12D66623-636B-4A9A-A8EE-04467DFDF8F8}"/>
-              </a:ext>
-            </a:extLst>
-          </p:cNvPr>
+          <p:cNvPr id="6" name="Footer Placeholder 5"/>
           <p:cNvSpPr>
             <a:spLocks noGrp="1"/>
           </p:cNvSpPr>
@@ -3132,13 +3265,7 @@
       </p:sp>
       <p:sp>
         <p:nvSpPr>
-          <p:cNvPr id="7" name="Slide Number Placeholder 6">
-            <a:extLst>
-              <a:ext uri="{FF2B5EF4-FFF2-40B4-BE49-F238E27FC236}">
-                <a16:creationId xmlns:a16="http://schemas.microsoft.com/office/drawing/2014/main" id="{6ADFA406-6A9E-4B9A-8604-32E71F588D45}"/>
-              </a:ext>
-            </a:extLst>
-          </p:cNvPr>
+          <p:cNvPr id="7" name="Slide Number Placeholder 6"/>
           <p:cNvSpPr>
             <a:spLocks noGrp="1"/>
           </p:cNvSpPr>
@@ -3162,7 +3289,7 @@
     </p:spTree>
     <p:extLst>
       <p:ext uri="{BB962C8B-B14F-4D97-AF65-F5344CB8AC3E}">
-        <p14:creationId xmlns:p14="http://schemas.microsoft.com/office/powerpoint/2010/main" val="3622543246"/>
+        <p14:creationId xmlns:p14="http://schemas.microsoft.com/office/powerpoint/2010/main" val="764184037"/>
       </p:ext>
     </p:extLst>
   </p:cSld>
@@ -3191,13 +3318,7 @@
       </p:grpSpPr>
       <p:sp>
         <p:nvSpPr>
-          <p:cNvPr id="2" name="Title 1">
-            <a:extLst>
-              <a:ext uri="{FF2B5EF4-FFF2-40B4-BE49-F238E27FC236}">
-                <a16:creationId xmlns:a16="http://schemas.microsoft.com/office/drawing/2014/main" id="{76CBDAE1-42EB-4670-88C9-773CA28DF58C}"/>
-              </a:ext>
-            </a:extLst>
-          </p:cNvPr>
+          <p:cNvPr id="2" name="Title 1"/>
           <p:cNvSpPr>
             <a:spLocks noGrp="1"/>
           </p:cNvSpPr>
@@ -3220,24 +3341,18 @@
           </a:lstStyle>
           <a:p>
             <a:r>
-              <a:rPr lang="en-US"/>
+              <a:rPr lang="en-US" smtClean="0"/>
               <a:t>Click to edit Master title style</a:t>
             </a:r>
-            <a:endParaRPr lang="en-CA"/>
-          </a:p>
-        </p:txBody>
-      </p:sp>
-      <p:sp>
-        <p:nvSpPr>
-          <p:cNvPr id="3" name="Picture Placeholder 2">
-            <a:extLst>
-              <a:ext uri="{FF2B5EF4-FFF2-40B4-BE49-F238E27FC236}">
-                <a16:creationId xmlns:a16="http://schemas.microsoft.com/office/drawing/2014/main" id="{43AF3945-C955-44F7-9099-4AE3096CADAE}"/>
-              </a:ext>
-            </a:extLst>
-          </p:cNvPr>
-          <p:cNvSpPr>
-            <a:spLocks noGrp="1"/>
+            <a:endParaRPr lang="en-US" dirty="0"/>
+          </a:p>
+        </p:txBody>
+      </p:sp>
+      <p:sp>
+        <p:nvSpPr>
+          <p:cNvPr id="3" name="Picture Placeholder 2"/>
+          <p:cNvSpPr>
+            <a:spLocks noGrp="1" noChangeAspect="1"/>
           </p:cNvSpPr>
           <p:nvPr>
             <p:ph type="pic" idx="1"/>
@@ -3250,7 +3365,7 @@
           </a:xfrm>
         </p:spPr>
         <p:txBody>
-          <a:bodyPr/>
+          <a:bodyPr anchor="t"/>
           <a:lstStyle>
             <a:lvl1pPr marL="0" indent="0">
               <a:buNone/>
@@ -3290,19 +3405,17 @@
             </a:lvl9pPr>
           </a:lstStyle>
           <a:p>
-            <a:endParaRPr lang="en-CA"/>
-          </a:p>
-        </p:txBody>
-      </p:sp>
-      <p:sp>
-        <p:nvSpPr>
-          <p:cNvPr id="4" name="Text Placeholder 3">
-            <a:extLst>
-              <a:ext uri="{FF2B5EF4-FFF2-40B4-BE49-F238E27FC236}">
-                <a16:creationId xmlns:a16="http://schemas.microsoft.com/office/drawing/2014/main" id="{3F8CC0F8-F5DF-4A36-9CFE-02DB7B2BED64}"/>
-              </a:ext>
-            </a:extLst>
-          </p:cNvPr>
+            <a:r>
+              <a:rPr lang="en-US" smtClean="0"/>
+              <a:t>Click icon to add picture</a:t>
+            </a:r>
+            <a:endParaRPr lang="en-US" dirty="0"/>
+          </a:p>
+        </p:txBody>
+      </p:sp>
+      <p:sp>
+        <p:nvSpPr>
+          <p:cNvPr id="4" name="Text Placeholder 3"/>
           <p:cNvSpPr>
             <a:spLocks noGrp="1"/>
           </p:cNvSpPr>
@@ -3359,7 +3472,7 @@
           <a:p>
             <a:pPr lvl="0"/>
             <a:r>
-              <a:rPr lang="en-US"/>
+              <a:rPr lang="en-US" smtClean="0"/>
               <a:t>Click to edit Master text styles</a:t>
             </a:r>
           </a:p>
@@ -3367,13 +3480,7 @@
       </p:sp>
       <p:sp>
         <p:nvSpPr>
-          <p:cNvPr id="5" name="Date Placeholder 4">
-            <a:extLst>
-              <a:ext uri="{FF2B5EF4-FFF2-40B4-BE49-F238E27FC236}">
-                <a16:creationId xmlns:a16="http://schemas.microsoft.com/office/drawing/2014/main" id="{E7B5BB01-6DF0-469C-B0CF-38D8EE339317}"/>
-              </a:ext>
-            </a:extLst>
-          </p:cNvPr>
+          <p:cNvPr id="5" name="Date Placeholder 4"/>
           <p:cNvSpPr>
             <a:spLocks noGrp="1"/>
           </p:cNvSpPr>
@@ -3386,7 +3493,7 @@
           <a:bodyPr/>
           <a:lstStyle/>
           <a:p>
-            <a:fld id="{07A317FD-2EEA-492F-8869-5C2CACA9BA9B}" type="datetimeFigureOut">
+            <a:fld id="{C94F70A9-1317-4271-A5D5-BA29E0FF006B}" type="datetime1">
               <a:rPr lang="en-CA" smtClean="0"/>
               <a:t>2020-02-11</a:t>
             </a:fld>
@@ -3396,13 +3503,7 @@
       </p:sp>
       <p:sp>
         <p:nvSpPr>
-          <p:cNvPr id="6" name="Footer Placeholder 5">
-            <a:extLst>
-              <a:ext uri="{FF2B5EF4-FFF2-40B4-BE49-F238E27FC236}">
-                <a16:creationId xmlns:a16="http://schemas.microsoft.com/office/drawing/2014/main" id="{CC11DA27-60A2-40C2-B6A2-DC766F52B5FA}"/>
-              </a:ext>
-            </a:extLst>
-          </p:cNvPr>
+          <p:cNvPr id="6" name="Footer Placeholder 5"/>
           <p:cNvSpPr>
             <a:spLocks noGrp="1"/>
           </p:cNvSpPr>
@@ -3421,13 +3522,7 @@
       </p:sp>
       <p:sp>
         <p:nvSpPr>
-          <p:cNvPr id="7" name="Slide Number Placeholder 6">
-            <a:extLst>
-              <a:ext uri="{FF2B5EF4-FFF2-40B4-BE49-F238E27FC236}">
-                <a16:creationId xmlns:a16="http://schemas.microsoft.com/office/drawing/2014/main" id="{72F19ADC-2AC8-49F2-B289-86C54DE66797}"/>
-              </a:ext>
-            </a:extLst>
-          </p:cNvPr>
+          <p:cNvPr id="7" name="Slide Number Placeholder 6"/>
           <p:cNvSpPr>
             <a:spLocks noGrp="1"/>
           </p:cNvSpPr>
@@ -3451,7 +3546,7 @@
     </p:spTree>
     <p:extLst>
       <p:ext uri="{BB962C8B-B14F-4D97-AF65-F5344CB8AC3E}">
-        <p14:creationId xmlns:p14="http://schemas.microsoft.com/office/powerpoint/2010/main" val="3750342711"/>
+        <p14:creationId xmlns:p14="http://schemas.microsoft.com/office/powerpoint/2010/main" val="600054200"/>
       </p:ext>
     </p:extLst>
   </p:cSld>
@@ -3485,13 +3580,7 @@
       </p:grpSpPr>
       <p:sp>
         <p:nvSpPr>
-          <p:cNvPr id="2" name="Title Placeholder 1">
-            <a:extLst>
-              <a:ext uri="{FF2B5EF4-FFF2-40B4-BE49-F238E27FC236}">
-                <a16:creationId xmlns:a16="http://schemas.microsoft.com/office/drawing/2014/main" id="{266BD20E-3AF4-42FA-B08E-A6CDAA41D3F2}"/>
-              </a:ext>
-            </a:extLst>
-          </p:cNvPr>
+          <p:cNvPr id="2" name="Title Placeholder 1"/>
           <p:cNvSpPr>
             <a:spLocks noGrp="1"/>
           </p:cNvSpPr>
@@ -3515,22 +3604,16 @@
           <a:lstStyle/>
           <a:p>
             <a:r>
-              <a:rPr lang="en-US"/>
+              <a:rPr lang="en-US" smtClean="0"/>
               <a:t>Click to edit Master title style</a:t>
             </a:r>
-            <a:endParaRPr lang="en-CA"/>
-          </a:p>
-        </p:txBody>
-      </p:sp>
-      <p:sp>
-        <p:nvSpPr>
-          <p:cNvPr id="3" name="Text Placeholder 2">
-            <a:extLst>
-              <a:ext uri="{FF2B5EF4-FFF2-40B4-BE49-F238E27FC236}">
-                <a16:creationId xmlns:a16="http://schemas.microsoft.com/office/drawing/2014/main" id="{55145ACD-0AB3-428F-A66A-A7A0DB46DF0D}"/>
-              </a:ext>
-            </a:extLst>
-          </p:cNvPr>
+            <a:endParaRPr lang="en-US" dirty="0"/>
+          </a:p>
+        </p:txBody>
+      </p:sp>
+      <p:sp>
+        <p:nvSpPr>
+          <p:cNvPr id="3" name="Text Placeholder 2"/>
           <p:cNvSpPr>
             <a:spLocks noGrp="1"/>
           </p:cNvSpPr>
@@ -3555,50 +3638,44 @@
           <a:p>
             <a:pPr lvl="0"/>
             <a:r>
-              <a:rPr lang="en-US"/>
+              <a:rPr lang="en-US" smtClean="0"/>
               <a:t>Click to edit Master text styles</a:t>
             </a:r>
           </a:p>
           <a:p>
             <a:pPr lvl="1"/>
             <a:r>
-              <a:rPr lang="en-US"/>
+              <a:rPr lang="en-US" smtClean="0"/>
               <a:t>Second level</a:t>
             </a:r>
           </a:p>
           <a:p>
             <a:pPr lvl="2"/>
             <a:r>
-              <a:rPr lang="en-US"/>
+              <a:rPr lang="en-US" smtClean="0"/>
               <a:t>Third level</a:t>
             </a:r>
           </a:p>
           <a:p>
             <a:pPr lvl="3"/>
             <a:r>
-              <a:rPr lang="en-US"/>
+              <a:rPr lang="en-US" smtClean="0"/>
               <a:t>Fourth level</a:t>
             </a:r>
           </a:p>
           <a:p>
             <a:pPr lvl="4"/>
             <a:r>
-              <a:rPr lang="en-US"/>
+              <a:rPr lang="en-US" smtClean="0"/>
               <a:t>Fifth level</a:t>
             </a:r>
-            <a:endParaRPr lang="en-CA"/>
-          </a:p>
-        </p:txBody>
-      </p:sp>
-      <p:sp>
-        <p:nvSpPr>
-          <p:cNvPr id="4" name="Date Placeholder 3">
-            <a:extLst>
-              <a:ext uri="{FF2B5EF4-FFF2-40B4-BE49-F238E27FC236}">
-                <a16:creationId xmlns:a16="http://schemas.microsoft.com/office/drawing/2014/main" id="{2FAAEE12-F34D-4D3F-A4BE-2B5F1C8FED38}"/>
-              </a:ext>
-            </a:extLst>
-          </p:cNvPr>
+            <a:endParaRPr lang="en-US" dirty="0"/>
+          </a:p>
+        </p:txBody>
+      </p:sp>
+      <p:sp>
+        <p:nvSpPr>
+          <p:cNvPr id="4" name="Date Placeholder 3"/>
           <p:cNvSpPr>
             <a:spLocks noGrp="1"/>
           </p:cNvSpPr>
@@ -3629,7 +3706,7 @@
             </a:lvl1pPr>
           </a:lstStyle>
           <a:p>
-            <a:fld id="{07A317FD-2EEA-492F-8869-5C2CACA9BA9B}" type="datetimeFigureOut">
+            <a:fld id="{4C29718B-232F-4C0B-B6FD-3E4470E9695C}" type="datetime1">
               <a:rPr lang="en-CA" smtClean="0"/>
               <a:t>2020-02-11</a:t>
             </a:fld>
@@ -3639,13 +3716,7 @@
       </p:sp>
       <p:sp>
         <p:nvSpPr>
-          <p:cNvPr id="5" name="Footer Placeholder 4">
-            <a:extLst>
-              <a:ext uri="{FF2B5EF4-FFF2-40B4-BE49-F238E27FC236}">
-                <a16:creationId xmlns:a16="http://schemas.microsoft.com/office/drawing/2014/main" id="{A9C4F4ED-F258-4A28-987C-82BB18AC40BE}"/>
-              </a:ext>
-            </a:extLst>
-          </p:cNvPr>
+          <p:cNvPr id="5" name="Footer Placeholder 4"/>
           <p:cNvSpPr>
             <a:spLocks noGrp="1"/>
           </p:cNvSpPr>
@@ -3682,13 +3753,7 @@
       </p:sp>
       <p:sp>
         <p:nvSpPr>
-          <p:cNvPr id="6" name="Slide Number Placeholder 5">
-            <a:extLst>
-              <a:ext uri="{FF2B5EF4-FFF2-40B4-BE49-F238E27FC236}">
-                <a16:creationId xmlns:a16="http://schemas.microsoft.com/office/drawing/2014/main" id="{233278BC-18CA-4BE7-98CA-80F9F9D3655A}"/>
-              </a:ext>
-            </a:extLst>
-          </p:cNvPr>
+          <p:cNvPr id="6" name="Slide Number Placeholder 5"/>
           <p:cNvSpPr>
             <a:spLocks noGrp="1"/>
           </p:cNvSpPr>
@@ -3730,24 +3795,25 @@
     </p:spTree>
     <p:extLst>
       <p:ext uri="{BB962C8B-B14F-4D97-AF65-F5344CB8AC3E}">
-        <p14:creationId xmlns:p14="http://schemas.microsoft.com/office/powerpoint/2010/main" val="1542376910"/>
+        <p14:creationId xmlns:p14="http://schemas.microsoft.com/office/powerpoint/2010/main" val="2708735463"/>
       </p:ext>
     </p:extLst>
   </p:cSld>
   <p:clrMap bg1="lt1" tx1="dk1" bg2="lt2" tx2="dk2" accent1="accent1" accent2="accent2" accent3="accent3" accent4="accent4" accent5="accent5" accent6="accent6" hlink="hlink" folHlink="folHlink"/>
   <p:sldLayoutIdLst>
-    <p:sldLayoutId id="2147483649" r:id="rId1"/>
-    <p:sldLayoutId id="2147483650" r:id="rId2"/>
-    <p:sldLayoutId id="2147483651" r:id="rId3"/>
-    <p:sldLayoutId id="2147483652" r:id="rId4"/>
-    <p:sldLayoutId id="2147483653" r:id="rId5"/>
-    <p:sldLayoutId id="2147483654" r:id="rId6"/>
-    <p:sldLayoutId id="2147483655" r:id="rId7"/>
-    <p:sldLayoutId id="2147483656" r:id="rId8"/>
-    <p:sldLayoutId id="2147483657" r:id="rId9"/>
-    <p:sldLayoutId id="2147483658" r:id="rId10"/>
-    <p:sldLayoutId id="2147483659" r:id="rId11"/>
+    <p:sldLayoutId id="2147483697" r:id="rId1"/>
+    <p:sldLayoutId id="2147483698" r:id="rId2"/>
+    <p:sldLayoutId id="2147483699" r:id="rId3"/>
+    <p:sldLayoutId id="2147483700" r:id="rId4"/>
+    <p:sldLayoutId id="2147483701" r:id="rId5"/>
+    <p:sldLayoutId id="2147483702" r:id="rId6"/>
+    <p:sldLayoutId id="2147483703" r:id="rId7"/>
+    <p:sldLayoutId id="2147483704" r:id="rId8"/>
+    <p:sldLayoutId id="2147483705" r:id="rId9"/>
+    <p:sldLayoutId id="2147483706" r:id="rId10"/>
+    <p:sldLayoutId id="2147483707" r:id="rId11"/>
   </p:sldLayoutIdLst>
+  <p:hf hdr="0" ftr="0" dt="0"/>
   <p:txStyles>
     <p:titleStyle>
       <a:lvl1pPr algn="l" defTabSz="914400" rtl="0" eaLnBrk="1" latinLnBrk="0" hangingPunct="1">
@@ -4034,14 +4100,6 @@
 <file path=ppt/slides/slide1.xml><?xml version="1.0" encoding="utf-8"?>
 <p:sld xmlns:a="http://schemas.openxmlformats.org/drawingml/2006/main" xmlns:r="http://schemas.openxmlformats.org/officeDocument/2006/relationships" xmlns:p="http://schemas.openxmlformats.org/presentationml/2006/main">
   <p:cSld>
-    <p:bg>
-      <p:bgPr>
-        <a:solidFill>
-          <a:schemeClr val="bg1"/>
-        </a:solidFill>
-        <a:effectLst/>
-      </p:bgPr>
-    </p:bg>
     <p:spTree>
       <p:nvGrpSpPr>
         <p:cNvPr id="1" name=""/>
@@ -4061,10 +4119,10 @@
           <p:cNvPr id="71" name="Rectangle 38">
             <a:extLst>
               <a:ext uri="{FF2B5EF4-FFF2-40B4-BE49-F238E27FC236}">
-                <a16:creationId xmlns:a16="http://schemas.microsoft.com/office/drawing/2014/main" id="{BBBFB90B-E188-4527-9DB1-052924355A2F}"/>
+                <a16:creationId xmlns:a16="http://schemas.microsoft.com/office/drawing/2014/main" xmlns="" id="{BBBFB90B-E188-4527-9DB1-052924355A2F}"/>
               </a:ext>
               <a:ext uri="{C183D7F6-B498-43B3-948B-1728B52AA6E4}">
-                <adec:decorative xmlns:adec="http://schemas.microsoft.com/office/drawing/2017/decorative" val="1"/>
+                <adec:decorative xmlns:adec="http://schemas.microsoft.com/office/drawing/2017/decorative" xmlns="" val="1"/>
               </a:ext>
             </a:extLst>
           </p:cNvPr>
@@ -4074,7 +4132,7 @@
           <p:nvPr>
             <p:extLst>
               <p:ext uri="{386F3935-93C4-4BCD-93E2-E3B085C9AB24}">
-                <p16:designElem xmlns:p16="http://schemas.microsoft.com/office/powerpoint/2015/main" val="1"/>
+                <p16:designElem xmlns:p16="http://schemas.microsoft.com/office/powerpoint/2015/main" xmlns="" val="1"/>
               </p:ext>
             </p:extLst>
           </p:nvPr>
@@ -4121,7 +4179,7 @@
           <p:cNvPr id="7" name="Picture 6" descr="A passenger train pulling into a station&#10;&#10;Description automatically generated">
             <a:extLst>
               <a:ext uri="{FF2B5EF4-FFF2-40B4-BE49-F238E27FC236}">
-                <a16:creationId xmlns:a16="http://schemas.microsoft.com/office/drawing/2014/main" id="{9077640B-7885-4A40-BE93-6B83FD89E1EF}"/>
+                <a16:creationId xmlns:a16="http://schemas.microsoft.com/office/drawing/2014/main" xmlns="" id="{9077640B-7885-4A40-BE93-6B83FD89E1EF}"/>
               </a:ext>
             </a:extLst>
           </p:cNvPr>
@@ -4131,7 +4189,7 @@
           <p:nvPr/>
         </p:nvPicPr>
         <p:blipFill rotWithShape="1">
-          <a:blip r:embed="rId2">
+          <a:blip r:embed="rId3">
             <a:extLst>
               <a:ext uri="{28A0092B-C50C-407E-A947-70E740481C1C}">
                 <a14:useLocalDpi xmlns:a14="http://schemas.microsoft.com/office/drawing/2010/main" val="0"/>
@@ -4156,7 +4214,7 @@
           <p:cNvPr id="5" name="Picture 4" descr="A subway train at a train station&#10;&#10;Description automatically generated">
             <a:extLst>
               <a:ext uri="{FF2B5EF4-FFF2-40B4-BE49-F238E27FC236}">
-                <a16:creationId xmlns:a16="http://schemas.microsoft.com/office/drawing/2014/main" id="{1A008779-89E0-497E-83AA-64606C6FC6A4}"/>
+                <a16:creationId xmlns:a16="http://schemas.microsoft.com/office/drawing/2014/main" xmlns="" id="{1A008779-89E0-497E-83AA-64606C6FC6A4}"/>
               </a:ext>
             </a:extLst>
           </p:cNvPr>
@@ -4166,7 +4224,7 @@
           <p:nvPr/>
         </p:nvPicPr>
         <p:blipFill rotWithShape="1">
-          <a:blip r:embed="rId3">
+          <a:blip r:embed="rId4">
             <a:extLst>
               <a:ext uri="{28A0092B-C50C-407E-A947-70E740481C1C}">
                 <a14:useLocalDpi xmlns:a14="http://schemas.microsoft.com/office/drawing/2010/main" val="0"/>
@@ -4191,10 +4249,10 @@
           <p:cNvPr id="72" name="Straight Connector 40">
             <a:extLst>
               <a:ext uri="{FF2B5EF4-FFF2-40B4-BE49-F238E27FC236}">
-                <a16:creationId xmlns:a16="http://schemas.microsoft.com/office/drawing/2014/main" id="{44D0821D-2F5D-44D2-90A2-EF08149AF0AF}"/>
+                <a16:creationId xmlns:a16="http://schemas.microsoft.com/office/drawing/2014/main" xmlns="" id="{44D0821D-2F5D-44D2-90A2-EF08149AF0AF}"/>
               </a:ext>
               <a:ext uri="{C183D7F6-B498-43B3-948B-1728B52AA6E4}">
-                <adec:decorative xmlns:adec="http://schemas.microsoft.com/office/drawing/2017/decorative" val="1"/>
+                <adec:decorative xmlns:adec="http://schemas.microsoft.com/office/drawing/2017/decorative" xmlns="" val="1"/>
               </a:ext>
             </a:extLst>
           </p:cNvPr>
@@ -4204,7 +4262,7 @@
           <p:nvPr>
             <p:extLst>
               <p:ext uri="{386F3935-93C4-4BCD-93E2-E3B085C9AB24}">
-                <p16:designElem xmlns:p16="http://schemas.microsoft.com/office/powerpoint/2015/main" val="1"/>
+                <p16:designElem xmlns:p16="http://schemas.microsoft.com/office/powerpoint/2015/main" xmlns="" val="1"/>
               </p:ext>
             </p:extLst>
           </p:nvPr>
@@ -4243,10 +4301,10 @@
           <p:cNvPr id="73" name="Freeform 5">
             <a:extLst>
               <a:ext uri="{FF2B5EF4-FFF2-40B4-BE49-F238E27FC236}">
-                <a16:creationId xmlns:a16="http://schemas.microsoft.com/office/drawing/2014/main" id="{5523C670-74D7-4ED8-BA51-B6FB6557024C}"/>
+                <a16:creationId xmlns:a16="http://schemas.microsoft.com/office/drawing/2014/main" xmlns="" id="{5523C670-74D7-4ED8-BA51-B6FB6557024C}"/>
               </a:ext>
               <a:ext uri="{C183D7F6-B498-43B3-948B-1728B52AA6E4}">
-                <adec:decorative xmlns:adec="http://schemas.microsoft.com/office/drawing/2017/decorative" val="1"/>
+                <adec:decorative xmlns:adec="http://schemas.microsoft.com/office/drawing/2017/decorative" xmlns="" val="1"/>
               </a:ext>
             </a:extLst>
           </p:cNvPr>
@@ -4256,7 +4314,7 @@
           <p:nvPr>
             <p:extLst>
               <p:ext uri="{386F3935-93C4-4BCD-93E2-E3B085C9AB24}">
-                <p16:designElem xmlns:p16="http://schemas.microsoft.com/office/powerpoint/2015/main" val="1"/>
+                <p16:designElem xmlns:p16="http://schemas.microsoft.com/office/powerpoint/2015/main" xmlns="" val="1"/>
               </p:ext>
             </p:extLst>
           </p:nvPr>
@@ -4346,10 +4404,10 @@
           <p:cNvPr id="74" name="Freeform 6">
             <a:extLst>
               <a:ext uri="{FF2B5EF4-FFF2-40B4-BE49-F238E27FC236}">
-                <a16:creationId xmlns:a16="http://schemas.microsoft.com/office/drawing/2014/main" id="{BAEEE533-7CA5-4134-A14A-8575F66C6140}"/>
+                <a16:creationId xmlns:a16="http://schemas.microsoft.com/office/drawing/2014/main" xmlns="" id="{BAEEE533-7CA5-4134-A14A-8575F66C6140}"/>
               </a:ext>
               <a:ext uri="{C183D7F6-B498-43B3-948B-1728B52AA6E4}">
-                <adec:decorative xmlns:adec="http://schemas.microsoft.com/office/drawing/2017/decorative" val="1"/>
+                <adec:decorative xmlns:adec="http://schemas.microsoft.com/office/drawing/2017/decorative" xmlns="" val="1"/>
               </a:ext>
             </a:extLst>
           </p:cNvPr>
@@ -4359,7 +4417,7 @@
           <p:nvPr>
             <p:extLst>
               <p:ext uri="{386F3935-93C4-4BCD-93E2-E3B085C9AB24}">
-                <p16:designElem xmlns:p16="http://schemas.microsoft.com/office/powerpoint/2015/main" val="1"/>
+                <p16:designElem xmlns:p16="http://schemas.microsoft.com/office/powerpoint/2015/main" xmlns="" val="1"/>
               </p:ext>
             </p:extLst>
           </p:nvPr>
@@ -4449,10 +4507,10 @@
           <p:cNvPr id="75" name="Freeform 7">
             <a:extLst>
               <a:ext uri="{FF2B5EF4-FFF2-40B4-BE49-F238E27FC236}">
-                <a16:creationId xmlns:a16="http://schemas.microsoft.com/office/drawing/2014/main" id="{E64B7817-E956-406B-A85B-5AEF36B1F50B}"/>
+                <a16:creationId xmlns:a16="http://schemas.microsoft.com/office/drawing/2014/main" xmlns="" id="{E64B7817-E956-406B-A85B-5AEF36B1F50B}"/>
               </a:ext>
               <a:ext uri="{C183D7F6-B498-43B3-948B-1728B52AA6E4}">
-                <adec:decorative xmlns:adec="http://schemas.microsoft.com/office/drawing/2017/decorative" val="1"/>
+                <adec:decorative xmlns:adec="http://schemas.microsoft.com/office/drawing/2017/decorative" xmlns="" val="1"/>
               </a:ext>
             </a:extLst>
           </p:cNvPr>
@@ -4462,7 +4520,7 @@
           <p:nvPr>
             <p:extLst>
               <p:ext uri="{386F3935-93C4-4BCD-93E2-E3B085C9AB24}">
-                <p16:designElem xmlns:p16="http://schemas.microsoft.com/office/powerpoint/2015/main" val="1"/>
+                <p16:designElem xmlns:p16="http://schemas.microsoft.com/office/powerpoint/2015/main" xmlns="" val="1"/>
               </p:ext>
             </p:extLst>
           </p:nvPr>
@@ -4552,10 +4610,10 @@
           <p:cNvPr id="76" name="Rectangle 8">
             <a:extLst>
               <a:ext uri="{FF2B5EF4-FFF2-40B4-BE49-F238E27FC236}">
-                <a16:creationId xmlns:a16="http://schemas.microsoft.com/office/drawing/2014/main" id="{92FC9C1F-8CBA-4083-8724-3735C556D844}"/>
+                <a16:creationId xmlns:a16="http://schemas.microsoft.com/office/drawing/2014/main" xmlns="" id="{92FC9C1F-8CBA-4083-8724-3735C556D844}"/>
               </a:ext>
               <a:ext uri="{C183D7F6-B498-43B3-948B-1728B52AA6E4}">
-                <adec:decorative xmlns:adec="http://schemas.microsoft.com/office/drawing/2017/decorative" val="1"/>
+                <adec:decorative xmlns:adec="http://schemas.microsoft.com/office/drawing/2017/decorative" xmlns="" val="1"/>
               </a:ext>
             </a:extLst>
           </p:cNvPr>
@@ -4565,7 +4623,7 @@
           <p:nvPr>
             <p:extLst>
               <p:ext uri="{386F3935-93C4-4BCD-93E2-E3B085C9AB24}">
-                <p16:designElem xmlns:p16="http://schemas.microsoft.com/office/powerpoint/2015/main" val="1"/>
+                <p16:designElem xmlns:p16="http://schemas.microsoft.com/office/powerpoint/2015/main" xmlns="" val="1"/>
               </p:ext>
             </p:extLst>
           </p:nvPr>
@@ -4602,7 +4660,7 @@
           <p:cNvPr id="2" name="Title 1">
             <a:extLst>
               <a:ext uri="{FF2B5EF4-FFF2-40B4-BE49-F238E27FC236}">
-                <a16:creationId xmlns:a16="http://schemas.microsoft.com/office/drawing/2014/main" id="{C777AC1A-1CF6-4135-8E9F-B2CD61A1A9D8}"/>
+                <a16:creationId xmlns:a16="http://schemas.microsoft.com/office/drawing/2014/main" xmlns="" id="{C777AC1A-1CF6-4135-8E9F-B2CD61A1A9D8}"/>
               </a:ext>
             </a:extLst>
           </p:cNvPr>
@@ -4642,7 +4700,7 @@
           <p:cNvPr id="3" name="Subtitle 2">
             <a:extLst>
               <a:ext uri="{FF2B5EF4-FFF2-40B4-BE49-F238E27FC236}">
-                <a16:creationId xmlns:a16="http://schemas.microsoft.com/office/drawing/2014/main" id="{782FC5D5-7A0A-43FD-B857-D9D253AC5158}"/>
+                <a16:creationId xmlns:a16="http://schemas.microsoft.com/office/drawing/2014/main" xmlns="" id="{782FC5D5-7A0A-43FD-B857-D9D253AC5158}"/>
               </a:ext>
             </a:extLst>
           </p:cNvPr>
@@ -4695,6 +4753,29 @@
           <a:p>
             <a:pPr algn="r"/>
             <a:endParaRPr lang="en-CA" sz="2800" dirty="0"/>
+          </a:p>
+        </p:txBody>
+      </p:sp>
+      <p:sp>
+        <p:nvSpPr>
+          <p:cNvPr id="4" name="Slide Number Placeholder 3"/>
+          <p:cNvSpPr>
+            <a:spLocks noGrp="1"/>
+          </p:cNvSpPr>
+          <p:nvPr>
+            <p:ph type="sldNum" sz="quarter" idx="12"/>
+          </p:nvPr>
+        </p:nvSpPr>
+        <p:spPr/>
+        <p:txBody>
+          <a:bodyPr/>
+          <a:lstStyle/>
+          <a:p>
+            <a:fld id="{535C59D2-005D-47EB-A16C-A9C1B19FFA3C}" type="slidenum">
+              <a:rPr lang="en-CA" smtClean="0"/>
+              <a:t>1</a:t>
+            </a:fld>
+            <a:endParaRPr lang="en-CA"/>
           </a:p>
         </p:txBody>
       </p:sp>
@@ -4708,6 +4789,16 @@
   <p:clrMapOvr>
     <a:masterClrMapping/>
   </p:clrMapOvr>
+  <p:transition spd="slow">
+    <p:push dir="u"/>
+  </p:transition>
+  <p:timing>
+    <p:tnLst>
+      <p:par>
+        <p:cTn id="1" dur="indefinite" restart="never" nodeType="tmRoot"/>
+      </p:par>
+    </p:tnLst>
+  </p:timing>
 </p:sld>
 </file>
 
@@ -4730,10 +4821,610 @@
       </p:grpSpPr>
       <p:sp>
         <p:nvSpPr>
+          <p:cNvPr id="2" name="Title 1"/>
+          <p:cNvSpPr>
+            <a:spLocks noGrp="1"/>
+          </p:cNvSpPr>
+          <p:nvPr>
+            <p:ph type="title"/>
+          </p:nvPr>
+        </p:nvSpPr>
+        <p:spPr/>
+        <p:txBody>
+          <a:bodyPr/>
+          <a:lstStyle/>
+          <a:p>
+            <a:r>
+              <a:rPr lang="en-CA" dirty="0" smtClean="0">
+                <a:solidFill>
+                  <a:schemeClr val="accent1"/>
+                </a:solidFill>
+              </a:rPr>
+              <a:t>Project Scope</a:t>
+            </a:r>
+            <a:endParaRPr lang="en-CA" dirty="0">
+              <a:solidFill>
+                <a:schemeClr val="accent1"/>
+              </a:solidFill>
+            </a:endParaRPr>
+          </a:p>
+        </p:txBody>
+      </p:sp>
+      <p:sp>
+        <p:nvSpPr>
+          <p:cNvPr id="3" name="Content Placeholder 2"/>
+          <p:cNvSpPr>
+            <a:spLocks noGrp="1"/>
+          </p:cNvSpPr>
+          <p:nvPr>
+            <p:ph idx="1"/>
+          </p:nvPr>
+        </p:nvSpPr>
+        <p:spPr/>
+        <p:txBody>
+          <a:bodyPr>
+            <a:normAutofit lnSpcReduction="10000"/>
+          </a:bodyPr>
+          <a:lstStyle/>
+          <a:p>
+            <a:r>
+              <a:rPr lang="en-CA" dirty="0">
+                <a:solidFill>
+                  <a:schemeClr val="accent1"/>
+                </a:solidFill>
+              </a:rPr>
+              <a:t>Leaflet map</a:t>
+            </a:r>
+          </a:p>
+          <a:p>
+            <a:pPr lvl="1"/>
+            <a:r>
+              <a:rPr lang="en-CA" dirty="0"/>
+              <a:t>Map of Toronto and TTC subway </a:t>
+            </a:r>
+            <a:r>
+              <a:rPr lang="en-CA" dirty="0" smtClean="0"/>
+              <a:t>stations with popups showing: name of station, subway line, and </a:t>
+            </a:r>
+            <a:r>
+              <a:rPr lang="en-CA" dirty="0"/>
+              <a:t>total number of delays in 2019, and average minimum delay in 2019</a:t>
+            </a:r>
+          </a:p>
+          <a:p>
+            <a:r>
+              <a:rPr lang="en-CA" dirty="0" smtClean="0">
+                <a:solidFill>
+                  <a:schemeClr val="accent1"/>
+                </a:solidFill>
+              </a:rPr>
+              <a:t>D3 </a:t>
+            </a:r>
+            <a:r>
+              <a:rPr lang="en-CA" dirty="0">
+                <a:solidFill>
+                  <a:schemeClr val="accent1"/>
+                </a:solidFill>
+              </a:rPr>
+              <a:t>bar graph</a:t>
+            </a:r>
+          </a:p>
+          <a:p>
+            <a:pPr lvl="1"/>
+            <a:r>
+              <a:rPr lang="en-CA" dirty="0" smtClean="0"/>
+              <a:t>Showing relationship between time </a:t>
+            </a:r>
+            <a:r>
+              <a:rPr lang="en-CA" dirty="0"/>
+              <a:t>of </a:t>
+            </a:r>
+            <a:r>
+              <a:rPr lang="en-CA" dirty="0" smtClean="0"/>
+              <a:t>day, </a:t>
+            </a:r>
+            <a:r>
+              <a:rPr lang="en-CA" dirty="0"/>
+              <a:t>a</a:t>
+            </a:r>
+            <a:r>
+              <a:rPr lang="en-CA" dirty="0" smtClean="0"/>
+              <a:t>verage </a:t>
+            </a:r>
+            <a:r>
+              <a:rPr lang="en-CA" dirty="0"/>
+              <a:t>number of subway </a:t>
+            </a:r>
+            <a:r>
+              <a:rPr lang="en-CA" dirty="0" smtClean="0"/>
+              <a:t>delays, and  </a:t>
+            </a:r>
+            <a:r>
+              <a:rPr lang="en-CA" dirty="0"/>
+              <a:t>a</a:t>
+            </a:r>
+            <a:r>
+              <a:rPr lang="en-CA" dirty="0" smtClean="0"/>
+              <a:t>verage </a:t>
+            </a:r>
+            <a:r>
+              <a:rPr lang="en-CA" dirty="0"/>
+              <a:t>minimum </a:t>
+            </a:r>
+            <a:r>
+              <a:rPr lang="en-CA" dirty="0" smtClean="0"/>
+              <a:t>delay</a:t>
+            </a:r>
+            <a:endParaRPr lang="en-CA" dirty="0"/>
+          </a:p>
+          <a:p>
+            <a:pPr lvl="1"/>
+            <a:r>
+              <a:rPr lang="en-CA" dirty="0" smtClean="0"/>
+              <a:t>Dropdowns to filter by Subway </a:t>
+            </a:r>
+            <a:r>
+              <a:rPr lang="en-CA" dirty="0"/>
+              <a:t>line, month, and day of the week</a:t>
+            </a:r>
+          </a:p>
+          <a:p>
+            <a:r>
+              <a:rPr lang="en-CA" dirty="0">
+                <a:solidFill>
+                  <a:schemeClr val="accent1"/>
+                </a:solidFill>
+              </a:rPr>
+              <a:t>D3 bar graph</a:t>
+            </a:r>
+          </a:p>
+          <a:p>
+            <a:pPr lvl="1"/>
+            <a:r>
+              <a:rPr lang="en-CA" dirty="0" smtClean="0"/>
+              <a:t>Showing the relationship between day </a:t>
+            </a:r>
+            <a:r>
+              <a:rPr lang="en-CA" dirty="0"/>
+              <a:t>of </a:t>
+            </a:r>
+            <a:r>
+              <a:rPr lang="en-CA" dirty="0" smtClean="0"/>
+              <a:t>week, average </a:t>
+            </a:r>
+            <a:r>
+              <a:rPr lang="en-CA" dirty="0"/>
+              <a:t>number of subway </a:t>
+            </a:r>
+            <a:r>
+              <a:rPr lang="en-CA" dirty="0" smtClean="0"/>
+              <a:t>delays, and average </a:t>
+            </a:r>
+            <a:r>
+              <a:rPr lang="en-CA" dirty="0"/>
+              <a:t>minimum </a:t>
+            </a:r>
+            <a:r>
+              <a:rPr lang="en-CA" dirty="0" smtClean="0"/>
+              <a:t>delay</a:t>
+            </a:r>
+            <a:endParaRPr lang="en-CA" dirty="0"/>
+          </a:p>
+          <a:p>
+            <a:pPr lvl="1"/>
+            <a:r>
+              <a:rPr lang="en-CA" dirty="0" smtClean="0"/>
+              <a:t>Dropdowns to filter by subway </a:t>
+            </a:r>
+            <a:r>
+              <a:rPr lang="en-CA" dirty="0"/>
+              <a:t>line, month, and time of day</a:t>
+            </a:r>
+          </a:p>
+          <a:p>
+            <a:endParaRPr lang="en-CA" dirty="0"/>
+          </a:p>
+        </p:txBody>
+      </p:sp>
+      <p:sp>
+        <p:nvSpPr>
+          <p:cNvPr id="4" name="Slide Number Placeholder 3"/>
+          <p:cNvSpPr>
+            <a:spLocks noGrp="1"/>
+          </p:cNvSpPr>
+          <p:nvPr>
+            <p:ph type="sldNum" sz="quarter" idx="12"/>
+          </p:nvPr>
+        </p:nvSpPr>
+        <p:spPr/>
+        <p:txBody>
+          <a:bodyPr/>
+          <a:lstStyle/>
+          <a:p>
+            <a:fld id="{535C59D2-005D-47EB-A16C-A9C1B19FFA3C}" type="slidenum">
+              <a:rPr lang="en-CA" smtClean="0"/>
+              <a:t>2</a:t>
+            </a:fld>
+            <a:endParaRPr lang="en-CA"/>
+          </a:p>
+        </p:txBody>
+      </p:sp>
+      <p:pic>
+        <p:nvPicPr>
+          <p:cNvPr id="3076" name="Picture 4" descr="Image result for magnifying scope clip art"/>
+          <p:cNvPicPr>
+            <a:picLocks noChangeAspect="1" noChangeArrowheads="1"/>
+          </p:cNvPicPr>
+          <p:nvPr/>
+        </p:nvPicPr>
+        <p:blipFill>
+          <a:blip r:embed="rId2">
+            <a:extLst>
+              <a:ext uri="{28A0092B-C50C-407E-A947-70E740481C1C}">
+                <a14:useLocalDpi xmlns:a14="http://schemas.microsoft.com/office/drawing/2010/main" val="0"/>
+              </a:ext>
+            </a:extLst>
+          </a:blip>
+          <a:srcRect/>
+          <a:stretch>
+            <a:fillRect/>
+          </a:stretch>
+        </p:blipFill>
+        <p:spPr bwMode="auto">
+          <a:xfrm>
+            <a:off x="9163259" y="140679"/>
+            <a:ext cx="2893925" cy="2170444"/>
+          </a:xfrm>
+          <a:prstGeom prst="rect">
+            <a:avLst/>
+          </a:prstGeom>
+          <a:noFill/>
+          <a:extLst>
+            <a:ext uri="{909E8E84-426E-40DD-AFC4-6F175D3DCCD1}">
+              <a14:hiddenFill xmlns:a14="http://schemas.microsoft.com/office/drawing/2010/main">
+                <a:solidFill>
+                  <a:srgbClr val="FFFFFF"/>
+                </a:solidFill>
+              </a14:hiddenFill>
+            </a:ext>
+          </a:extLst>
+        </p:spPr>
+      </p:pic>
+    </p:spTree>
+    <p:extLst>
+      <p:ext uri="{BB962C8B-B14F-4D97-AF65-F5344CB8AC3E}">
+        <p14:creationId xmlns:p14="http://schemas.microsoft.com/office/powerpoint/2010/main" val="183597548"/>
+      </p:ext>
+    </p:extLst>
+  </p:cSld>
+  <p:clrMapOvr>
+    <a:masterClrMapping/>
+  </p:clrMapOvr>
+  <p:timing>
+    <p:tnLst>
+      <p:par>
+        <p:cTn id="1" dur="indefinite" restart="never" nodeType="tmRoot"/>
+      </p:par>
+    </p:tnLst>
+  </p:timing>
+</p:sld>
+</file>
+
+<file path=ppt/slides/slide3.xml><?xml version="1.0" encoding="utf-8"?>
+<p:sld xmlns:a="http://schemas.openxmlformats.org/drawingml/2006/main" xmlns:r="http://schemas.openxmlformats.org/officeDocument/2006/relationships" xmlns:p="http://schemas.openxmlformats.org/presentationml/2006/main">
+  <p:cSld>
+    <p:spTree>
+      <p:nvGrpSpPr>
+        <p:cNvPr id="1" name=""/>
+        <p:cNvGrpSpPr/>
+        <p:nvPr/>
+      </p:nvGrpSpPr>
+      <p:grpSpPr>
+        <a:xfrm>
+          <a:off x="0" y="0"/>
+          <a:ext cx="0" cy="0"/>
+          <a:chOff x="0" y="0"/>
+          <a:chExt cx="0" cy="0"/>
+        </a:xfrm>
+      </p:grpSpPr>
+      <p:sp>
+        <p:nvSpPr>
+          <p:cNvPr id="2" name="Title 1"/>
+          <p:cNvSpPr>
+            <a:spLocks noGrp="1"/>
+          </p:cNvSpPr>
+          <p:nvPr>
+            <p:ph type="title"/>
+          </p:nvPr>
+        </p:nvSpPr>
+        <p:spPr/>
+        <p:txBody>
+          <a:bodyPr/>
+          <a:lstStyle/>
+          <a:p>
+            <a:r>
+              <a:rPr lang="en-CA" dirty="0" smtClean="0">
+                <a:solidFill>
+                  <a:schemeClr val="accent1"/>
+                </a:solidFill>
+              </a:rPr>
+              <a:t>Data Sets</a:t>
+            </a:r>
+            <a:endParaRPr lang="en-CA" dirty="0">
+              <a:solidFill>
+                <a:schemeClr val="accent1"/>
+              </a:solidFill>
+            </a:endParaRPr>
+          </a:p>
+        </p:txBody>
+      </p:sp>
+      <p:sp>
+        <p:nvSpPr>
+          <p:cNvPr id="3" name="Content Placeholder 2"/>
+          <p:cNvSpPr>
+            <a:spLocks noGrp="1"/>
+          </p:cNvSpPr>
+          <p:nvPr>
+            <p:ph idx="1"/>
+          </p:nvPr>
+        </p:nvSpPr>
+        <p:spPr/>
+        <p:txBody>
+          <a:bodyPr/>
+          <a:lstStyle/>
+          <a:p>
+            <a:r>
+              <a:rPr lang="en-CA" dirty="0">
+                <a:solidFill>
+                  <a:schemeClr val="accent1"/>
+                </a:solidFill>
+              </a:rPr>
+              <a:t>City of Toronto Open </a:t>
+            </a:r>
+            <a:r>
+              <a:rPr lang="en-CA" dirty="0" smtClean="0">
+                <a:solidFill>
+                  <a:schemeClr val="accent1"/>
+                </a:solidFill>
+              </a:rPr>
+              <a:t>Data</a:t>
+            </a:r>
+          </a:p>
+          <a:p>
+            <a:pPr lvl="1"/>
+            <a:r>
+              <a:rPr lang="en-CA" dirty="0" smtClean="0"/>
+              <a:t>TTC </a:t>
+            </a:r>
+            <a:r>
+              <a:rPr lang="en-CA" dirty="0"/>
+              <a:t>monthly subway delay </a:t>
+            </a:r>
+            <a:r>
+              <a:rPr lang="en-CA" dirty="0" smtClean="0"/>
+              <a:t>data</a:t>
+            </a:r>
+          </a:p>
+          <a:p>
+            <a:pPr lvl="1"/>
+            <a:r>
+              <a:rPr lang="en-CA" dirty="0" smtClean="0">
+                <a:hlinkClick r:id="rId2"/>
+              </a:rPr>
+              <a:t>https</a:t>
+            </a:r>
+            <a:r>
+              <a:rPr lang="en-CA" dirty="0">
+                <a:hlinkClick r:id="rId2"/>
+              </a:rPr>
+              <a:t>://open.toronto.ca/dataset/ttc-subway-delay-data/</a:t>
+            </a:r>
+            <a:endParaRPr lang="en-CA" dirty="0"/>
+          </a:p>
+          <a:p>
+            <a:r>
+              <a:rPr lang="en-CA" dirty="0">
+                <a:solidFill>
+                  <a:schemeClr val="accent1"/>
+                </a:solidFill>
+              </a:rPr>
+              <a:t>Wikipedia (multiple web </a:t>
+            </a:r>
+            <a:r>
+              <a:rPr lang="en-CA" dirty="0" smtClean="0">
+                <a:solidFill>
+                  <a:schemeClr val="accent1"/>
+                </a:solidFill>
+              </a:rPr>
+              <a:t>pages)</a:t>
+            </a:r>
+          </a:p>
+          <a:p>
+            <a:pPr lvl="1"/>
+            <a:r>
+              <a:rPr lang="en-CA" dirty="0" smtClean="0"/>
+              <a:t>To get TTC </a:t>
+            </a:r>
+            <a:r>
+              <a:rPr lang="en-CA" dirty="0"/>
+              <a:t>subway station </a:t>
+            </a:r>
+            <a:r>
+              <a:rPr lang="en-CA" dirty="0" smtClean="0"/>
+              <a:t>coordinates</a:t>
+            </a:r>
+          </a:p>
+          <a:p>
+            <a:pPr lvl="1"/>
+            <a:r>
+              <a:rPr lang="en-CA" dirty="0" smtClean="0"/>
+              <a:t>e.g</a:t>
+            </a:r>
+            <a:r>
+              <a:rPr lang="en-CA" dirty="0"/>
+              <a:t>. </a:t>
+            </a:r>
+            <a:r>
+              <a:rPr lang="en-CA" dirty="0" smtClean="0"/>
+              <a:t>Bloor-</a:t>
+            </a:r>
+            <a:r>
+              <a:rPr lang="en-CA" dirty="0" err="1" smtClean="0"/>
+              <a:t>Yonge</a:t>
+            </a:r>
+            <a:r>
+              <a:rPr lang="en-CA" dirty="0"/>
+              <a:t> </a:t>
+            </a:r>
+            <a:r>
+              <a:rPr lang="en-CA" dirty="0" smtClean="0"/>
+              <a:t>station</a:t>
+            </a:r>
+            <a:r>
+              <a:rPr lang="en-CA" dirty="0"/>
+              <a:t>: </a:t>
+            </a:r>
+            <a:endParaRPr lang="en-CA" dirty="0" smtClean="0"/>
+          </a:p>
+          <a:p>
+            <a:pPr marL="457200" lvl="1" indent="0">
+              <a:buNone/>
+            </a:pPr>
+            <a:r>
+              <a:rPr lang="en-CA" dirty="0" smtClean="0">
+                <a:hlinkClick r:id="rId3"/>
+              </a:rPr>
+              <a:t>https</a:t>
+            </a:r>
+            <a:r>
+              <a:rPr lang="en-CA" dirty="0">
+                <a:hlinkClick r:id="rId3"/>
+              </a:rPr>
+              <a:t>://</a:t>
+            </a:r>
+            <a:r>
+              <a:rPr lang="en-CA" dirty="0" smtClean="0">
+                <a:hlinkClick r:id="rId3"/>
+              </a:rPr>
+              <a:t>en.wikipedia.org/wiki/Bloor%E2%80%93Yonge_station</a:t>
+            </a:r>
+            <a:endParaRPr lang="en-CA" dirty="0"/>
+          </a:p>
+          <a:p>
+            <a:endParaRPr lang="en-CA" dirty="0"/>
+          </a:p>
+        </p:txBody>
+      </p:sp>
+      <p:sp>
+        <p:nvSpPr>
+          <p:cNvPr id="4" name="Slide Number Placeholder 3"/>
+          <p:cNvSpPr>
+            <a:spLocks noGrp="1"/>
+          </p:cNvSpPr>
+          <p:nvPr>
+            <p:ph type="sldNum" sz="quarter" idx="12"/>
+          </p:nvPr>
+        </p:nvSpPr>
+        <p:spPr/>
+        <p:txBody>
+          <a:bodyPr/>
+          <a:lstStyle/>
+          <a:p>
+            <a:fld id="{535C59D2-005D-47EB-A16C-A9C1B19FFA3C}" type="slidenum">
+              <a:rPr lang="en-CA" smtClean="0"/>
+              <a:t>3</a:t>
+            </a:fld>
+            <a:endParaRPr lang="en-CA"/>
+          </a:p>
+        </p:txBody>
+      </p:sp>
+      <p:pic>
+        <p:nvPicPr>
+          <p:cNvPr id="2060" name="Picture 12" descr="Image result for data clipart"/>
+          <p:cNvPicPr>
+            <a:picLocks noChangeAspect="1" noChangeArrowheads="1"/>
+          </p:cNvPicPr>
+          <p:nvPr/>
+        </p:nvPicPr>
+        <p:blipFill>
+          <a:blip r:embed="rId4" cstate="print">
+            <a:extLst>
+              <a:ext uri="{28A0092B-C50C-407E-A947-70E740481C1C}">
+                <a14:useLocalDpi xmlns:a14="http://schemas.microsoft.com/office/drawing/2010/main" val="0"/>
+              </a:ext>
+            </a:extLst>
+          </a:blip>
+          <a:srcRect/>
+          <a:stretch>
+            <a:fillRect/>
+          </a:stretch>
+        </p:blipFill>
+        <p:spPr bwMode="auto">
+          <a:xfrm>
+            <a:off x="8659655" y="1"/>
+            <a:ext cx="3609754" cy="2843684"/>
+          </a:xfrm>
+          <a:prstGeom prst="rect">
+            <a:avLst/>
+          </a:prstGeom>
+          <a:noFill/>
+          <a:effectLst>
+            <a:softEdge rad="88900"/>
+          </a:effectLst>
+          <a:extLst>
+            <a:ext uri="{909E8E84-426E-40DD-AFC4-6F175D3DCCD1}">
+              <a14:hiddenFill xmlns:a14="http://schemas.microsoft.com/office/drawing/2010/main">
+                <a:solidFill>
+                  <a:srgbClr val="FFFFFF"/>
+                </a:solidFill>
+              </a14:hiddenFill>
+            </a:ext>
+          </a:extLst>
+        </p:spPr>
+      </p:pic>
+    </p:spTree>
+    <p:extLst>
+      <p:ext uri="{BB962C8B-B14F-4D97-AF65-F5344CB8AC3E}">
+        <p14:creationId xmlns:p14="http://schemas.microsoft.com/office/powerpoint/2010/main" val="1846643954"/>
+      </p:ext>
+    </p:extLst>
+  </p:cSld>
+  <p:clrMapOvr>
+    <a:masterClrMapping/>
+  </p:clrMapOvr>
+  <p:timing>
+    <p:tnLst>
+      <p:par>
+        <p:cTn id="1" dur="indefinite" restart="never" nodeType="tmRoot"/>
+      </p:par>
+    </p:tnLst>
+  </p:timing>
+</p:sld>
+</file>
+
+<file path=ppt/slides/slide4.xml><?xml version="1.0" encoding="utf-8"?>
+<p:sld xmlns:a="http://schemas.openxmlformats.org/drawingml/2006/main" xmlns:r="http://schemas.openxmlformats.org/officeDocument/2006/relationships" xmlns:p="http://schemas.openxmlformats.org/presentationml/2006/main">
+  <p:cSld>
+    <p:spTree>
+      <p:nvGrpSpPr>
+        <p:cNvPr id="1" name=""/>
+        <p:cNvGrpSpPr/>
+        <p:nvPr/>
+      </p:nvGrpSpPr>
+      <p:grpSpPr>
+        <a:xfrm>
+          <a:off x="0" y="0"/>
+          <a:ext cx="0" cy="0"/>
+          <a:chOff x="0" y="0"/>
+          <a:chExt cx="0" cy="0"/>
+        </a:xfrm>
+      </p:grpSpPr>
+      <p:sp>
+        <p:nvSpPr>
           <p:cNvPr id="2" name="Title 1">
             <a:extLst>
               <a:ext uri="{FF2B5EF4-FFF2-40B4-BE49-F238E27FC236}">
-                <a16:creationId xmlns:a16="http://schemas.microsoft.com/office/drawing/2014/main" id="{5557318E-1F27-4314-B705-DDD4F24587DA}"/>
+                <a16:creationId xmlns:a16="http://schemas.microsoft.com/office/drawing/2014/main" xmlns="" id="{5557318E-1F27-4314-B705-DDD4F24587DA}"/>
               </a:ext>
             </a:extLst>
           </p:cNvPr>
@@ -4750,9 +5441,36 @@
           <a:lstStyle/>
           <a:p>
             <a:r>
-              <a:rPr lang="en-CA" dirty="0"/>
+              <a:rPr lang="en-CA" dirty="0">
+                <a:solidFill>
+                  <a:schemeClr val="accent1"/>
+                </a:solidFill>
+              </a:rPr>
               <a:t>Application Components</a:t>
             </a:r>
+          </a:p>
+        </p:txBody>
+      </p:sp>
+      <p:sp>
+        <p:nvSpPr>
+          <p:cNvPr id="3" name="Slide Number Placeholder 2"/>
+          <p:cNvSpPr>
+            <a:spLocks noGrp="1"/>
+          </p:cNvSpPr>
+          <p:nvPr>
+            <p:ph type="sldNum" sz="quarter" idx="12"/>
+          </p:nvPr>
+        </p:nvSpPr>
+        <p:spPr/>
+        <p:txBody>
+          <a:bodyPr/>
+          <a:lstStyle/>
+          <a:p>
+            <a:fld id="{535C59D2-005D-47EB-A16C-A9C1B19FFA3C}" type="slidenum">
+              <a:rPr lang="en-CA" smtClean="0"/>
+              <a:t>4</a:t>
+            </a:fld>
+            <a:endParaRPr lang="en-CA"/>
           </a:p>
         </p:txBody>
       </p:sp>
@@ -4761,7 +5479,7 @@
           <p:cNvPr id="9" name="Content Placeholder 4" descr="A picture containing clock, meter&#10;&#10;Description automatically generated">
             <a:extLst>
               <a:ext uri="{FF2B5EF4-FFF2-40B4-BE49-F238E27FC236}">
-                <a16:creationId xmlns:a16="http://schemas.microsoft.com/office/drawing/2014/main" id="{03B88FE5-B277-4821-854B-9F1DD6384B6E}"/>
+                <a16:creationId xmlns:a16="http://schemas.microsoft.com/office/drawing/2014/main" xmlns="" id="{03B88FE5-B277-4821-854B-9F1DD6384B6E}"/>
               </a:ext>
             </a:extLst>
           </p:cNvPr>
@@ -4784,7 +5502,7 @@
         </p:blipFill>
         <p:spPr>
           <a:xfrm>
-            <a:off x="2019647" y="4462835"/>
+            <a:off x="1868921" y="4171435"/>
             <a:ext cx="754610" cy="754610"/>
           </a:xfrm>
           <a:prstGeom prst="rect">
@@ -4797,7 +5515,7 @@
           <p:cNvPr id="10" name="Content Placeholder 4" descr="A picture containing clock, meter&#10;&#10;Description automatically generated">
             <a:extLst>
               <a:ext uri="{FF2B5EF4-FFF2-40B4-BE49-F238E27FC236}">
-                <a16:creationId xmlns:a16="http://schemas.microsoft.com/office/drawing/2014/main" id="{32A94AA0-7BD3-4C7E-B2A0-E963B611384F}"/>
+                <a16:creationId xmlns:a16="http://schemas.microsoft.com/office/drawing/2014/main" xmlns="" id="{32A94AA0-7BD3-4C7E-B2A0-E963B611384F}"/>
               </a:ext>
             </a:extLst>
           </p:cNvPr>
@@ -4820,7 +5538,7 @@
         </p:blipFill>
         <p:spPr>
           <a:xfrm>
-            <a:off x="2019647" y="5257884"/>
+            <a:off x="1868921" y="4966484"/>
             <a:ext cx="754610" cy="754610"/>
           </a:xfrm>
           <a:prstGeom prst="rect">
@@ -4833,7 +5551,7 @@
           <p:cNvPr id="8" name="Content Placeholder 4" descr="A picture containing clock, meter&#10;&#10;Description automatically generated">
             <a:extLst>
               <a:ext uri="{FF2B5EF4-FFF2-40B4-BE49-F238E27FC236}">
-                <a16:creationId xmlns:a16="http://schemas.microsoft.com/office/drawing/2014/main" id="{D9865AE8-C51B-453D-8723-D56C46700D32}"/>
+                <a16:creationId xmlns:a16="http://schemas.microsoft.com/office/drawing/2014/main" xmlns="" id="{D9865AE8-C51B-453D-8723-D56C46700D32}"/>
               </a:ext>
             </a:extLst>
           </p:cNvPr>
@@ -4856,7 +5574,7 @@
         </p:blipFill>
         <p:spPr>
           <a:xfrm>
-            <a:off x="872533" y="4840140"/>
+            <a:off x="792145" y="5181786"/>
             <a:ext cx="612102" cy="612102"/>
           </a:xfrm>
           <a:prstGeom prst="rect">
@@ -4869,7 +5587,7 @@
           <p:cNvPr id="12" name="Picture 11" descr="A close up of a logo&#10;&#10;Description automatically generated">
             <a:extLst>
               <a:ext uri="{FF2B5EF4-FFF2-40B4-BE49-F238E27FC236}">
-                <a16:creationId xmlns:a16="http://schemas.microsoft.com/office/drawing/2014/main" id="{A311D656-5CA6-4736-81F1-EA7BDCE46802}"/>
+                <a16:creationId xmlns:a16="http://schemas.microsoft.com/office/drawing/2014/main" xmlns="" id="{A311D656-5CA6-4736-81F1-EA7BDCE46802}"/>
               </a:ext>
             </a:extLst>
           </p:cNvPr>
@@ -4892,7 +5610,7 @@
         </p:blipFill>
         <p:spPr>
           <a:xfrm>
-            <a:off x="3381006" y="4007599"/>
+            <a:off x="3180040" y="4178422"/>
             <a:ext cx="1180318" cy="1180318"/>
           </a:xfrm>
           <a:prstGeom prst="rect">
@@ -4905,7 +5623,7 @@
           <p:cNvPr id="20" name="Picture 19" descr="A close up of a logo&#10;&#10;Description automatically generated">
             <a:extLst>
               <a:ext uri="{FF2B5EF4-FFF2-40B4-BE49-F238E27FC236}">
-                <a16:creationId xmlns:a16="http://schemas.microsoft.com/office/drawing/2014/main" id="{C815E553-AD2B-4B08-8F2D-DE3809A4E0E8}"/>
+                <a16:creationId xmlns:a16="http://schemas.microsoft.com/office/drawing/2014/main" xmlns="" id="{C815E553-AD2B-4B08-8F2D-DE3809A4E0E8}"/>
               </a:ext>
             </a:extLst>
           </p:cNvPr>
@@ -4928,7 +5646,7 @@
         </p:blipFill>
         <p:spPr>
           <a:xfrm>
-            <a:off x="5048500" y="3562520"/>
+            <a:off x="4897774" y="3271120"/>
             <a:ext cx="1625397" cy="1625397"/>
           </a:xfrm>
           <a:prstGeom prst="rect">
@@ -4941,7 +5659,7 @@
           <p:cNvPr id="24" name="Picture 23" descr="A picture containing clock&#10;&#10;Description automatically generated">
             <a:extLst>
               <a:ext uri="{FF2B5EF4-FFF2-40B4-BE49-F238E27FC236}">
-                <a16:creationId xmlns:a16="http://schemas.microsoft.com/office/drawing/2014/main" id="{F0A87256-5E44-4D6E-A7DF-6531DCA02D49}"/>
+                <a16:creationId xmlns:a16="http://schemas.microsoft.com/office/drawing/2014/main" xmlns="" id="{F0A87256-5E44-4D6E-A7DF-6531DCA02D49}"/>
               </a:ext>
             </a:extLst>
           </p:cNvPr>
@@ -4964,7 +5682,7 @@
         </p:blipFill>
         <p:spPr>
           <a:xfrm>
-            <a:off x="7178678" y="2879713"/>
+            <a:off x="7269112" y="2588313"/>
             <a:ext cx="1095897" cy="1095897"/>
           </a:xfrm>
           <a:prstGeom prst="rect">
@@ -4977,7 +5695,7 @@
           <p:cNvPr id="26" name="Picture 25" descr="A close up of a logo&#10;&#10;Description automatically generated">
             <a:extLst>
               <a:ext uri="{FF2B5EF4-FFF2-40B4-BE49-F238E27FC236}">
-                <a16:creationId xmlns:a16="http://schemas.microsoft.com/office/drawing/2014/main" id="{5666146C-719B-42CD-93D0-D14BC5D8686B}"/>
+                <a16:creationId xmlns:a16="http://schemas.microsoft.com/office/drawing/2014/main" xmlns="" id="{5666146C-719B-42CD-93D0-D14BC5D8686B}"/>
               </a:ext>
             </a:extLst>
           </p:cNvPr>
@@ -5000,7 +5718,7 @@
         </p:blipFill>
         <p:spPr>
           <a:xfrm>
-            <a:off x="5645770" y="4906564"/>
+            <a:off x="5495044" y="4615164"/>
             <a:ext cx="1044500" cy="1044500"/>
           </a:xfrm>
           <a:prstGeom prst="rect">
@@ -5013,7 +5731,7 @@
           <p:cNvPr id="30" name="Picture 29" descr="A close up of a sign&#10;&#10;Description automatically generated">
             <a:extLst>
               <a:ext uri="{FF2B5EF4-FFF2-40B4-BE49-F238E27FC236}">
-                <a16:creationId xmlns:a16="http://schemas.microsoft.com/office/drawing/2014/main" id="{470862DD-1B77-44EC-93BA-92C41D33E2AC}"/>
+                <a16:creationId xmlns:a16="http://schemas.microsoft.com/office/drawing/2014/main" xmlns="" id="{470862DD-1B77-44EC-93BA-92C41D33E2AC}"/>
               </a:ext>
             </a:extLst>
           </p:cNvPr>
@@ -5036,7 +5754,7 @@
         </p:blipFill>
         <p:spPr>
           <a:xfrm>
-            <a:off x="7245418" y="5111916"/>
+            <a:off x="7335852" y="4820516"/>
             <a:ext cx="1095897" cy="1095897"/>
           </a:xfrm>
           <a:prstGeom prst="rect">
@@ -5049,7 +5767,7 @@
           <p:cNvPr id="32" name="Picture 31" descr="A close up of a sign&#10;&#10;Description automatically generated">
             <a:extLst>
               <a:ext uri="{FF2B5EF4-FFF2-40B4-BE49-F238E27FC236}">
-                <a16:creationId xmlns:a16="http://schemas.microsoft.com/office/drawing/2014/main" id="{026A51DE-B141-4E86-9B16-6682CF4D2F0A}"/>
+                <a16:creationId xmlns:a16="http://schemas.microsoft.com/office/drawing/2014/main" xmlns="" id="{026A51DE-B141-4E86-9B16-6682CF4D2F0A}"/>
               </a:ext>
             </a:extLst>
           </p:cNvPr>
@@ -5072,7 +5790,7 @@
         </p:blipFill>
         <p:spPr>
           <a:xfrm>
-            <a:off x="7315418" y="4072855"/>
+            <a:off x="7405852" y="3781455"/>
             <a:ext cx="1025897" cy="1025897"/>
           </a:xfrm>
           <a:prstGeom prst="rect">
@@ -5085,7 +5803,7 @@
           <p:cNvPr id="33" name="Rectangle 32">
             <a:extLst>
               <a:ext uri="{FF2B5EF4-FFF2-40B4-BE49-F238E27FC236}">
-                <a16:creationId xmlns:a16="http://schemas.microsoft.com/office/drawing/2014/main" id="{84F28BB1-ACAB-4434-BD2C-2EE1A6604CE2}"/>
+                <a16:creationId xmlns:a16="http://schemas.microsoft.com/office/drawing/2014/main" xmlns="" id="{84F28BB1-ACAB-4434-BD2C-2EE1A6604CE2}"/>
               </a:ext>
             </a:extLst>
           </p:cNvPr>
@@ -5094,7 +5812,7 @@
         </p:nvSpPr>
         <p:spPr>
           <a:xfrm>
-            <a:off x="838200" y="2808688"/>
+            <a:off x="687474" y="2517288"/>
             <a:ext cx="2149701" cy="3445995"/>
           </a:xfrm>
           <a:prstGeom prst="rect">
@@ -5139,7 +5857,7 @@
           <p:cNvPr id="34" name="Rectangle 33">
             <a:extLst>
               <a:ext uri="{FF2B5EF4-FFF2-40B4-BE49-F238E27FC236}">
-                <a16:creationId xmlns:a16="http://schemas.microsoft.com/office/drawing/2014/main" id="{C4E683FC-5983-48F4-A175-F58D42E20D3B}"/>
+                <a16:creationId xmlns:a16="http://schemas.microsoft.com/office/drawing/2014/main" xmlns="" id="{C4E683FC-5983-48F4-A175-F58D42E20D3B}"/>
               </a:ext>
             </a:extLst>
           </p:cNvPr>
@@ -5148,7 +5866,7 @@
         </p:nvSpPr>
         <p:spPr>
           <a:xfrm>
-            <a:off x="838200" y="1976417"/>
+            <a:off x="687474" y="1685017"/>
             <a:ext cx="2149701" cy="649324"/>
           </a:xfrm>
           <a:prstGeom prst="rect">
@@ -5200,7 +5918,7 @@
           <p:cNvPr id="35" name="Rectangle 34">
             <a:extLst>
               <a:ext uri="{FF2B5EF4-FFF2-40B4-BE49-F238E27FC236}">
-                <a16:creationId xmlns:a16="http://schemas.microsoft.com/office/drawing/2014/main" id="{EE213907-3765-4E23-96A0-52B22C035E6B}"/>
+                <a16:creationId xmlns:a16="http://schemas.microsoft.com/office/drawing/2014/main" xmlns="" id="{EE213907-3765-4E23-96A0-52B22C035E6B}"/>
               </a:ext>
             </a:extLst>
           </p:cNvPr>
@@ -5209,7 +5927,7 @@
         </p:nvSpPr>
         <p:spPr>
           <a:xfrm>
-            <a:off x="3133817" y="2808688"/>
+            <a:off x="2983091" y="2517288"/>
             <a:ext cx="1580226" cy="3445995"/>
           </a:xfrm>
           <a:prstGeom prst="rect">
@@ -5254,7 +5972,7 @@
           <p:cNvPr id="36" name="Rectangle 35">
             <a:extLst>
               <a:ext uri="{FF2B5EF4-FFF2-40B4-BE49-F238E27FC236}">
-                <a16:creationId xmlns:a16="http://schemas.microsoft.com/office/drawing/2014/main" id="{A342E36E-1B6A-4BC0-A3F6-97F8CE491F19}"/>
+                <a16:creationId xmlns:a16="http://schemas.microsoft.com/office/drawing/2014/main" xmlns="" id="{A342E36E-1B6A-4BC0-A3F6-97F8CE491F19}"/>
               </a:ext>
             </a:extLst>
           </p:cNvPr>
@@ -5263,7 +5981,7 @@
         </p:nvSpPr>
         <p:spPr>
           <a:xfrm>
-            <a:off x="3133817" y="1976417"/>
+            <a:off x="2983091" y="1685017"/>
             <a:ext cx="1580226" cy="649324"/>
           </a:xfrm>
           <a:prstGeom prst="rect">
@@ -5315,7 +6033,7 @@
           <p:cNvPr id="37" name="Rectangle 36">
             <a:extLst>
               <a:ext uri="{FF2B5EF4-FFF2-40B4-BE49-F238E27FC236}">
-                <a16:creationId xmlns:a16="http://schemas.microsoft.com/office/drawing/2014/main" id="{CC5B27AB-F985-4B2B-A428-878A2B1CECC6}"/>
+                <a16:creationId xmlns:a16="http://schemas.microsoft.com/office/drawing/2014/main" xmlns="" id="{CC5B27AB-F985-4B2B-A428-878A2B1CECC6}"/>
               </a:ext>
             </a:extLst>
           </p:cNvPr>
@@ -5324,7 +6042,7 @@
         </p:nvSpPr>
         <p:spPr>
           <a:xfrm>
-            <a:off x="4859959" y="2808688"/>
+            <a:off x="4709233" y="2517288"/>
             <a:ext cx="2002480" cy="3445995"/>
           </a:xfrm>
           <a:prstGeom prst="rect">
@@ -5369,7 +6087,7 @@
           <p:cNvPr id="38" name="Rectangle 37">
             <a:extLst>
               <a:ext uri="{FF2B5EF4-FFF2-40B4-BE49-F238E27FC236}">
-                <a16:creationId xmlns:a16="http://schemas.microsoft.com/office/drawing/2014/main" id="{D7F9680F-150E-48DA-93A0-34973B150B68}"/>
+                <a16:creationId xmlns:a16="http://schemas.microsoft.com/office/drawing/2014/main" xmlns="" id="{D7F9680F-150E-48DA-93A0-34973B150B68}"/>
               </a:ext>
             </a:extLst>
           </p:cNvPr>
@@ -5378,7 +6096,7 @@
         </p:nvSpPr>
         <p:spPr>
           <a:xfrm>
-            <a:off x="4859959" y="1976417"/>
+            <a:off x="4709233" y="1685017"/>
             <a:ext cx="2002480" cy="649324"/>
           </a:xfrm>
           <a:prstGeom prst="rect">
@@ -5430,7 +6148,7 @@
           <p:cNvPr id="39" name="Rectangle 38">
             <a:extLst>
               <a:ext uri="{FF2B5EF4-FFF2-40B4-BE49-F238E27FC236}">
-                <a16:creationId xmlns:a16="http://schemas.microsoft.com/office/drawing/2014/main" id="{7491A279-884F-4918-B5E7-2800444DAB51}"/>
+                <a16:creationId xmlns:a16="http://schemas.microsoft.com/office/drawing/2014/main" xmlns="" id="{7491A279-884F-4918-B5E7-2800444DAB51}"/>
               </a:ext>
             </a:extLst>
           </p:cNvPr>
@@ -5439,7 +6157,7 @@
         </p:nvSpPr>
         <p:spPr>
           <a:xfrm>
-            <a:off x="6991254" y="2808688"/>
+            <a:off x="6840528" y="2517288"/>
             <a:ext cx="2002480" cy="3445995"/>
           </a:xfrm>
           <a:prstGeom prst="rect">
@@ -5484,7 +6202,7 @@
           <p:cNvPr id="40" name="Rectangle 39">
             <a:extLst>
               <a:ext uri="{FF2B5EF4-FFF2-40B4-BE49-F238E27FC236}">
-                <a16:creationId xmlns:a16="http://schemas.microsoft.com/office/drawing/2014/main" id="{D8ADD401-48CB-4CF5-9532-668C30F97395}"/>
+                <a16:creationId xmlns:a16="http://schemas.microsoft.com/office/drawing/2014/main" xmlns="" id="{D8ADD401-48CB-4CF5-9532-668C30F97395}"/>
               </a:ext>
             </a:extLst>
           </p:cNvPr>
@@ -5493,7 +6211,7 @@
         </p:nvSpPr>
         <p:spPr>
           <a:xfrm>
-            <a:off x="6991254" y="1976417"/>
+            <a:off x="6840528" y="1685017"/>
             <a:ext cx="2002480" cy="649324"/>
           </a:xfrm>
           <a:prstGeom prst="rect">
@@ -5545,7 +6263,7 @@
           <p:cNvPr id="41" name="Rectangle 40">
             <a:extLst>
               <a:ext uri="{FF2B5EF4-FFF2-40B4-BE49-F238E27FC236}">
-                <a16:creationId xmlns:a16="http://schemas.microsoft.com/office/drawing/2014/main" id="{99C3C71C-DCE2-4539-8F26-E812C28406AA}"/>
+                <a16:creationId xmlns:a16="http://schemas.microsoft.com/office/drawing/2014/main" xmlns="" id="{99C3C71C-DCE2-4539-8F26-E812C28406AA}"/>
               </a:ext>
             </a:extLst>
           </p:cNvPr>
@@ -5554,7 +6272,7 @@
         </p:nvSpPr>
         <p:spPr>
           <a:xfrm>
-            <a:off x="9122548" y="2808688"/>
+            <a:off x="8971822" y="2517288"/>
             <a:ext cx="2456524" cy="3445995"/>
           </a:xfrm>
           <a:prstGeom prst="rect">
@@ -5599,7 +6317,7 @@
           <p:cNvPr id="42" name="Rectangle 41">
             <a:extLst>
               <a:ext uri="{FF2B5EF4-FFF2-40B4-BE49-F238E27FC236}">
-                <a16:creationId xmlns:a16="http://schemas.microsoft.com/office/drawing/2014/main" id="{C18762A2-13CF-4B97-8E63-7B3E5DC352EF}"/>
+                <a16:creationId xmlns:a16="http://schemas.microsoft.com/office/drawing/2014/main" xmlns="" id="{C18762A2-13CF-4B97-8E63-7B3E5DC352EF}"/>
               </a:ext>
             </a:extLst>
           </p:cNvPr>
@@ -5608,7 +6326,7 @@
         </p:nvSpPr>
         <p:spPr>
           <a:xfrm>
-            <a:off x="9122548" y="1976417"/>
+            <a:off x="8971822" y="1685017"/>
             <a:ext cx="2456524" cy="649324"/>
           </a:xfrm>
           <a:prstGeom prst="rect">
@@ -5660,7 +6378,7 @@
           <p:cNvPr id="43" name="TextBox 42">
             <a:extLst>
               <a:ext uri="{FF2B5EF4-FFF2-40B4-BE49-F238E27FC236}">
-                <a16:creationId xmlns:a16="http://schemas.microsoft.com/office/drawing/2014/main" id="{C709F974-E49A-4B08-838F-5A6B9C856D49}"/>
+                <a16:creationId xmlns:a16="http://schemas.microsoft.com/office/drawing/2014/main" xmlns="" id="{C709F974-E49A-4B08-838F-5A6B9C856D49}"/>
               </a:ext>
             </a:extLst>
           </p:cNvPr>
@@ -5669,7 +6387,7 @@
         </p:nvSpPr>
         <p:spPr>
           <a:xfrm>
-            <a:off x="3265323" y="2875785"/>
+            <a:off x="3114597" y="2584385"/>
             <a:ext cx="1306894" cy="1077218"/>
           </a:xfrm>
           <a:prstGeom prst="rect">
@@ -5696,7 +6414,7 @@
           <p:cNvPr id="44" name="TextBox 43">
             <a:extLst>
               <a:ext uri="{FF2B5EF4-FFF2-40B4-BE49-F238E27FC236}">
-                <a16:creationId xmlns:a16="http://schemas.microsoft.com/office/drawing/2014/main" id="{75D80D74-4BB6-4A43-8D34-D91CE3F3D26B}"/>
+                <a16:creationId xmlns:a16="http://schemas.microsoft.com/office/drawing/2014/main" xmlns="" id="{75D80D74-4BB6-4A43-8D34-D91CE3F3D26B}"/>
               </a:ext>
             </a:extLst>
           </p:cNvPr>
@@ -5705,7 +6423,7 @@
         </p:nvSpPr>
         <p:spPr>
           <a:xfrm>
-            <a:off x="1575138" y="3500918"/>
+            <a:off x="1424412" y="3209518"/>
             <a:ext cx="1306894" cy="923330"/>
           </a:xfrm>
           <a:prstGeom prst="rect">
@@ -5732,7 +6450,7 @@
           <p:cNvPr id="45" name="Arrow: Right 44">
             <a:extLst>
               <a:ext uri="{FF2B5EF4-FFF2-40B4-BE49-F238E27FC236}">
-                <a16:creationId xmlns:a16="http://schemas.microsoft.com/office/drawing/2014/main" id="{9C3C1338-0821-4682-8EF1-84C3A757D78C}"/>
+                <a16:creationId xmlns:a16="http://schemas.microsoft.com/office/drawing/2014/main" xmlns="" id="{9C3C1338-0821-4682-8EF1-84C3A757D78C}"/>
               </a:ext>
             </a:extLst>
           </p:cNvPr>
@@ -5741,7 +6459,7 @@
         </p:nvSpPr>
         <p:spPr>
           <a:xfrm>
-            <a:off x="1670825" y="5015881"/>
+            <a:off x="1520099" y="4724481"/>
             <a:ext cx="348822" cy="344072"/>
           </a:xfrm>
           <a:prstGeom prst="rightArrow">
@@ -5778,7 +6496,7 @@
           <p:cNvPr id="46" name="Rectangle 45">
             <a:extLst>
               <a:ext uri="{FF2B5EF4-FFF2-40B4-BE49-F238E27FC236}">
-                <a16:creationId xmlns:a16="http://schemas.microsoft.com/office/drawing/2014/main" id="{6A4E7B7C-5436-47F3-811F-D5924F268E2A}"/>
+                <a16:creationId xmlns:a16="http://schemas.microsoft.com/office/drawing/2014/main" xmlns="" id="{6A4E7B7C-5436-47F3-811F-D5924F268E2A}"/>
               </a:ext>
             </a:extLst>
           </p:cNvPr>
@@ -5787,7 +6505,7 @@
         </p:nvSpPr>
         <p:spPr>
           <a:xfrm>
-            <a:off x="9122548" y="2846102"/>
+            <a:off x="8997608" y="2875794"/>
             <a:ext cx="2456524" cy="646331"/>
           </a:xfrm>
           <a:prstGeom prst="rect">
@@ -5800,6 +6518,7 @@
           </a:bodyPr>
           <a:lstStyle/>
           <a:p>
+            <a:pPr algn="ctr"/>
             <a:r>
               <a:rPr lang="en-CA" dirty="0">
                 <a:hlinkClick r:id="rId9"/>
@@ -5815,7 +6534,7 @@
           <p:cNvPr id="47" name="Rectangle 46">
             <a:extLst>
               <a:ext uri="{FF2B5EF4-FFF2-40B4-BE49-F238E27FC236}">
-                <a16:creationId xmlns:a16="http://schemas.microsoft.com/office/drawing/2014/main" id="{31D1C3A1-754B-465C-A814-3B3DF3E19256}"/>
+                <a16:creationId xmlns:a16="http://schemas.microsoft.com/office/drawing/2014/main" xmlns="" id="{31D1C3A1-754B-465C-A814-3B3DF3E19256}"/>
               </a:ext>
             </a:extLst>
           </p:cNvPr>
@@ -5824,7 +6543,7 @@
         </p:nvSpPr>
         <p:spPr>
           <a:xfrm>
-            <a:off x="804079" y="2786924"/>
+            <a:off x="653353" y="2495524"/>
             <a:ext cx="2240613" cy="830997"/>
           </a:xfrm>
           <a:prstGeom prst="rect">
@@ -5838,11 +6557,14 @@
           <a:lstStyle/>
           <a:p>
             <a:r>
-              <a:rPr lang="en-CA" sz="1600" dirty="0">
+              <a:rPr lang="en-CA" sz="1600" dirty="0" smtClean="0">
                 <a:hlinkClick r:id="rId10"/>
               </a:rPr>
-              <a:t>Source: </a:t>
-            </a:r>
+              <a:t>Sources: </a:t>
+            </a:r>
+            <a:endParaRPr lang="en-CA" sz="1600" dirty="0">
+              <a:hlinkClick r:id="rId10"/>
+            </a:endParaRPr>
           </a:p>
           <a:p>
             <a:r>
@@ -5866,7 +6588,7 @@
           <p:cNvPr id="50" name="Content Placeholder 4" descr="A picture containing clock, meter&#10;&#10;Description automatically generated">
             <a:extLst>
               <a:ext uri="{FF2B5EF4-FFF2-40B4-BE49-F238E27FC236}">
-                <a16:creationId xmlns:a16="http://schemas.microsoft.com/office/drawing/2014/main" id="{DF5F6211-3B6F-469A-8616-35B8B7D01580}"/>
+                <a16:creationId xmlns:a16="http://schemas.microsoft.com/office/drawing/2014/main" xmlns="" id="{DF5F6211-3B6F-469A-8616-35B8B7D01580}"/>
               </a:ext>
             </a:extLst>
           </p:cNvPr>
@@ -5889,7 +6611,7 @@
         </p:blipFill>
         <p:spPr>
           <a:xfrm>
-            <a:off x="861510" y="4424721"/>
+            <a:off x="781122" y="4806559"/>
             <a:ext cx="612102" cy="612102"/>
           </a:xfrm>
           <a:prstGeom prst="rect">
@@ -5902,7 +6624,7 @@
           <p:cNvPr id="51" name="Content Placeholder 4" descr="A picture containing clock, meter&#10;&#10;Description automatically generated">
             <a:extLst>
               <a:ext uri="{FF2B5EF4-FFF2-40B4-BE49-F238E27FC236}">
-                <a16:creationId xmlns:a16="http://schemas.microsoft.com/office/drawing/2014/main" id="{060ACF17-DE25-41DF-9DD7-F38AEEF4AFC7}"/>
+                <a16:creationId xmlns:a16="http://schemas.microsoft.com/office/drawing/2014/main" xmlns="" id="{060ACF17-DE25-41DF-9DD7-F38AEEF4AFC7}"/>
               </a:ext>
             </a:extLst>
           </p:cNvPr>
@@ -5925,7 +6647,7 @@
         </p:blipFill>
         <p:spPr>
           <a:xfrm>
-            <a:off x="887888" y="4021321"/>
+            <a:off x="777356" y="4413207"/>
             <a:ext cx="612102" cy="612102"/>
           </a:xfrm>
           <a:prstGeom prst="rect">
@@ -5938,7 +6660,7 @@
           <p:cNvPr id="52" name="Content Placeholder 4" descr="A picture containing clock, meter&#10;&#10;Description automatically generated">
             <a:extLst>
               <a:ext uri="{FF2B5EF4-FFF2-40B4-BE49-F238E27FC236}">
-                <a16:creationId xmlns:a16="http://schemas.microsoft.com/office/drawing/2014/main" id="{42A74942-7B2E-484E-BDB3-D62D2669E6FB}"/>
+                <a16:creationId xmlns:a16="http://schemas.microsoft.com/office/drawing/2014/main" xmlns="" id="{42A74942-7B2E-484E-BDB3-D62D2669E6FB}"/>
               </a:ext>
             </a:extLst>
           </p:cNvPr>
@@ -5961,7 +6683,7 @@
         </p:blipFill>
         <p:spPr>
           <a:xfrm>
-            <a:off x="878611" y="3637830"/>
+            <a:off x="778127" y="4029716"/>
             <a:ext cx="612102" cy="612102"/>
           </a:xfrm>
           <a:prstGeom prst="rect">
@@ -5974,7 +6696,7 @@
           <p:cNvPr id="54" name="Content Placeholder 4" descr="A picture containing clock, meter&#10;&#10;Description automatically generated">
             <a:extLst>
               <a:ext uri="{FF2B5EF4-FFF2-40B4-BE49-F238E27FC236}">
-                <a16:creationId xmlns:a16="http://schemas.microsoft.com/office/drawing/2014/main" id="{23976E99-6304-4A26-A868-B45902DDE84E}"/>
+                <a16:creationId xmlns:a16="http://schemas.microsoft.com/office/drawing/2014/main" xmlns="" id="{23976E99-6304-4A26-A868-B45902DDE84E}"/>
               </a:ext>
             </a:extLst>
           </p:cNvPr>
@@ -5997,7 +6719,7 @@
         </p:blipFill>
         <p:spPr>
           <a:xfrm>
-            <a:off x="872533" y="5194863"/>
+            <a:off x="776779" y="3703756"/>
             <a:ext cx="612102" cy="612102"/>
           </a:xfrm>
           <a:prstGeom prst="rect">
@@ -6010,7 +6732,7 @@
           <p:cNvPr id="53" name="Content Placeholder 4" descr="A picture containing clock, meter&#10;&#10;Description automatically generated">
             <a:extLst>
               <a:ext uri="{FF2B5EF4-FFF2-40B4-BE49-F238E27FC236}">
-                <a16:creationId xmlns:a16="http://schemas.microsoft.com/office/drawing/2014/main" id="{C7EF310B-26BF-4233-8AB2-B5203D2BED8B}"/>
+                <a16:creationId xmlns:a16="http://schemas.microsoft.com/office/drawing/2014/main" xmlns="" id="{C7EF310B-26BF-4233-8AB2-B5203D2BED8B}"/>
               </a:ext>
             </a:extLst>
           </p:cNvPr>
@@ -6033,7 +6755,7 @@
         </p:blipFill>
         <p:spPr>
           <a:xfrm>
-            <a:off x="883556" y="5610282"/>
+            <a:off x="775591" y="3368940"/>
             <a:ext cx="612102" cy="612102"/>
           </a:xfrm>
           <a:prstGeom prst="rect">
@@ -6046,7 +6768,7 @@
           <p:cNvPr id="57" name="TextBox 56">
             <a:extLst>
               <a:ext uri="{FF2B5EF4-FFF2-40B4-BE49-F238E27FC236}">
-                <a16:creationId xmlns:a16="http://schemas.microsoft.com/office/drawing/2014/main" id="{A13A2ADC-EE2A-4E00-A83F-51A4E98D84A0}"/>
+                <a16:creationId xmlns:a16="http://schemas.microsoft.com/office/drawing/2014/main" xmlns="" id="{A13A2ADC-EE2A-4E00-A83F-51A4E98D84A0}"/>
               </a:ext>
             </a:extLst>
           </p:cNvPr>
@@ -6055,7 +6777,7 @@
         </p:nvSpPr>
         <p:spPr>
           <a:xfrm>
-            <a:off x="4901467" y="2854220"/>
+            <a:off x="4759082" y="2626702"/>
             <a:ext cx="1889950" cy="584775"/>
           </a:xfrm>
           <a:prstGeom prst="rect">
@@ -6071,12 +6793,40 @@
           <a:p>
             <a:pPr algn="ctr"/>
             <a:r>
+              <a:rPr lang="en-CA" sz="1600" dirty="0" smtClean="0"/>
+              <a:t>Python </a:t>
+            </a:r>
+            <a:r>
               <a:rPr lang="en-CA" sz="1600" dirty="0"/>
-              <a:t>Phyton Flask generate Json</a:t>
-            </a:r>
-          </a:p>
-        </p:txBody>
-      </p:sp>
+              <a:t>Flask generate Json</a:t>
+            </a:r>
+          </a:p>
+        </p:txBody>
+      </p:sp>
+      <p:pic>
+        <p:nvPicPr>
+          <p:cNvPr id="5" name="Picture 4"/>
+          <p:cNvPicPr>
+            <a:picLocks noChangeAspect="1"/>
+          </p:cNvPicPr>
+          <p:nvPr/>
+        </p:nvPicPr>
+        <p:blipFill>
+          <a:blip r:embed="rId11"/>
+          <a:stretch>
+            <a:fillRect/>
+          </a:stretch>
+        </p:blipFill>
+        <p:spPr>
+          <a:xfrm>
+            <a:off x="9368620" y="4015026"/>
+            <a:ext cx="1714500" cy="1800225"/>
+          </a:xfrm>
+          <a:prstGeom prst="rect">
+            <a:avLst/>
+          </a:prstGeom>
+        </p:spPr>
+      </p:pic>
     </p:spTree>
     <p:extLst>
       <p:ext uri="{BB962C8B-B14F-4D97-AF65-F5344CB8AC3E}">
@@ -6087,13 +6837,20 @@
   <p:clrMapOvr>
     <a:masterClrMapping/>
   </p:clrMapOvr>
+  <p:timing>
+    <p:tnLst>
+      <p:par>
+        <p:cTn id="1" dur="indefinite" restart="never" nodeType="tmRoot"/>
+      </p:par>
+    </p:tnLst>
+  </p:timing>
 </p:sld>
 </file>
 
 <file path=ppt/theme/theme1.xml><?xml version="1.0" encoding="utf-8"?>
 <a:theme xmlns:a="http://schemas.openxmlformats.org/drawingml/2006/main" name="Office Theme">
   <a:themeElements>
-    <a:clrScheme name="Office">
+    <a:clrScheme name="Office Theme">
       <a:dk1>
         <a:sysClr val="windowText" lastClr="000000"/>
       </a:dk1>
@@ -6107,22 +6864,22 @@
         <a:srgbClr val="E7E6E6"/>
       </a:lt2>
       <a:accent1>
-        <a:srgbClr val="4472C4"/>
+        <a:srgbClr val="1D9A78"/>
       </a:accent1>
       <a:accent2>
-        <a:srgbClr val="ED7D31"/>
+        <a:srgbClr val="8BC145"/>
       </a:accent2>
       <a:accent3>
-        <a:srgbClr val="A5A5A5"/>
+        <a:srgbClr val="36AFCE"/>
       </a:accent3>
       <a:accent4>
-        <a:srgbClr val="FFC000"/>
+        <a:srgbClr val="1D6FA9"/>
       </a:accent4>
       <a:accent5>
-        <a:srgbClr val="5B9BD5"/>
+        <a:srgbClr val="B74919"/>
       </a:accent5>
       <a:accent6>
-        <a:srgbClr val="70AD47"/>
+        <a:srgbClr val="F19D19"/>
       </a:accent6>
       <a:hlink>
         <a:srgbClr val="0563C1"/>
@@ -6131,14 +6888,14 @@
         <a:srgbClr val="954F72"/>
       </a:folHlink>
     </a:clrScheme>
-    <a:fontScheme name="Office">
+    <a:fontScheme name="Office Theme">
       <a:majorFont>
         <a:latin typeface="Calibri Light" panose="020F0302020204030204"/>
         <a:ea typeface=""/>
         <a:cs typeface=""/>
-        <a:font script="Jpan" typeface="游ゴシック Light"/>
+        <a:font script="Jpan" typeface="ＭＳ Ｐゴシック"/>
         <a:font script="Hang" typeface="맑은 고딕"/>
-        <a:font script="Hans" typeface="等线 Light"/>
+        <a:font script="Hans" typeface="宋体"/>
         <a:font script="Hant" typeface="新細明體"/>
         <a:font script="Arab" typeface="Times New Roman"/>
         <a:font script="Hebr" typeface="Times New Roman"/>
@@ -6166,31 +6923,14 @@
         <a:font script="Viet" typeface="Times New Roman"/>
         <a:font script="Uigh" typeface="Microsoft Uighur"/>
         <a:font script="Geor" typeface="Sylfaen"/>
-        <a:font script="Armn" typeface="Arial"/>
-        <a:font script="Bugi" typeface="Leelawadee UI"/>
-        <a:font script="Bopo" typeface="Microsoft JhengHei"/>
-        <a:font script="Java" typeface="Javanese Text"/>
-        <a:font script="Lisu" typeface="Segoe UI"/>
-        <a:font script="Mymr" typeface="Myanmar Text"/>
-        <a:font script="Nkoo" typeface="Ebrima"/>
-        <a:font script="Olck" typeface="Nirmala UI"/>
-        <a:font script="Osma" typeface="Ebrima"/>
-        <a:font script="Phag" typeface="Phagspa"/>
-        <a:font script="Syrn" typeface="Estrangelo Edessa"/>
-        <a:font script="Syrj" typeface="Estrangelo Edessa"/>
-        <a:font script="Syre" typeface="Estrangelo Edessa"/>
-        <a:font script="Sora" typeface="Nirmala UI"/>
-        <a:font script="Tale" typeface="Microsoft Tai Le"/>
-        <a:font script="Talu" typeface="Microsoft New Tai Lue"/>
-        <a:font script="Tfng" typeface="Ebrima"/>
       </a:majorFont>
       <a:minorFont>
         <a:latin typeface="Calibri" panose="020F0502020204030204"/>
         <a:ea typeface=""/>
         <a:cs typeface=""/>
-        <a:font script="Jpan" typeface="游ゴシック"/>
+        <a:font script="Jpan" typeface="ＭＳ Ｐゴシック"/>
         <a:font script="Hang" typeface="맑은 고딕"/>
-        <a:font script="Hans" typeface="等线"/>
+        <a:font script="Hans" typeface="宋体"/>
         <a:font script="Hant" typeface="新細明體"/>
         <a:font script="Arab" typeface="Arial"/>
         <a:font script="Hebr" typeface="Arial"/>
@@ -6218,23 +6958,267 @@
         <a:font script="Viet" typeface="Arial"/>
         <a:font script="Uigh" typeface="Microsoft Uighur"/>
         <a:font script="Geor" typeface="Sylfaen"/>
-        <a:font script="Armn" typeface="Arial"/>
-        <a:font script="Bugi" typeface="Leelawadee UI"/>
-        <a:font script="Bopo" typeface="Microsoft JhengHei"/>
-        <a:font script="Java" typeface="Javanese Text"/>
-        <a:font script="Lisu" typeface="Segoe UI"/>
-        <a:font script="Mymr" typeface="Myanmar Text"/>
-        <a:font script="Nkoo" typeface="Ebrima"/>
-        <a:font script="Olck" typeface="Nirmala UI"/>
-        <a:font script="Osma" typeface="Ebrima"/>
-        <a:font script="Phag" typeface="Phagspa"/>
-        <a:font script="Syrn" typeface="Estrangelo Edessa"/>
-        <a:font script="Syrj" typeface="Estrangelo Edessa"/>
-        <a:font script="Syre" typeface="Estrangelo Edessa"/>
-        <a:font script="Sora" typeface="Nirmala UI"/>
-        <a:font script="Tale" typeface="Microsoft Tai Le"/>
-        <a:font script="Talu" typeface="Microsoft New Tai Lue"/>
-        <a:font script="Tfng" typeface="Ebrima"/>
+      </a:minorFont>
+    </a:fontScheme>
+    <a:fmtScheme name="Office Theme">
+      <a:fillStyleLst>
+        <a:solidFill>
+          <a:schemeClr val="phClr"/>
+        </a:solidFill>
+        <a:gradFill rotWithShape="1">
+          <a:gsLst>
+            <a:gs pos="0">
+              <a:schemeClr val="phClr">
+                <a:lumMod val="110000"/>
+                <a:satMod val="105000"/>
+                <a:tint val="67000"/>
+              </a:schemeClr>
+            </a:gs>
+            <a:gs pos="50000">
+              <a:schemeClr val="phClr">
+                <a:lumMod val="105000"/>
+                <a:satMod val="103000"/>
+                <a:tint val="73000"/>
+              </a:schemeClr>
+            </a:gs>
+            <a:gs pos="100000">
+              <a:schemeClr val="phClr">
+                <a:lumMod val="105000"/>
+                <a:satMod val="109000"/>
+                <a:tint val="81000"/>
+              </a:schemeClr>
+            </a:gs>
+          </a:gsLst>
+          <a:lin ang="5400000" scaled="0"/>
+        </a:gradFill>
+        <a:gradFill rotWithShape="1">
+          <a:gsLst>
+            <a:gs pos="0">
+              <a:schemeClr val="phClr">
+                <a:satMod val="103000"/>
+                <a:lumMod val="102000"/>
+                <a:tint val="94000"/>
+              </a:schemeClr>
+            </a:gs>
+            <a:gs pos="50000">
+              <a:schemeClr val="phClr">
+                <a:satMod val="110000"/>
+                <a:lumMod val="100000"/>
+                <a:shade val="100000"/>
+              </a:schemeClr>
+            </a:gs>
+            <a:gs pos="100000">
+              <a:schemeClr val="phClr">
+                <a:lumMod val="99000"/>
+                <a:satMod val="120000"/>
+                <a:shade val="78000"/>
+              </a:schemeClr>
+            </a:gs>
+          </a:gsLst>
+          <a:lin ang="5400000" scaled="0"/>
+        </a:gradFill>
+      </a:fillStyleLst>
+      <a:lnStyleLst>
+        <a:ln w="6350" cap="flat" cmpd="sng" algn="ctr">
+          <a:solidFill>
+            <a:schemeClr val="phClr"/>
+          </a:solidFill>
+          <a:prstDash val="solid"/>
+          <a:miter lim="800000"/>
+        </a:ln>
+        <a:ln w="12700" cap="flat" cmpd="sng" algn="ctr">
+          <a:solidFill>
+            <a:schemeClr val="phClr"/>
+          </a:solidFill>
+          <a:prstDash val="solid"/>
+          <a:miter lim="800000"/>
+        </a:ln>
+        <a:ln w="19050" cap="flat" cmpd="sng" algn="ctr">
+          <a:solidFill>
+            <a:schemeClr val="phClr"/>
+          </a:solidFill>
+          <a:prstDash val="solid"/>
+          <a:miter lim="800000"/>
+        </a:ln>
+      </a:lnStyleLst>
+      <a:effectStyleLst>
+        <a:effectStyle>
+          <a:effectLst/>
+        </a:effectStyle>
+        <a:effectStyle>
+          <a:effectLst/>
+        </a:effectStyle>
+        <a:effectStyle>
+          <a:effectLst>
+            <a:outerShdw blurRad="57150" dist="19050" dir="5400000" algn="ctr" rotWithShape="0">
+              <a:srgbClr val="000000">
+                <a:alpha val="63000"/>
+              </a:srgbClr>
+            </a:outerShdw>
+          </a:effectLst>
+        </a:effectStyle>
+      </a:effectStyleLst>
+      <a:bgFillStyleLst>
+        <a:solidFill>
+          <a:schemeClr val="phClr"/>
+        </a:solidFill>
+        <a:solidFill>
+          <a:schemeClr val="phClr">
+            <a:tint val="95000"/>
+            <a:satMod val="170000"/>
+          </a:schemeClr>
+        </a:solidFill>
+        <a:gradFill rotWithShape="1">
+          <a:gsLst>
+            <a:gs pos="0">
+              <a:schemeClr val="phClr">
+                <a:tint val="93000"/>
+                <a:satMod val="150000"/>
+                <a:shade val="98000"/>
+                <a:lumMod val="102000"/>
+              </a:schemeClr>
+            </a:gs>
+            <a:gs pos="50000">
+              <a:schemeClr val="phClr">
+                <a:tint val="98000"/>
+                <a:satMod val="130000"/>
+                <a:shade val="90000"/>
+                <a:lumMod val="103000"/>
+              </a:schemeClr>
+            </a:gs>
+            <a:gs pos="100000">
+              <a:schemeClr val="phClr">
+                <a:shade val="63000"/>
+                <a:satMod val="120000"/>
+              </a:schemeClr>
+            </a:gs>
+          </a:gsLst>
+          <a:lin ang="5400000" scaled="0"/>
+        </a:gradFill>
+      </a:bgFillStyleLst>
+    </a:fmtScheme>
+  </a:themeElements>
+  <a:objectDefaults/>
+  <a:extraClrSchemeLst/>
+  <a:extLst>
+    <a:ext uri="{05A4C25C-085E-4340-85A3-A5531E510DB2}">
+      <thm15:themeFamily xmlns:thm15="http://schemas.microsoft.com/office/thememl/2012/main" name="Office Theme" id="{62F939B6-93AF-4DB8-9C6B-D6C7DFDC589F}" vid="{AE6F2518-B084-4896-AF52-66CC2144AA26}"/>
+    </a:ext>
+  </a:extLst>
+</a:theme>
+</file>
+
+<file path=ppt/theme/theme2.xml><?xml version="1.0" encoding="utf-8"?>
+<a:theme xmlns:a="http://schemas.openxmlformats.org/drawingml/2006/main" name="Office Theme">
+  <a:themeElements>
+    <a:clrScheme name="Office">
+      <a:dk1>
+        <a:sysClr val="windowText" lastClr="000000"/>
+      </a:dk1>
+      <a:lt1>
+        <a:sysClr val="window" lastClr="FFFFFF"/>
+      </a:lt1>
+      <a:dk2>
+        <a:srgbClr val="44546A"/>
+      </a:dk2>
+      <a:lt2>
+        <a:srgbClr val="E7E6E6"/>
+      </a:lt2>
+      <a:accent1>
+        <a:srgbClr val="5B9BD5"/>
+      </a:accent1>
+      <a:accent2>
+        <a:srgbClr val="ED7D31"/>
+      </a:accent2>
+      <a:accent3>
+        <a:srgbClr val="A5A5A5"/>
+      </a:accent3>
+      <a:accent4>
+        <a:srgbClr val="FFC000"/>
+      </a:accent4>
+      <a:accent5>
+        <a:srgbClr val="4472C4"/>
+      </a:accent5>
+      <a:accent6>
+        <a:srgbClr val="70AD47"/>
+      </a:accent6>
+      <a:hlink>
+        <a:srgbClr val="0563C1"/>
+      </a:hlink>
+      <a:folHlink>
+        <a:srgbClr val="954F72"/>
+      </a:folHlink>
+    </a:clrScheme>
+    <a:fontScheme name="Office">
+      <a:majorFont>
+        <a:latin typeface="Calibri Light" panose="020F0302020204030204"/>
+        <a:ea typeface=""/>
+        <a:cs typeface=""/>
+        <a:font script="Jpan" typeface="ＭＳ Ｐゴシック"/>
+        <a:font script="Hang" typeface="맑은 고딕"/>
+        <a:font script="Hans" typeface="宋体"/>
+        <a:font script="Hant" typeface="新細明體"/>
+        <a:font script="Arab" typeface="Times New Roman"/>
+        <a:font script="Hebr" typeface="Times New Roman"/>
+        <a:font script="Thai" typeface="Angsana New"/>
+        <a:font script="Ethi" typeface="Nyala"/>
+        <a:font script="Beng" typeface="Vrinda"/>
+        <a:font script="Gujr" typeface="Shruti"/>
+        <a:font script="Khmr" typeface="MoolBoran"/>
+        <a:font script="Knda" typeface="Tunga"/>
+        <a:font script="Guru" typeface="Raavi"/>
+        <a:font script="Cans" typeface="Euphemia"/>
+        <a:font script="Cher" typeface="Plantagenet Cherokee"/>
+        <a:font script="Yiii" typeface="Microsoft Yi Baiti"/>
+        <a:font script="Tibt" typeface="Microsoft Himalaya"/>
+        <a:font script="Thaa" typeface="MV Boli"/>
+        <a:font script="Deva" typeface="Mangal"/>
+        <a:font script="Telu" typeface="Gautami"/>
+        <a:font script="Taml" typeface="Latha"/>
+        <a:font script="Syrc" typeface="Estrangelo Edessa"/>
+        <a:font script="Orya" typeface="Kalinga"/>
+        <a:font script="Mlym" typeface="Kartika"/>
+        <a:font script="Laoo" typeface="DokChampa"/>
+        <a:font script="Sinh" typeface="Iskoola Pota"/>
+        <a:font script="Mong" typeface="Mongolian Baiti"/>
+        <a:font script="Viet" typeface="Times New Roman"/>
+        <a:font script="Uigh" typeface="Microsoft Uighur"/>
+        <a:font script="Geor" typeface="Sylfaen"/>
+      </a:majorFont>
+      <a:minorFont>
+        <a:latin typeface="Calibri" panose="020F0502020204030204"/>
+        <a:ea typeface=""/>
+        <a:cs typeface=""/>
+        <a:font script="Jpan" typeface="ＭＳ Ｐゴシック"/>
+        <a:font script="Hang" typeface="맑은 고딕"/>
+        <a:font script="Hans" typeface="宋体"/>
+        <a:font script="Hant" typeface="新細明體"/>
+        <a:font script="Arab" typeface="Arial"/>
+        <a:font script="Hebr" typeface="Arial"/>
+        <a:font script="Thai" typeface="Cordia New"/>
+        <a:font script="Ethi" typeface="Nyala"/>
+        <a:font script="Beng" typeface="Vrinda"/>
+        <a:font script="Gujr" typeface="Shruti"/>
+        <a:font script="Khmr" typeface="DaunPenh"/>
+        <a:font script="Knda" typeface="Tunga"/>
+        <a:font script="Guru" typeface="Raavi"/>
+        <a:font script="Cans" typeface="Euphemia"/>
+        <a:font script="Cher" typeface="Plantagenet Cherokee"/>
+        <a:font script="Yiii" typeface="Microsoft Yi Baiti"/>
+        <a:font script="Tibt" typeface="Microsoft Himalaya"/>
+        <a:font script="Thaa" typeface="MV Boli"/>
+        <a:font script="Deva" typeface="Mangal"/>
+        <a:font script="Telu" typeface="Gautami"/>
+        <a:font script="Taml" typeface="Latha"/>
+        <a:font script="Syrc" typeface="Estrangelo Edessa"/>
+        <a:font script="Orya" typeface="Kalinga"/>
+        <a:font script="Mlym" typeface="Kartika"/>
+        <a:font script="Laoo" typeface="DokChampa"/>
+        <a:font script="Sinh" typeface="Iskoola Pota"/>
+        <a:font script="Mong" typeface="Mongolian Baiti"/>
+        <a:font script="Viet" typeface="Arial"/>
+        <a:font script="Uigh" typeface="Microsoft Uighur"/>
+        <a:font script="Geor" typeface="Sylfaen"/>
       </a:minorFont>
     </a:fontScheme>
     <a:fmtScheme name="Office">

--- a/Presentation - Draft.pptx
+++ b/Presentation - Draft.pptx
@@ -4119,10 +4119,10 @@
           <p:cNvPr id="71" name="Rectangle 38">
             <a:extLst>
               <a:ext uri="{FF2B5EF4-FFF2-40B4-BE49-F238E27FC236}">
-                <a16:creationId xmlns:a16="http://schemas.microsoft.com/office/drawing/2014/main" xmlns="" id="{BBBFB90B-E188-4527-9DB1-052924355A2F}"/>
+                <a16:creationId xmlns="" xmlns:a16="http://schemas.microsoft.com/office/drawing/2014/main" id="{BBBFB90B-E188-4527-9DB1-052924355A2F}"/>
               </a:ext>
               <a:ext uri="{C183D7F6-B498-43B3-948B-1728B52AA6E4}">
-                <adec:decorative xmlns:adec="http://schemas.microsoft.com/office/drawing/2017/decorative" xmlns="" val="1"/>
+                <adec:decorative xmlns="" xmlns:adec="http://schemas.microsoft.com/office/drawing/2017/decorative" val="1"/>
               </a:ext>
             </a:extLst>
           </p:cNvPr>
@@ -4132,7 +4132,7 @@
           <p:nvPr>
             <p:extLst>
               <p:ext uri="{386F3935-93C4-4BCD-93E2-E3B085C9AB24}">
-                <p16:designElem xmlns:p16="http://schemas.microsoft.com/office/powerpoint/2015/main" xmlns="" val="1"/>
+                <p16:designElem xmlns="" xmlns:p16="http://schemas.microsoft.com/office/powerpoint/2015/main" val="1"/>
               </p:ext>
             </p:extLst>
           </p:nvPr>
@@ -4179,7 +4179,7 @@
           <p:cNvPr id="7" name="Picture 6" descr="A passenger train pulling into a station&#10;&#10;Description automatically generated">
             <a:extLst>
               <a:ext uri="{FF2B5EF4-FFF2-40B4-BE49-F238E27FC236}">
-                <a16:creationId xmlns:a16="http://schemas.microsoft.com/office/drawing/2014/main" xmlns="" id="{9077640B-7885-4A40-BE93-6B83FD89E1EF}"/>
+                <a16:creationId xmlns="" xmlns:a16="http://schemas.microsoft.com/office/drawing/2014/main" id="{9077640B-7885-4A40-BE93-6B83FD89E1EF}"/>
               </a:ext>
             </a:extLst>
           </p:cNvPr>
@@ -4214,7 +4214,7 @@
           <p:cNvPr id="5" name="Picture 4" descr="A subway train at a train station&#10;&#10;Description automatically generated">
             <a:extLst>
               <a:ext uri="{FF2B5EF4-FFF2-40B4-BE49-F238E27FC236}">
-                <a16:creationId xmlns:a16="http://schemas.microsoft.com/office/drawing/2014/main" xmlns="" id="{1A008779-89E0-497E-83AA-64606C6FC6A4}"/>
+                <a16:creationId xmlns="" xmlns:a16="http://schemas.microsoft.com/office/drawing/2014/main" id="{1A008779-89E0-497E-83AA-64606C6FC6A4}"/>
               </a:ext>
             </a:extLst>
           </p:cNvPr>
@@ -4249,10 +4249,10 @@
           <p:cNvPr id="72" name="Straight Connector 40">
             <a:extLst>
               <a:ext uri="{FF2B5EF4-FFF2-40B4-BE49-F238E27FC236}">
-                <a16:creationId xmlns:a16="http://schemas.microsoft.com/office/drawing/2014/main" xmlns="" id="{44D0821D-2F5D-44D2-90A2-EF08149AF0AF}"/>
+                <a16:creationId xmlns="" xmlns:a16="http://schemas.microsoft.com/office/drawing/2014/main" id="{44D0821D-2F5D-44D2-90A2-EF08149AF0AF}"/>
               </a:ext>
               <a:ext uri="{C183D7F6-B498-43B3-948B-1728B52AA6E4}">
-                <adec:decorative xmlns:adec="http://schemas.microsoft.com/office/drawing/2017/decorative" xmlns="" val="1"/>
+                <adec:decorative xmlns="" xmlns:adec="http://schemas.microsoft.com/office/drawing/2017/decorative" val="1"/>
               </a:ext>
             </a:extLst>
           </p:cNvPr>
@@ -4262,7 +4262,7 @@
           <p:nvPr>
             <p:extLst>
               <p:ext uri="{386F3935-93C4-4BCD-93E2-E3B085C9AB24}">
-                <p16:designElem xmlns:p16="http://schemas.microsoft.com/office/powerpoint/2015/main" xmlns="" val="1"/>
+                <p16:designElem xmlns="" xmlns:p16="http://schemas.microsoft.com/office/powerpoint/2015/main" val="1"/>
               </p:ext>
             </p:extLst>
           </p:nvPr>
@@ -4301,10 +4301,10 @@
           <p:cNvPr id="73" name="Freeform 5">
             <a:extLst>
               <a:ext uri="{FF2B5EF4-FFF2-40B4-BE49-F238E27FC236}">
-                <a16:creationId xmlns:a16="http://schemas.microsoft.com/office/drawing/2014/main" xmlns="" id="{5523C670-74D7-4ED8-BA51-B6FB6557024C}"/>
+                <a16:creationId xmlns="" xmlns:a16="http://schemas.microsoft.com/office/drawing/2014/main" id="{5523C670-74D7-4ED8-BA51-B6FB6557024C}"/>
               </a:ext>
               <a:ext uri="{C183D7F6-B498-43B3-948B-1728B52AA6E4}">
-                <adec:decorative xmlns:adec="http://schemas.microsoft.com/office/drawing/2017/decorative" xmlns="" val="1"/>
+                <adec:decorative xmlns="" xmlns:adec="http://schemas.microsoft.com/office/drawing/2017/decorative" val="1"/>
               </a:ext>
             </a:extLst>
           </p:cNvPr>
@@ -4314,7 +4314,7 @@
           <p:nvPr>
             <p:extLst>
               <p:ext uri="{386F3935-93C4-4BCD-93E2-E3B085C9AB24}">
-                <p16:designElem xmlns:p16="http://schemas.microsoft.com/office/powerpoint/2015/main" xmlns="" val="1"/>
+                <p16:designElem xmlns="" xmlns:p16="http://schemas.microsoft.com/office/powerpoint/2015/main" val="1"/>
               </p:ext>
             </p:extLst>
           </p:nvPr>
@@ -4404,10 +4404,10 @@
           <p:cNvPr id="74" name="Freeform 6">
             <a:extLst>
               <a:ext uri="{FF2B5EF4-FFF2-40B4-BE49-F238E27FC236}">
-                <a16:creationId xmlns:a16="http://schemas.microsoft.com/office/drawing/2014/main" xmlns="" id="{BAEEE533-7CA5-4134-A14A-8575F66C6140}"/>
+                <a16:creationId xmlns="" xmlns:a16="http://schemas.microsoft.com/office/drawing/2014/main" id="{BAEEE533-7CA5-4134-A14A-8575F66C6140}"/>
               </a:ext>
               <a:ext uri="{C183D7F6-B498-43B3-948B-1728B52AA6E4}">
-                <adec:decorative xmlns:adec="http://schemas.microsoft.com/office/drawing/2017/decorative" xmlns="" val="1"/>
+                <adec:decorative xmlns="" xmlns:adec="http://schemas.microsoft.com/office/drawing/2017/decorative" val="1"/>
               </a:ext>
             </a:extLst>
           </p:cNvPr>
@@ -4417,7 +4417,7 @@
           <p:nvPr>
             <p:extLst>
               <p:ext uri="{386F3935-93C4-4BCD-93E2-E3B085C9AB24}">
-                <p16:designElem xmlns:p16="http://schemas.microsoft.com/office/powerpoint/2015/main" xmlns="" val="1"/>
+                <p16:designElem xmlns="" xmlns:p16="http://schemas.microsoft.com/office/powerpoint/2015/main" val="1"/>
               </p:ext>
             </p:extLst>
           </p:nvPr>
@@ -4507,10 +4507,10 @@
           <p:cNvPr id="75" name="Freeform 7">
             <a:extLst>
               <a:ext uri="{FF2B5EF4-FFF2-40B4-BE49-F238E27FC236}">
-                <a16:creationId xmlns:a16="http://schemas.microsoft.com/office/drawing/2014/main" xmlns="" id="{E64B7817-E956-406B-A85B-5AEF36B1F50B}"/>
+                <a16:creationId xmlns="" xmlns:a16="http://schemas.microsoft.com/office/drawing/2014/main" id="{E64B7817-E956-406B-A85B-5AEF36B1F50B}"/>
               </a:ext>
               <a:ext uri="{C183D7F6-B498-43B3-948B-1728B52AA6E4}">
-                <adec:decorative xmlns:adec="http://schemas.microsoft.com/office/drawing/2017/decorative" xmlns="" val="1"/>
+                <adec:decorative xmlns="" xmlns:adec="http://schemas.microsoft.com/office/drawing/2017/decorative" val="1"/>
               </a:ext>
             </a:extLst>
           </p:cNvPr>
@@ -4520,7 +4520,7 @@
           <p:nvPr>
             <p:extLst>
               <p:ext uri="{386F3935-93C4-4BCD-93E2-E3B085C9AB24}">
-                <p16:designElem xmlns:p16="http://schemas.microsoft.com/office/powerpoint/2015/main" xmlns="" val="1"/>
+                <p16:designElem xmlns="" xmlns:p16="http://schemas.microsoft.com/office/powerpoint/2015/main" val="1"/>
               </p:ext>
             </p:extLst>
           </p:nvPr>
@@ -4610,10 +4610,10 @@
           <p:cNvPr id="76" name="Rectangle 8">
             <a:extLst>
               <a:ext uri="{FF2B5EF4-FFF2-40B4-BE49-F238E27FC236}">
-                <a16:creationId xmlns:a16="http://schemas.microsoft.com/office/drawing/2014/main" xmlns="" id="{92FC9C1F-8CBA-4083-8724-3735C556D844}"/>
+                <a16:creationId xmlns="" xmlns:a16="http://schemas.microsoft.com/office/drawing/2014/main" id="{92FC9C1F-8CBA-4083-8724-3735C556D844}"/>
               </a:ext>
               <a:ext uri="{C183D7F6-B498-43B3-948B-1728B52AA6E4}">
-                <adec:decorative xmlns:adec="http://schemas.microsoft.com/office/drawing/2017/decorative" xmlns="" val="1"/>
+                <adec:decorative xmlns="" xmlns:adec="http://schemas.microsoft.com/office/drawing/2017/decorative" val="1"/>
               </a:ext>
             </a:extLst>
           </p:cNvPr>
@@ -4623,7 +4623,7 @@
           <p:nvPr>
             <p:extLst>
               <p:ext uri="{386F3935-93C4-4BCD-93E2-E3B085C9AB24}">
-                <p16:designElem xmlns:p16="http://schemas.microsoft.com/office/powerpoint/2015/main" xmlns="" val="1"/>
+                <p16:designElem xmlns="" xmlns:p16="http://schemas.microsoft.com/office/powerpoint/2015/main" val="1"/>
               </p:ext>
             </p:extLst>
           </p:nvPr>
@@ -4660,7 +4660,7 @@
           <p:cNvPr id="2" name="Title 1">
             <a:extLst>
               <a:ext uri="{FF2B5EF4-FFF2-40B4-BE49-F238E27FC236}">
-                <a16:creationId xmlns:a16="http://schemas.microsoft.com/office/drawing/2014/main" xmlns="" id="{C777AC1A-1CF6-4135-8E9F-B2CD61A1A9D8}"/>
+                <a16:creationId xmlns="" xmlns:a16="http://schemas.microsoft.com/office/drawing/2014/main" id="{C777AC1A-1CF6-4135-8E9F-B2CD61A1A9D8}"/>
               </a:ext>
             </a:extLst>
           </p:cNvPr>
@@ -4700,7 +4700,7 @@
           <p:cNvPr id="3" name="Subtitle 2">
             <a:extLst>
               <a:ext uri="{FF2B5EF4-FFF2-40B4-BE49-F238E27FC236}">
-                <a16:creationId xmlns:a16="http://schemas.microsoft.com/office/drawing/2014/main" xmlns="" id="{782FC5D5-7A0A-43FD-B857-D9D253AC5158}"/>
+                <a16:creationId xmlns="" xmlns:a16="http://schemas.microsoft.com/office/drawing/2014/main" id="{782FC5D5-7A0A-43FD-B857-D9D253AC5158}"/>
               </a:ext>
             </a:extLst>
           </p:cNvPr>
@@ -4893,12 +4893,106 @@
           </a:p>
           <a:p>
             <a:r>
+              <a:rPr lang="en-CA" dirty="0" err="1" smtClean="0">
+                <a:solidFill>
+                  <a:schemeClr val="accent1"/>
+                </a:solidFill>
+              </a:rPr>
+              <a:t>Plotly</a:t>
+            </a:r>
+            <a:r>
               <a:rPr lang="en-CA" dirty="0" smtClean="0">
                 <a:solidFill>
                   <a:schemeClr val="accent1"/>
                 </a:solidFill>
               </a:rPr>
-              <a:t>D3 </a:t>
+              <a:t> Line Graph</a:t>
+            </a:r>
+            <a:endParaRPr lang="en-CA" dirty="0">
+              <a:solidFill>
+                <a:schemeClr val="accent1"/>
+              </a:solidFill>
+            </a:endParaRPr>
+          </a:p>
+          <a:p>
+            <a:pPr lvl="1"/>
+            <a:r>
+              <a:rPr lang="en-CA" dirty="0" smtClean="0"/>
+              <a:t>Showing relationship between </a:t>
+            </a:r>
+            <a:r>
+              <a:rPr lang="en-CA" b="1" dirty="0" smtClean="0"/>
+              <a:t>time </a:t>
+            </a:r>
+            <a:r>
+              <a:rPr lang="en-CA" b="1" dirty="0"/>
+              <a:t>of </a:t>
+            </a:r>
+            <a:r>
+              <a:rPr lang="en-CA" b="1" dirty="0" smtClean="0"/>
+              <a:t>day</a:t>
+            </a:r>
+            <a:r>
+              <a:rPr lang="en-CA" dirty="0" smtClean="0"/>
+              <a:t>, </a:t>
+            </a:r>
+            <a:r>
+              <a:rPr lang="en-CA" dirty="0"/>
+              <a:t>a</a:t>
+            </a:r>
+            <a:r>
+              <a:rPr lang="en-CA" dirty="0" smtClean="0"/>
+              <a:t>verage </a:t>
+            </a:r>
+            <a:r>
+              <a:rPr lang="en-CA" dirty="0"/>
+              <a:t>number of subway </a:t>
+            </a:r>
+            <a:r>
+              <a:rPr lang="en-CA" dirty="0" smtClean="0"/>
+              <a:t>delays, and  </a:t>
+            </a:r>
+            <a:r>
+              <a:rPr lang="en-CA" dirty="0" smtClean="0"/>
+              <a:t>average delay minutes</a:t>
+            </a:r>
+            <a:endParaRPr lang="en-CA" dirty="0"/>
+          </a:p>
+          <a:p>
+            <a:pPr lvl="1"/>
+            <a:r>
+              <a:rPr lang="en-CA" dirty="0" smtClean="0"/>
+              <a:t>Dropdowns to filter by Subway </a:t>
+            </a:r>
+            <a:r>
+              <a:rPr lang="en-CA" dirty="0"/>
+              <a:t>line, month, and day of the week</a:t>
+            </a:r>
+          </a:p>
+          <a:p>
+            <a:r>
+              <a:rPr lang="en-CA" dirty="0" err="1" smtClean="0">
+                <a:solidFill>
+                  <a:schemeClr val="accent1"/>
+                </a:solidFill>
+              </a:rPr>
+              <a:t>Plotly</a:t>
+            </a:r>
+            <a:r>
+              <a:rPr lang="en-CA" dirty="0" smtClean="0">
+                <a:solidFill>
+                  <a:schemeClr val="accent1"/>
+                </a:solidFill>
+              </a:rPr>
+              <a:t> Line</a:t>
+            </a:r>
+            <a:r>
+              <a:rPr lang="en-CA" dirty="0" smtClean="0">
+                <a:solidFill>
+                  <a:schemeClr val="accent1"/>
+                </a:solidFill>
+              </a:rPr>
+              <a:t> </a:t>
             </a:r>
             <a:r>
               <a:rPr lang="en-CA" dirty="0">
@@ -4906,30 +5000,30 @@
                   <a:schemeClr val="accent1"/>
                 </a:solidFill>
               </a:rPr>
-              <a:t>bar graph</a:t>
+              <a:t>graph</a:t>
             </a:r>
           </a:p>
           <a:p>
             <a:pPr lvl="1"/>
             <a:r>
               <a:rPr lang="en-CA" dirty="0" smtClean="0"/>
-              <a:t>Showing relationship between time </a:t>
-            </a:r>
-            <a:r>
-              <a:rPr lang="en-CA" dirty="0"/>
+              <a:t>Showing the relationship between </a:t>
+            </a:r>
+            <a:r>
+              <a:rPr lang="en-CA" b="1" dirty="0" smtClean="0"/>
+              <a:t>day </a:t>
+            </a:r>
+            <a:r>
+              <a:rPr lang="en-CA" b="1" dirty="0"/>
               <a:t>of </a:t>
             </a:r>
             <a:r>
+              <a:rPr lang="en-CA" b="1" dirty="0" smtClean="0"/>
+              <a:t>week</a:t>
+            </a:r>
+            <a:r>
               <a:rPr lang="en-CA" dirty="0" smtClean="0"/>
-              <a:t>day, </a:t>
-            </a:r>
-            <a:r>
-              <a:rPr lang="en-CA" dirty="0"/>
-              <a:t>a</a:t>
-            </a:r>
-            <a:r>
-              <a:rPr lang="en-CA" dirty="0" smtClean="0"/>
-              <a:t>verage </a:t>
+              <a:t>, average </a:t>
             </a:r>
             <a:r>
               <a:rPr lang="en-CA" dirty="0"/>
@@ -4937,76 +5031,11 @@
             </a:r>
             <a:r>
               <a:rPr lang="en-CA" dirty="0" smtClean="0"/>
-              <a:t>delays, and  </a:t>
-            </a:r>
-            <a:r>
-              <a:rPr lang="en-CA" dirty="0"/>
-              <a:t>a</a:t>
+              <a:t>delays, and average </a:t>
             </a:r>
             <a:r>
               <a:rPr lang="en-CA" dirty="0" smtClean="0"/>
-              <a:t>verage </a:t>
-            </a:r>
-            <a:r>
-              <a:rPr lang="en-CA" dirty="0"/>
-              <a:t>minimum </a:t>
-            </a:r>
-            <a:r>
-              <a:rPr lang="en-CA" dirty="0" smtClean="0"/>
-              <a:t>delay</a:t>
-            </a:r>
-            <a:endParaRPr lang="en-CA" dirty="0"/>
-          </a:p>
-          <a:p>
-            <a:pPr lvl="1"/>
-            <a:r>
-              <a:rPr lang="en-CA" dirty="0" smtClean="0"/>
-              <a:t>Dropdowns to filter by Subway </a:t>
-            </a:r>
-            <a:r>
-              <a:rPr lang="en-CA" dirty="0"/>
-              <a:t>line, month, and day of the week</a:t>
-            </a:r>
-          </a:p>
-          <a:p>
-            <a:r>
-              <a:rPr lang="en-CA" dirty="0">
-                <a:solidFill>
-                  <a:schemeClr val="accent1"/>
-                </a:solidFill>
-              </a:rPr>
-              <a:t>D3 bar graph</a:t>
-            </a:r>
-          </a:p>
-          <a:p>
-            <a:pPr lvl="1"/>
-            <a:r>
-              <a:rPr lang="en-CA" dirty="0" smtClean="0"/>
-              <a:t>Showing the relationship between day </a:t>
-            </a:r>
-            <a:r>
-              <a:rPr lang="en-CA" dirty="0"/>
-              <a:t>of </a:t>
-            </a:r>
-            <a:r>
-              <a:rPr lang="en-CA" dirty="0" smtClean="0"/>
-              <a:t>week, average </a:t>
-            </a:r>
-            <a:r>
-              <a:rPr lang="en-CA" dirty="0"/>
-              <a:t>number of subway </a:t>
-            </a:r>
-            <a:r>
-              <a:rPr lang="en-CA" dirty="0" smtClean="0"/>
-              <a:t>delays, and average </a:t>
-            </a:r>
-            <a:r>
-              <a:rPr lang="en-CA" dirty="0"/>
-              <a:t>minimum </a:t>
-            </a:r>
-            <a:r>
-              <a:rPr lang="en-CA" dirty="0" smtClean="0"/>
-              <a:t>delay</a:t>
+              <a:t>delay minutes</a:t>
             </a:r>
             <a:endParaRPr lang="en-CA" dirty="0"/>
           </a:p>
@@ -5424,7 +5453,7 @@
           <p:cNvPr id="2" name="Title 1">
             <a:extLst>
               <a:ext uri="{FF2B5EF4-FFF2-40B4-BE49-F238E27FC236}">
-                <a16:creationId xmlns:a16="http://schemas.microsoft.com/office/drawing/2014/main" xmlns="" id="{5557318E-1F27-4314-B705-DDD4F24587DA}"/>
+                <a16:creationId xmlns="" xmlns:a16="http://schemas.microsoft.com/office/drawing/2014/main" id="{5557318E-1F27-4314-B705-DDD4F24587DA}"/>
               </a:ext>
             </a:extLst>
           </p:cNvPr>
@@ -5479,7 +5508,7 @@
           <p:cNvPr id="9" name="Content Placeholder 4" descr="A picture containing clock, meter&#10;&#10;Description automatically generated">
             <a:extLst>
               <a:ext uri="{FF2B5EF4-FFF2-40B4-BE49-F238E27FC236}">
-                <a16:creationId xmlns:a16="http://schemas.microsoft.com/office/drawing/2014/main" xmlns="" id="{03B88FE5-B277-4821-854B-9F1DD6384B6E}"/>
+                <a16:creationId xmlns="" xmlns:a16="http://schemas.microsoft.com/office/drawing/2014/main" id="{03B88FE5-B277-4821-854B-9F1DD6384B6E}"/>
               </a:ext>
             </a:extLst>
           </p:cNvPr>
@@ -5515,7 +5544,7 @@
           <p:cNvPr id="10" name="Content Placeholder 4" descr="A picture containing clock, meter&#10;&#10;Description automatically generated">
             <a:extLst>
               <a:ext uri="{FF2B5EF4-FFF2-40B4-BE49-F238E27FC236}">
-                <a16:creationId xmlns:a16="http://schemas.microsoft.com/office/drawing/2014/main" xmlns="" id="{32A94AA0-7BD3-4C7E-B2A0-E963B611384F}"/>
+                <a16:creationId xmlns="" xmlns:a16="http://schemas.microsoft.com/office/drawing/2014/main" id="{32A94AA0-7BD3-4C7E-B2A0-E963B611384F}"/>
               </a:ext>
             </a:extLst>
           </p:cNvPr>
@@ -5551,7 +5580,7 @@
           <p:cNvPr id="8" name="Content Placeholder 4" descr="A picture containing clock, meter&#10;&#10;Description automatically generated">
             <a:extLst>
               <a:ext uri="{FF2B5EF4-FFF2-40B4-BE49-F238E27FC236}">
-                <a16:creationId xmlns:a16="http://schemas.microsoft.com/office/drawing/2014/main" xmlns="" id="{D9865AE8-C51B-453D-8723-D56C46700D32}"/>
+                <a16:creationId xmlns="" xmlns:a16="http://schemas.microsoft.com/office/drawing/2014/main" id="{D9865AE8-C51B-453D-8723-D56C46700D32}"/>
               </a:ext>
             </a:extLst>
           </p:cNvPr>
@@ -5587,7 +5616,7 @@
           <p:cNvPr id="12" name="Picture 11" descr="A close up of a logo&#10;&#10;Description automatically generated">
             <a:extLst>
               <a:ext uri="{FF2B5EF4-FFF2-40B4-BE49-F238E27FC236}">
-                <a16:creationId xmlns:a16="http://schemas.microsoft.com/office/drawing/2014/main" xmlns="" id="{A311D656-5CA6-4736-81F1-EA7BDCE46802}"/>
+                <a16:creationId xmlns="" xmlns:a16="http://schemas.microsoft.com/office/drawing/2014/main" id="{A311D656-5CA6-4736-81F1-EA7BDCE46802}"/>
               </a:ext>
             </a:extLst>
           </p:cNvPr>
@@ -5623,7 +5652,7 @@
           <p:cNvPr id="20" name="Picture 19" descr="A close up of a logo&#10;&#10;Description automatically generated">
             <a:extLst>
               <a:ext uri="{FF2B5EF4-FFF2-40B4-BE49-F238E27FC236}">
-                <a16:creationId xmlns:a16="http://schemas.microsoft.com/office/drawing/2014/main" xmlns="" id="{C815E553-AD2B-4B08-8F2D-DE3809A4E0E8}"/>
+                <a16:creationId xmlns="" xmlns:a16="http://schemas.microsoft.com/office/drawing/2014/main" id="{C815E553-AD2B-4B08-8F2D-DE3809A4E0E8}"/>
               </a:ext>
             </a:extLst>
           </p:cNvPr>
@@ -5659,7 +5688,7 @@
           <p:cNvPr id="24" name="Picture 23" descr="A picture containing clock&#10;&#10;Description automatically generated">
             <a:extLst>
               <a:ext uri="{FF2B5EF4-FFF2-40B4-BE49-F238E27FC236}">
-                <a16:creationId xmlns:a16="http://schemas.microsoft.com/office/drawing/2014/main" xmlns="" id="{F0A87256-5E44-4D6E-A7DF-6531DCA02D49}"/>
+                <a16:creationId xmlns="" xmlns:a16="http://schemas.microsoft.com/office/drawing/2014/main" id="{F0A87256-5E44-4D6E-A7DF-6531DCA02D49}"/>
               </a:ext>
             </a:extLst>
           </p:cNvPr>
@@ -5695,7 +5724,7 @@
           <p:cNvPr id="26" name="Picture 25" descr="A close up of a logo&#10;&#10;Description automatically generated">
             <a:extLst>
               <a:ext uri="{FF2B5EF4-FFF2-40B4-BE49-F238E27FC236}">
-                <a16:creationId xmlns:a16="http://schemas.microsoft.com/office/drawing/2014/main" xmlns="" id="{5666146C-719B-42CD-93D0-D14BC5D8686B}"/>
+                <a16:creationId xmlns="" xmlns:a16="http://schemas.microsoft.com/office/drawing/2014/main" id="{5666146C-719B-42CD-93D0-D14BC5D8686B}"/>
               </a:ext>
             </a:extLst>
           </p:cNvPr>
@@ -5731,7 +5760,7 @@
           <p:cNvPr id="30" name="Picture 29" descr="A close up of a sign&#10;&#10;Description automatically generated">
             <a:extLst>
               <a:ext uri="{FF2B5EF4-FFF2-40B4-BE49-F238E27FC236}">
-                <a16:creationId xmlns:a16="http://schemas.microsoft.com/office/drawing/2014/main" xmlns="" id="{470862DD-1B77-44EC-93BA-92C41D33E2AC}"/>
+                <a16:creationId xmlns="" xmlns:a16="http://schemas.microsoft.com/office/drawing/2014/main" id="{470862DD-1B77-44EC-93BA-92C41D33E2AC}"/>
               </a:ext>
             </a:extLst>
           </p:cNvPr>
@@ -5767,7 +5796,7 @@
           <p:cNvPr id="32" name="Picture 31" descr="A close up of a sign&#10;&#10;Description automatically generated">
             <a:extLst>
               <a:ext uri="{FF2B5EF4-FFF2-40B4-BE49-F238E27FC236}">
-                <a16:creationId xmlns:a16="http://schemas.microsoft.com/office/drawing/2014/main" xmlns="" id="{026A51DE-B141-4E86-9B16-6682CF4D2F0A}"/>
+                <a16:creationId xmlns="" xmlns:a16="http://schemas.microsoft.com/office/drawing/2014/main" id="{026A51DE-B141-4E86-9B16-6682CF4D2F0A}"/>
               </a:ext>
             </a:extLst>
           </p:cNvPr>
@@ -5803,7 +5832,7 @@
           <p:cNvPr id="33" name="Rectangle 32">
             <a:extLst>
               <a:ext uri="{FF2B5EF4-FFF2-40B4-BE49-F238E27FC236}">
-                <a16:creationId xmlns:a16="http://schemas.microsoft.com/office/drawing/2014/main" xmlns="" id="{84F28BB1-ACAB-4434-BD2C-2EE1A6604CE2}"/>
+                <a16:creationId xmlns="" xmlns:a16="http://schemas.microsoft.com/office/drawing/2014/main" id="{84F28BB1-ACAB-4434-BD2C-2EE1A6604CE2}"/>
               </a:ext>
             </a:extLst>
           </p:cNvPr>
@@ -5857,7 +5886,7 @@
           <p:cNvPr id="34" name="Rectangle 33">
             <a:extLst>
               <a:ext uri="{FF2B5EF4-FFF2-40B4-BE49-F238E27FC236}">
-                <a16:creationId xmlns:a16="http://schemas.microsoft.com/office/drawing/2014/main" xmlns="" id="{C4E683FC-5983-48F4-A175-F58D42E20D3B}"/>
+                <a16:creationId xmlns="" xmlns:a16="http://schemas.microsoft.com/office/drawing/2014/main" id="{C4E683FC-5983-48F4-A175-F58D42E20D3B}"/>
               </a:ext>
             </a:extLst>
           </p:cNvPr>
@@ -5918,7 +5947,7 @@
           <p:cNvPr id="35" name="Rectangle 34">
             <a:extLst>
               <a:ext uri="{FF2B5EF4-FFF2-40B4-BE49-F238E27FC236}">
-                <a16:creationId xmlns:a16="http://schemas.microsoft.com/office/drawing/2014/main" xmlns="" id="{EE213907-3765-4E23-96A0-52B22C035E6B}"/>
+                <a16:creationId xmlns="" xmlns:a16="http://schemas.microsoft.com/office/drawing/2014/main" id="{EE213907-3765-4E23-96A0-52B22C035E6B}"/>
               </a:ext>
             </a:extLst>
           </p:cNvPr>
@@ -5972,7 +6001,7 @@
           <p:cNvPr id="36" name="Rectangle 35">
             <a:extLst>
               <a:ext uri="{FF2B5EF4-FFF2-40B4-BE49-F238E27FC236}">
-                <a16:creationId xmlns:a16="http://schemas.microsoft.com/office/drawing/2014/main" xmlns="" id="{A342E36E-1B6A-4BC0-A3F6-97F8CE491F19}"/>
+                <a16:creationId xmlns="" xmlns:a16="http://schemas.microsoft.com/office/drawing/2014/main" id="{A342E36E-1B6A-4BC0-A3F6-97F8CE491F19}"/>
               </a:ext>
             </a:extLst>
           </p:cNvPr>
@@ -6033,7 +6062,7 @@
           <p:cNvPr id="37" name="Rectangle 36">
             <a:extLst>
               <a:ext uri="{FF2B5EF4-FFF2-40B4-BE49-F238E27FC236}">
-                <a16:creationId xmlns:a16="http://schemas.microsoft.com/office/drawing/2014/main" xmlns="" id="{CC5B27AB-F985-4B2B-A428-878A2B1CECC6}"/>
+                <a16:creationId xmlns="" xmlns:a16="http://schemas.microsoft.com/office/drawing/2014/main" id="{CC5B27AB-F985-4B2B-A428-878A2B1CECC6}"/>
               </a:ext>
             </a:extLst>
           </p:cNvPr>
@@ -6087,7 +6116,7 @@
           <p:cNvPr id="38" name="Rectangle 37">
             <a:extLst>
               <a:ext uri="{FF2B5EF4-FFF2-40B4-BE49-F238E27FC236}">
-                <a16:creationId xmlns:a16="http://schemas.microsoft.com/office/drawing/2014/main" xmlns="" id="{D7F9680F-150E-48DA-93A0-34973B150B68}"/>
+                <a16:creationId xmlns="" xmlns:a16="http://schemas.microsoft.com/office/drawing/2014/main" id="{D7F9680F-150E-48DA-93A0-34973B150B68}"/>
               </a:ext>
             </a:extLst>
           </p:cNvPr>
@@ -6148,7 +6177,7 @@
           <p:cNvPr id="39" name="Rectangle 38">
             <a:extLst>
               <a:ext uri="{FF2B5EF4-FFF2-40B4-BE49-F238E27FC236}">
-                <a16:creationId xmlns:a16="http://schemas.microsoft.com/office/drawing/2014/main" xmlns="" id="{7491A279-884F-4918-B5E7-2800444DAB51}"/>
+                <a16:creationId xmlns="" xmlns:a16="http://schemas.microsoft.com/office/drawing/2014/main" id="{7491A279-884F-4918-B5E7-2800444DAB51}"/>
               </a:ext>
             </a:extLst>
           </p:cNvPr>
@@ -6202,7 +6231,7 @@
           <p:cNvPr id="40" name="Rectangle 39">
             <a:extLst>
               <a:ext uri="{FF2B5EF4-FFF2-40B4-BE49-F238E27FC236}">
-                <a16:creationId xmlns:a16="http://schemas.microsoft.com/office/drawing/2014/main" xmlns="" id="{D8ADD401-48CB-4CF5-9532-668C30F97395}"/>
+                <a16:creationId xmlns="" xmlns:a16="http://schemas.microsoft.com/office/drawing/2014/main" id="{D8ADD401-48CB-4CF5-9532-668C30F97395}"/>
               </a:ext>
             </a:extLst>
           </p:cNvPr>
@@ -6263,7 +6292,7 @@
           <p:cNvPr id="41" name="Rectangle 40">
             <a:extLst>
               <a:ext uri="{FF2B5EF4-FFF2-40B4-BE49-F238E27FC236}">
-                <a16:creationId xmlns:a16="http://schemas.microsoft.com/office/drawing/2014/main" xmlns="" id="{99C3C71C-DCE2-4539-8F26-E812C28406AA}"/>
+                <a16:creationId xmlns="" xmlns:a16="http://schemas.microsoft.com/office/drawing/2014/main" id="{99C3C71C-DCE2-4539-8F26-E812C28406AA}"/>
               </a:ext>
             </a:extLst>
           </p:cNvPr>
@@ -6317,7 +6346,7 @@
           <p:cNvPr id="42" name="Rectangle 41">
             <a:extLst>
               <a:ext uri="{FF2B5EF4-FFF2-40B4-BE49-F238E27FC236}">
-                <a16:creationId xmlns:a16="http://schemas.microsoft.com/office/drawing/2014/main" xmlns="" id="{C18762A2-13CF-4B97-8E63-7B3E5DC352EF}"/>
+                <a16:creationId xmlns="" xmlns:a16="http://schemas.microsoft.com/office/drawing/2014/main" id="{C18762A2-13CF-4B97-8E63-7B3E5DC352EF}"/>
               </a:ext>
             </a:extLst>
           </p:cNvPr>
@@ -6378,7 +6407,7 @@
           <p:cNvPr id="43" name="TextBox 42">
             <a:extLst>
               <a:ext uri="{FF2B5EF4-FFF2-40B4-BE49-F238E27FC236}">
-                <a16:creationId xmlns:a16="http://schemas.microsoft.com/office/drawing/2014/main" xmlns="" id="{C709F974-E49A-4B08-838F-5A6B9C856D49}"/>
+                <a16:creationId xmlns="" xmlns:a16="http://schemas.microsoft.com/office/drawing/2014/main" id="{C709F974-E49A-4B08-838F-5A6B9C856D49}"/>
               </a:ext>
             </a:extLst>
           </p:cNvPr>
@@ -6414,7 +6443,7 @@
           <p:cNvPr id="44" name="TextBox 43">
             <a:extLst>
               <a:ext uri="{FF2B5EF4-FFF2-40B4-BE49-F238E27FC236}">
-                <a16:creationId xmlns:a16="http://schemas.microsoft.com/office/drawing/2014/main" xmlns="" id="{75D80D74-4BB6-4A43-8D34-D91CE3F3D26B}"/>
+                <a16:creationId xmlns="" xmlns:a16="http://schemas.microsoft.com/office/drawing/2014/main" id="{75D80D74-4BB6-4A43-8D34-D91CE3F3D26B}"/>
               </a:ext>
             </a:extLst>
           </p:cNvPr>
@@ -6450,7 +6479,7 @@
           <p:cNvPr id="45" name="Arrow: Right 44">
             <a:extLst>
               <a:ext uri="{FF2B5EF4-FFF2-40B4-BE49-F238E27FC236}">
-                <a16:creationId xmlns:a16="http://schemas.microsoft.com/office/drawing/2014/main" xmlns="" id="{9C3C1338-0821-4682-8EF1-84C3A757D78C}"/>
+                <a16:creationId xmlns="" xmlns:a16="http://schemas.microsoft.com/office/drawing/2014/main" id="{9C3C1338-0821-4682-8EF1-84C3A757D78C}"/>
               </a:ext>
             </a:extLst>
           </p:cNvPr>
@@ -6496,7 +6525,7 @@
           <p:cNvPr id="46" name="Rectangle 45">
             <a:extLst>
               <a:ext uri="{FF2B5EF4-FFF2-40B4-BE49-F238E27FC236}">
-                <a16:creationId xmlns:a16="http://schemas.microsoft.com/office/drawing/2014/main" xmlns="" id="{6A4E7B7C-5436-47F3-811F-D5924F268E2A}"/>
+                <a16:creationId xmlns="" xmlns:a16="http://schemas.microsoft.com/office/drawing/2014/main" id="{6A4E7B7C-5436-47F3-811F-D5924F268E2A}"/>
               </a:ext>
             </a:extLst>
           </p:cNvPr>
@@ -6534,7 +6563,7 @@
           <p:cNvPr id="47" name="Rectangle 46">
             <a:extLst>
               <a:ext uri="{FF2B5EF4-FFF2-40B4-BE49-F238E27FC236}">
-                <a16:creationId xmlns:a16="http://schemas.microsoft.com/office/drawing/2014/main" xmlns="" id="{31D1C3A1-754B-465C-A814-3B3DF3E19256}"/>
+                <a16:creationId xmlns="" xmlns:a16="http://schemas.microsoft.com/office/drawing/2014/main" id="{31D1C3A1-754B-465C-A814-3B3DF3E19256}"/>
               </a:ext>
             </a:extLst>
           </p:cNvPr>
@@ -6588,7 +6617,7 @@
           <p:cNvPr id="50" name="Content Placeholder 4" descr="A picture containing clock, meter&#10;&#10;Description automatically generated">
             <a:extLst>
               <a:ext uri="{FF2B5EF4-FFF2-40B4-BE49-F238E27FC236}">
-                <a16:creationId xmlns:a16="http://schemas.microsoft.com/office/drawing/2014/main" xmlns="" id="{DF5F6211-3B6F-469A-8616-35B8B7D01580}"/>
+                <a16:creationId xmlns="" xmlns:a16="http://schemas.microsoft.com/office/drawing/2014/main" id="{DF5F6211-3B6F-469A-8616-35B8B7D01580}"/>
               </a:ext>
             </a:extLst>
           </p:cNvPr>
@@ -6624,7 +6653,7 @@
           <p:cNvPr id="51" name="Content Placeholder 4" descr="A picture containing clock, meter&#10;&#10;Description automatically generated">
             <a:extLst>
               <a:ext uri="{FF2B5EF4-FFF2-40B4-BE49-F238E27FC236}">
-                <a16:creationId xmlns:a16="http://schemas.microsoft.com/office/drawing/2014/main" xmlns="" id="{060ACF17-DE25-41DF-9DD7-F38AEEF4AFC7}"/>
+                <a16:creationId xmlns="" xmlns:a16="http://schemas.microsoft.com/office/drawing/2014/main" id="{060ACF17-DE25-41DF-9DD7-F38AEEF4AFC7}"/>
               </a:ext>
             </a:extLst>
           </p:cNvPr>
@@ -6660,7 +6689,7 @@
           <p:cNvPr id="52" name="Content Placeholder 4" descr="A picture containing clock, meter&#10;&#10;Description automatically generated">
             <a:extLst>
               <a:ext uri="{FF2B5EF4-FFF2-40B4-BE49-F238E27FC236}">
-                <a16:creationId xmlns:a16="http://schemas.microsoft.com/office/drawing/2014/main" xmlns="" id="{42A74942-7B2E-484E-BDB3-D62D2669E6FB}"/>
+                <a16:creationId xmlns="" xmlns:a16="http://schemas.microsoft.com/office/drawing/2014/main" id="{42A74942-7B2E-484E-BDB3-D62D2669E6FB}"/>
               </a:ext>
             </a:extLst>
           </p:cNvPr>
@@ -6696,7 +6725,7 @@
           <p:cNvPr id="54" name="Content Placeholder 4" descr="A picture containing clock, meter&#10;&#10;Description automatically generated">
             <a:extLst>
               <a:ext uri="{FF2B5EF4-FFF2-40B4-BE49-F238E27FC236}">
-                <a16:creationId xmlns:a16="http://schemas.microsoft.com/office/drawing/2014/main" xmlns="" id="{23976E99-6304-4A26-A868-B45902DDE84E}"/>
+                <a16:creationId xmlns="" xmlns:a16="http://schemas.microsoft.com/office/drawing/2014/main" id="{23976E99-6304-4A26-A868-B45902DDE84E}"/>
               </a:ext>
             </a:extLst>
           </p:cNvPr>
@@ -6732,7 +6761,7 @@
           <p:cNvPr id="53" name="Content Placeholder 4" descr="A picture containing clock, meter&#10;&#10;Description automatically generated">
             <a:extLst>
               <a:ext uri="{FF2B5EF4-FFF2-40B4-BE49-F238E27FC236}">
-                <a16:creationId xmlns:a16="http://schemas.microsoft.com/office/drawing/2014/main" xmlns="" id="{C7EF310B-26BF-4233-8AB2-B5203D2BED8B}"/>
+                <a16:creationId xmlns="" xmlns:a16="http://schemas.microsoft.com/office/drawing/2014/main" id="{C7EF310B-26BF-4233-8AB2-B5203D2BED8B}"/>
               </a:ext>
             </a:extLst>
           </p:cNvPr>
@@ -6768,7 +6797,7 @@
           <p:cNvPr id="57" name="TextBox 56">
             <a:extLst>
               <a:ext uri="{FF2B5EF4-FFF2-40B4-BE49-F238E27FC236}">
-                <a16:creationId xmlns:a16="http://schemas.microsoft.com/office/drawing/2014/main" xmlns="" id="{A13A2ADC-EE2A-4E00-A83F-51A4E98D84A0}"/>
+                <a16:creationId xmlns="" xmlns:a16="http://schemas.microsoft.com/office/drawing/2014/main" id="{A13A2ADC-EE2A-4E00-A83F-51A4E98D84A0}"/>
               </a:ext>
             </a:extLst>
           </p:cNvPr>

--- a/Presentation - Draft.pptx
+++ b/Presentation - Draft.pptx
@@ -5,13 +5,14 @@
     <p:sldMasterId id="2147483696" r:id="rId1"/>
   </p:sldMasterIdLst>
   <p:notesMasterIdLst>
-    <p:notesMasterId r:id="rId6"/>
+    <p:notesMasterId r:id="rId7"/>
   </p:notesMasterIdLst>
   <p:sldIdLst>
     <p:sldId id="256" r:id="rId2"/>
     <p:sldId id="259" r:id="rId3"/>
     <p:sldId id="258" r:id="rId4"/>
     <p:sldId id="257" r:id="rId5"/>
+    <p:sldId id="261" r:id="rId6"/>
   </p:sldIdLst>
   <p:sldSz cx="12192000" cy="6858000"/>
   <p:notesSz cx="6858000" cy="9144000"/>
@@ -900,7 +901,7 @@
           <a:p>
             <a:fld id="{04D4D7AC-8DA4-4A32-AFEF-62F165A8D487}" type="datetimeFigureOut">
               <a:rPr lang="en-CA" smtClean="0"/>
-              <a:t>2020-02-11</a:t>
+              <a:t>2020-02-12</a:t>
             </a:fld>
             <a:endParaRPr lang="en-CA"/>
           </a:p>
@@ -964,35 +965,35 @@
           <a:p>
             <a:pPr lvl="0"/>
             <a:r>
-              <a:rPr lang="en-US" smtClean="0"/>
+              <a:rPr lang="en-US"/>
               <a:t>Click to edit Master text styles</a:t>
             </a:r>
           </a:p>
           <a:p>
             <a:pPr lvl="1"/>
             <a:r>
-              <a:rPr lang="en-US" smtClean="0"/>
+              <a:rPr lang="en-US"/>
               <a:t>Second level</a:t>
             </a:r>
           </a:p>
           <a:p>
             <a:pPr lvl="2"/>
             <a:r>
-              <a:rPr lang="en-US" smtClean="0"/>
+              <a:rPr lang="en-US"/>
               <a:t>Third level</a:t>
             </a:r>
           </a:p>
           <a:p>
             <a:pPr lvl="3"/>
             <a:r>
-              <a:rPr lang="en-US" smtClean="0"/>
+              <a:rPr lang="en-US"/>
               <a:t>Fourth level</a:t>
             </a:r>
           </a:p>
           <a:p>
             <a:pPr lvl="4"/>
             <a:r>
-              <a:rPr lang="en-US" smtClean="0"/>
+              <a:rPr lang="en-US"/>
               <a:t>Fifth level</a:t>
             </a:r>
             <a:endParaRPr lang="en-CA"/>
@@ -1294,7 +1295,7 @@
           </a:lstStyle>
           <a:p>
             <a:r>
-              <a:rPr lang="en-US" smtClean="0"/>
+              <a:rPr lang="en-US"/>
               <a:t>Click to edit Master title style</a:t>
             </a:r>
             <a:endParaRPr lang="en-US" dirty="0"/>
@@ -1359,7 +1360,7 @@
           </a:lstStyle>
           <a:p>
             <a:r>
-              <a:rPr lang="en-US" smtClean="0"/>
+              <a:rPr lang="en-US"/>
               <a:t>Click to edit Master subtitle style</a:t>
             </a:r>
             <a:endParaRPr lang="en-US" dirty="0"/>
@@ -1383,7 +1384,7 @@
           <a:p>
             <a:fld id="{9C90D6E0-8AF1-4FB9-AEC6-E8A9FBEBE584}" type="datetime1">
               <a:rPr lang="en-CA" smtClean="0"/>
-              <a:t>2020-02-11</a:t>
+              <a:t>2020-02-12</a:t>
             </a:fld>
             <a:endParaRPr lang="en-CA"/>
           </a:p>
@@ -1477,7 +1478,7 @@
           <a:lstStyle/>
           <a:p>
             <a:r>
-              <a:rPr lang="en-US" smtClean="0"/>
+              <a:rPr lang="en-US"/>
               <a:t>Click to edit Master title style</a:t>
             </a:r>
             <a:endParaRPr lang="en-US" dirty="0"/>
@@ -1501,35 +1502,35 @@
           <a:p>
             <a:pPr lvl="0"/>
             <a:r>
-              <a:rPr lang="en-US" smtClean="0"/>
+              <a:rPr lang="en-US"/>
               <a:t>Click to edit Master text styles</a:t>
             </a:r>
           </a:p>
           <a:p>
             <a:pPr lvl="1"/>
             <a:r>
-              <a:rPr lang="en-US" smtClean="0"/>
+              <a:rPr lang="en-US"/>
               <a:t>Second level</a:t>
             </a:r>
           </a:p>
           <a:p>
             <a:pPr lvl="2"/>
             <a:r>
-              <a:rPr lang="en-US" smtClean="0"/>
+              <a:rPr lang="en-US"/>
               <a:t>Third level</a:t>
             </a:r>
           </a:p>
           <a:p>
             <a:pPr lvl="3"/>
             <a:r>
-              <a:rPr lang="en-US" smtClean="0"/>
+              <a:rPr lang="en-US"/>
               <a:t>Fourth level</a:t>
             </a:r>
           </a:p>
           <a:p>
             <a:pPr lvl="4"/>
             <a:r>
-              <a:rPr lang="en-US" smtClean="0"/>
+              <a:rPr lang="en-US"/>
               <a:t>Fifth level</a:t>
             </a:r>
             <a:endParaRPr lang="en-US" dirty="0"/>
@@ -1553,7 +1554,7 @@
           <a:p>
             <a:fld id="{235ADF09-2644-4A49-B570-F665EF47CCB0}" type="datetime1">
               <a:rPr lang="en-CA" smtClean="0"/>
-              <a:t>2020-02-11</a:t>
+              <a:t>2020-02-12</a:t>
             </a:fld>
             <a:endParaRPr lang="en-CA"/>
           </a:p>
@@ -1652,7 +1653,7 @@
           <a:lstStyle/>
           <a:p>
             <a:r>
-              <a:rPr lang="en-US" smtClean="0"/>
+              <a:rPr lang="en-US"/>
               <a:t>Click to edit Master title style</a:t>
             </a:r>
             <a:endParaRPr lang="en-US" dirty="0"/>
@@ -1681,35 +1682,35 @@
           <a:p>
             <a:pPr lvl="0"/>
             <a:r>
-              <a:rPr lang="en-US" smtClean="0"/>
+              <a:rPr lang="en-US"/>
               <a:t>Click to edit Master text styles</a:t>
             </a:r>
           </a:p>
           <a:p>
             <a:pPr lvl="1"/>
             <a:r>
-              <a:rPr lang="en-US" smtClean="0"/>
+              <a:rPr lang="en-US"/>
               <a:t>Second level</a:t>
             </a:r>
           </a:p>
           <a:p>
             <a:pPr lvl="2"/>
             <a:r>
-              <a:rPr lang="en-US" smtClean="0"/>
+              <a:rPr lang="en-US"/>
               <a:t>Third level</a:t>
             </a:r>
           </a:p>
           <a:p>
             <a:pPr lvl="3"/>
             <a:r>
-              <a:rPr lang="en-US" smtClean="0"/>
+              <a:rPr lang="en-US"/>
               <a:t>Fourth level</a:t>
             </a:r>
           </a:p>
           <a:p>
             <a:pPr lvl="4"/>
             <a:r>
-              <a:rPr lang="en-US" smtClean="0"/>
+              <a:rPr lang="en-US"/>
               <a:t>Fifth level</a:t>
             </a:r>
             <a:endParaRPr lang="en-US" dirty="0"/>
@@ -1733,7 +1734,7 @@
           <a:p>
             <a:fld id="{6D24D16E-B183-45E0-B1F3-3CF81AE7EBA6}" type="datetime1">
               <a:rPr lang="en-CA" smtClean="0"/>
-              <a:t>2020-02-11</a:t>
+              <a:t>2020-02-12</a:t>
             </a:fld>
             <a:endParaRPr lang="en-CA"/>
           </a:p>
@@ -1827,7 +1828,7 @@
           <a:lstStyle/>
           <a:p>
             <a:r>
-              <a:rPr lang="en-US" smtClean="0"/>
+              <a:rPr lang="en-US"/>
               <a:t>Click to edit Master title style</a:t>
             </a:r>
             <a:endParaRPr lang="en-US" dirty="0"/>
@@ -1851,35 +1852,35 @@
           <a:p>
             <a:pPr lvl="0"/>
             <a:r>
-              <a:rPr lang="en-US" smtClean="0"/>
+              <a:rPr lang="en-US"/>
               <a:t>Click to edit Master text styles</a:t>
             </a:r>
           </a:p>
           <a:p>
             <a:pPr lvl="1"/>
             <a:r>
-              <a:rPr lang="en-US" smtClean="0"/>
+              <a:rPr lang="en-US"/>
               <a:t>Second level</a:t>
             </a:r>
           </a:p>
           <a:p>
             <a:pPr lvl="2"/>
             <a:r>
-              <a:rPr lang="en-US" smtClean="0"/>
+              <a:rPr lang="en-US"/>
               <a:t>Third level</a:t>
             </a:r>
           </a:p>
           <a:p>
             <a:pPr lvl="3"/>
             <a:r>
-              <a:rPr lang="en-US" smtClean="0"/>
+              <a:rPr lang="en-US"/>
               <a:t>Fourth level</a:t>
             </a:r>
           </a:p>
           <a:p>
             <a:pPr lvl="4"/>
             <a:r>
-              <a:rPr lang="en-US" smtClean="0"/>
+              <a:rPr lang="en-US"/>
               <a:t>Fifth level</a:t>
             </a:r>
             <a:endParaRPr lang="en-US" dirty="0"/>
@@ -1903,7 +1904,7 @@
           <a:p>
             <a:fld id="{65DC060A-AC75-4AD4-8560-B10CA86B5900}" type="datetime1">
               <a:rPr lang="en-CA" smtClean="0"/>
-              <a:t>2020-02-11</a:t>
+              <a:t>2020-02-12</a:t>
             </a:fld>
             <a:endParaRPr lang="en-CA"/>
           </a:p>
@@ -2006,7 +2007,7 @@
           </a:lstStyle>
           <a:p>
             <a:r>
-              <a:rPr lang="en-US" smtClean="0"/>
+              <a:rPr lang="en-US"/>
               <a:t>Click to edit Master title style</a:t>
             </a:r>
             <a:endParaRPr lang="en-US" dirty="0"/>
@@ -2126,7 +2127,7 @@
           <a:p>
             <a:pPr lvl="0"/>
             <a:r>
-              <a:rPr lang="en-US" smtClean="0"/>
+              <a:rPr lang="en-US"/>
               <a:t>Click to edit Master text styles</a:t>
             </a:r>
           </a:p>
@@ -2149,7 +2150,7 @@
           <a:p>
             <a:fld id="{0E63E658-A6CB-4143-9CA5-E252185CF6AB}" type="datetime1">
               <a:rPr lang="en-CA" smtClean="0"/>
-              <a:t>2020-02-11</a:t>
+              <a:t>2020-02-12</a:t>
             </a:fld>
             <a:endParaRPr lang="en-CA"/>
           </a:p>
@@ -2243,7 +2244,7 @@
           <a:lstStyle/>
           <a:p>
             <a:r>
-              <a:rPr lang="en-US" smtClean="0"/>
+              <a:rPr lang="en-US"/>
               <a:t>Click to edit Master title style</a:t>
             </a:r>
             <a:endParaRPr lang="en-US" dirty="0"/>
@@ -2272,35 +2273,35 @@
           <a:p>
             <a:pPr lvl="0"/>
             <a:r>
-              <a:rPr lang="en-US" smtClean="0"/>
+              <a:rPr lang="en-US"/>
               <a:t>Click to edit Master text styles</a:t>
             </a:r>
           </a:p>
           <a:p>
             <a:pPr lvl="1"/>
             <a:r>
-              <a:rPr lang="en-US" smtClean="0"/>
+              <a:rPr lang="en-US"/>
               <a:t>Second level</a:t>
             </a:r>
           </a:p>
           <a:p>
             <a:pPr lvl="2"/>
             <a:r>
-              <a:rPr lang="en-US" smtClean="0"/>
+              <a:rPr lang="en-US"/>
               <a:t>Third level</a:t>
             </a:r>
           </a:p>
           <a:p>
             <a:pPr lvl="3"/>
             <a:r>
-              <a:rPr lang="en-US" smtClean="0"/>
+              <a:rPr lang="en-US"/>
               <a:t>Fourth level</a:t>
             </a:r>
           </a:p>
           <a:p>
             <a:pPr lvl="4"/>
             <a:r>
-              <a:rPr lang="en-US" smtClean="0"/>
+              <a:rPr lang="en-US"/>
               <a:t>Fifth level</a:t>
             </a:r>
             <a:endParaRPr lang="en-US" dirty="0"/>
@@ -2329,35 +2330,35 @@
           <a:p>
             <a:pPr lvl="0"/>
             <a:r>
-              <a:rPr lang="en-US" smtClean="0"/>
+              <a:rPr lang="en-US"/>
               <a:t>Click to edit Master text styles</a:t>
             </a:r>
           </a:p>
           <a:p>
             <a:pPr lvl="1"/>
             <a:r>
-              <a:rPr lang="en-US" smtClean="0"/>
+              <a:rPr lang="en-US"/>
               <a:t>Second level</a:t>
             </a:r>
           </a:p>
           <a:p>
             <a:pPr lvl="2"/>
             <a:r>
-              <a:rPr lang="en-US" smtClean="0"/>
+              <a:rPr lang="en-US"/>
               <a:t>Third level</a:t>
             </a:r>
           </a:p>
           <a:p>
             <a:pPr lvl="3"/>
             <a:r>
-              <a:rPr lang="en-US" smtClean="0"/>
+              <a:rPr lang="en-US"/>
               <a:t>Fourth level</a:t>
             </a:r>
           </a:p>
           <a:p>
             <a:pPr lvl="4"/>
             <a:r>
-              <a:rPr lang="en-US" smtClean="0"/>
+              <a:rPr lang="en-US"/>
               <a:t>Fifth level</a:t>
             </a:r>
             <a:endParaRPr lang="en-US" dirty="0"/>
@@ -2381,7 +2382,7 @@
           <a:p>
             <a:fld id="{86334D7C-786D-4534-928E-3B12A8DB1989}" type="datetime1">
               <a:rPr lang="en-CA" smtClean="0"/>
-              <a:t>2020-02-11</a:t>
+              <a:t>2020-02-12</a:t>
             </a:fld>
             <a:endParaRPr lang="en-CA"/>
           </a:p>
@@ -2480,7 +2481,7 @@
           <a:lstStyle/>
           <a:p>
             <a:r>
-              <a:rPr lang="en-US" smtClean="0"/>
+              <a:rPr lang="en-US"/>
               <a:t>Click to edit Master title style</a:t>
             </a:r>
             <a:endParaRPr lang="en-US" dirty="0"/>
@@ -2546,7 +2547,7 @@
           <a:p>
             <a:pPr lvl="0"/>
             <a:r>
-              <a:rPr lang="en-US" smtClean="0"/>
+              <a:rPr lang="en-US"/>
               <a:t>Click to edit Master text styles</a:t>
             </a:r>
           </a:p>
@@ -2574,35 +2575,35 @@
           <a:p>
             <a:pPr lvl="0"/>
             <a:r>
-              <a:rPr lang="en-US" smtClean="0"/>
+              <a:rPr lang="en-US"/>
               <a:t>Click to edit Master text styles</a:t>
             </a:r>
           </a:p>
           <a:p>
             <a:pPr lvl="1"/>
             <a:r>
-              <a:rPr lang="en-US" smtClean="0"/>
+              <a:rPr lang="en-US"/>
               <a:t>Second level</a:t>
             </a:r>
           </a:p>
           <a:p>
             <a:pPr lvl="2"/>
             <a:r>
-              <a:rPr lang="en-US" smtClean="0"/>
+              <a:rPr lang="en-US"/>
               <a:t>Third level</a:t>
             </a:r>
           </a:p>
           <a:p>
             <a:pPr lvl="3"/>
             <a:r>
-              <a:rPr lang="en-US" smtClean="0"/>
+              <a:rPr lang="en-US"/>
               <a:t>Fourth level</a:t>
             </a:r>
           </a:p>
           <a:p>
             <a:pPr lvl="4"/>
             <a:r>
-              <a:rPr lang="en-US" smtClean="0"/>
+              <a:rPr lang="en-US"/>
               <a:t>Fifth level</a:t>
             </a:r>
             <a:endParaRPr lang="en-US" dirty="0"/>
@@ -2668,7 +2669,7 @@
           <a:p>
             <a:pPr lvl="0"/>
             <a:r>
-              <a:rPr lang="en-US" smtClean="0"/>
+              <a:rPr lang="en-US"/>
               <a:t>Click to edit Master text styles</a:t>
             </a:r>
           </a:p>
@@ -2696,35 +2697,35 @@
           <a:p>
             <a:pPr lvl="0"/>
             <a:r>
-              <a:rPr lang="en-US" smtClean="0"/>
+              <a:rPr lang="en-US"/>
               <a:t>Click to edit Master text styles</a:t>
             </a:r>
           </a:p>
           <a:p>
             <a:pPr lvl="1"/>
             <a:r>
-              <a:rPr lang="en-US" smtClean="0"/>
+              <a:rPr lang="en-US"/>
               <a:t>Second level</a:t>
             </a:r>
           </a:p>
           <a:p>
             <a:pPr lvl="2"/>
             <a:r>
-              <a:rPr lang="en-US" smtClean="0"/>
+              <a:rPr lang="en-US"/>
               <a:t>Third level</a:t>
             </a:r>
           </a:p>
           <a:p>
             <a:pPr lvl="3"/>
             <a:r>
-              <a:rPr lang="en-US" smtClean="0"/>
+              <a:rPr lang="en-US"/>
               <a:t>Fourth level</a:t>
             </a:r>
           </a:p>
           <a:p>
             <a:pPr lvl="4"/>
             <a:r>
-              <a:rPr lang="en-US" smtClean="0"/>
+              <a:rPr lang="en-US"/>
               <a:t>Fifth level</a:t>
             </a:r>
             <a:endParaRPr lang="en-US" dirty="0"/>
@@ -2748,7 +2749,7 @@
           <a:p>
             <a:fld id="{5A52BC53-BEB4-418F-B04F-D95A03CBB44C}" type="datetime1">
               <a:rPr lang="en-CA" smtClean="0"/>
-              <a:t>2020-02-11</a:t>
+              <a:t>2020-02-12</a:t>
             </a:fld>
             <a:endParaRPr lang="en-CA"/>
           </a:p>
@@ -2842,7 +2843,7 @@
           <a:lstStyle/>
           <a:p>
             <a:r>
-              <a:rPr lang="en-US" smtClean="0"/>
+              <a:rPr lang="en-US"/>
               <a:t>Click to edit Master title style</a:t>
             </a:r>
             <a:endParaRPr lang="en-US" dirty="0"/>
@@ -2866,7 +2867,7 @@
           <a:p>
             <a:fld id="{7161DD02-C9D1-424C-A11E-4528E5D6C327}" type="datetime1">
               <a:rPr lang="en-CA" smtClean="0"/>
-              <a:t>2020-02-11</a:t>
+              <a:t>2020-02-12</a:t>
             </a:fld>
             <a:endParaRPr lang="en-CA"/>
           </a:p>
@@ -2961,7 +2962,7 @@
           <a:p>
             <a:fld id="{FD070F63-9D92-4793-8EDD-3414A76C9A71}" type="datetime1">
               <a:rPr lang="en-CA" smtClean="0"/>
-              <a:t>2020-02-11</a:t>
+              <a:t>2020-02-12</a:t>
             </a:fld>
             <a:endParaRPr lang="en-CA"/>
           </a:p>
@@ -3064,7 +3065,7 @@
           </a:lstStyle>
           <a:p>
             <a:r>
-              <a:rPr lang="en-US" smtClean="0"/>
+              <a:rPr lang="en-US"/>
               <a:t>Click to edit Master title style</a:t>
             </a:r>
             <a:endParaRPr lang="en-US" dirty="0"/>
@@ -3121,35 +3122,35 @@
           <a:p>
             <a:pPr lvl="0"/>
             <a:r>
-              <a:rPr lang="en-US" smtClean="0"/>
+              <a:rPr lang="en-US"/>
               <a:t>Click to edit Master text styles</a:t>
             </a:r>
           </a:p>
           <a:p>
             <a:pPr lvl="1"/>
             <a:r>
-              <a:rPr lang="en-US" smtClean="0"/>
+              <a:rPr lang="en-US"/>
               <a:t>Second level</a:t>
             </a:r>
           </a:p>
           <a:p>
             <a:pPr lvl="2"/>
             <a:r>
-              <a:rPr lang="en-US" smtClean="0"/>
+              <a:rPr lang="en-US"/>
               <a:t>Third level</a:t>
             </a:r>
           </a:p>
           <a:p>
             <a:pPr lvl="3"/>
             <a:r>
-              <a:rPr lang="en-US" smtClean="0"/>
+              <a:rPr lang="en-US"/>
               <a:t>Fourth level</a:t>
             </a:r>
           </a:p>
           <a:p>
             <a:pPr lvl="4"/>
             <a:r>
-              <a:rPr lang="en-US" smtClean="0"/>
+              <a:rPr lang="en-US"/>
               <a:t>Fifth level</a:t>
             </a:r>
             <a:endParaRPr lang="en-US" dirty="0"/>
@@ -3215,7 +3216,7 @@
           <a:p>
             <a:pPr lvl="0"/>
             <a:r>
-              <a:rPr lang="en-US" smtClean="0"/>
+              <a:rPr lang="en-US"/>
               <a:t>Click to edit Master text styles</a:t>
             </a:r>
           </a:p>
@@ -3238,7 +3239,7 @@
           <a:p>
             <a:fld id="{FD769F1F-3028-4F0D-A3DB-E6937BEC16AF}" type="datetime1">
               <a:rPr lang="en-CA" smtClean="0"/>
-              <a:t>2020-02-11</a:t>
+              <a:t>2020-02-12</a:t>
             </a:fld>
             <a:endParaRPr lang="en-CA"/>
           </a:p>
@@ -3341,7 +3342,7 @@
           </a:lstStyle>
           <a:p>
             <a:r>
-              <a:rPr lang="en-US" smtClean="0"/>
+              <a:rPr lang="en-US"/>
               <a:t>Click to edit Master title style</a:t>
             </a:r>
             <a:endParaRPr lang="en-US" dirty="0"/>
@@ -3406,7 +3407,7 @@
           </a:lstStyle>
           <a:p>
             <a:r>
-              <a:rPr lang="en-US" smtClean="0"/>
+              <a:rPr lang="en-US"/>
               <a:t>Click icon to add picture</a:t>
             </a:r>
             <a:endParaRPr lang="en-US" dirty="0"/>
@@ -3472,7 +3473,7 @@
           <a:p>
             <a:pPr lvl="0"/>
             <a:r>
-              <a:rPr lang="en-US" smtClean="0"/>
+              <a:rPr lang="en-US"/>
               <a:t>Click to edit Master text styles</a:t>
             </a:r>
           </a:p>
@@ -3495,7 +3496,7 @@
           <a:p>
             <a:fld id="{C94F70A9-1317-4271-A5D5-BA29E0FF006B}" type="datetime1">
               <a:rPr lang="en-CA" smtClean="0"/>
-              <a:t>2020-02-11</a:t>
+              <a:t>2020-02-12</a:t>
             </a:fld>
             <a:endParaRPr lang="en-CA"/>
           </a:p>
@@ -3604,7 +3605,7 @@
           <a:lstStyle/>
           <a:p>
             <a:r>
-              <a:rPr lang="en-US" smtClean="0"/>
+              <a:rPr lang="en-US"/>
               <a:t>Click to edit Master title style</a:t>
             </a:r>
             <a:endParaRPr lang="en-US" dirty="0"/>
@@ -3638,35 +3639,35 @@
           <a:p>
             <a:pPr lvl="0"/>
             <a:r>
-              <a:rPr lang="en-US" smtClean="0"/>
+              <a:rPr lang="en-US"/>
               <a:t>Click to edit Master text styles</a:t>
             </a:r>
           </a:p>
           <a:p>
             <a:pPr lvl="1"/>
             <a:r>
-              <a:rPr lang="en-US" smtClean="0"/>
+              <a:rPr lang="en-US"/>
               <a:t>Second level</a:t>
             </a:r>
           </a:p>
           <a:p>
             <a:pPr lvl="2"/>
             <a:r>
-              <a:rPr lang="en-US" smtClean="0"/>
+              <a:rPr lang="en-US"/>
               <a:t>Third level</a:t>
             </a:r>
           </a:p>
           <a:p>
             <a:pPr lvl="3"/>
             <a:r>
-              <a:rPr lang="en-US" smtClean="0"/>
+              <a:rPr lang="en-US"/>
               <a:t>Fourth level</a:t>
             </a:r>
           </a:p>
           <a:p>
             <a:pPr lvl="4"/>
             <a:r>
-              <a:rPr lang="en-US" smtClean="0"/>
+              <a:rPr lang="en-US"/>
               <a:t>Fifth level</a:t>
             </a:r>
             <a:endParaRPr lang="en-US" dirty="0"/>
@@ -3708,7 +3709,7 @@
           <a:p>
             <a:fld id="{4C29718B-232F-4C0B-B6FD-3E4470E9695C}" type="datetime1">
               <a:rPr lang="en-CA" smtClean="0"/>
-              <a:t>2020-02-11</a:t>
+              <a:t>2020-02-12</a:t>
             </a:fld>
             <a:endParaRPr lang="en-CA"/>
           </a:p>
@@ -4119,10 +4120,10 @@
           <p:cNvPr id="71" name="Rectangle 38">
             <a:extLst>
               <a:ext uri="{FF2B5EF4-FFF2-40B4-BE49-F238E27FC236}">
-                <a16:creationId xmlns="" xmlns:a16="http://schemas.microsoft.com/office/drawing/2014/main" id="{BBBFB90B-E188-4527-9DB1-052924355A2F}"/>
+                <a16:creationId xmlns:a16="http://schemas.microsoft.com/office/drawing/2014/main" id="{BBBFB90B-E188-4527-9DB1-052924355A2F}"/>
               </a:ext>
               <a:ext uri="{C183D7F6-B498-43B3-948B-1728B52AA6E4}">
-                <adec:decorative xmlns="" xmlns:adec="http://schemas.microsoft.com/office/drawing/2017/decorative" val="1"/>
+                <adec:decorative xmlns:adec="http://schemas.microsoft.com/office/drawing/2017/decorative" val="1"/>
               </a:ext>
             </a:extLst>
           </p:cNvPr>
@@ -4132,7 +4133,7 @@
           <p:nvPr>
             <p:extLst>
               <p:ext uri="{386F3935-93C4-4BCD-93E2-E3B085C9AB24}">
-                <p16:designElem xmlns="" xmlns:p16="http://schemas.microsoft.com/office/powerpoint/2015/main" val="1"/>
+                <p16:designElem xmlns:p16="http://schemas.microsoft.com/office/powerpoint/2015/main" val="1"/>
               </p:ext>
             </p:extLst>
           </p:nvPr>
@@ -4179,7 +4180,7 @@
           <p:cNvPr id="7" name="Picture 6" descr="A passenger train pulling into a station&#10;&#10;Description automatically generated">
             <a:extLst>
               <a:ext uri="{FF2B5EF4-FFF2-40B4-BE49-F238E27FC236}">
-                <a16:creationId xmlns="" xmlns:a16="http://schemas.microsoft.com/office/drawing/2014/main" id="{9077640B-7885-4A40-BE93-6B83FD89E1EF}"/>
+                <a16:creationId xmlns:a16="http://schemas.microsoft.com/office/drawing/2014/main" id="{9077640B-7885-4A40-BE93-6B83FD89E1EF}"/>
               </a:ext>
             </a:extLst>
           </p:cNvPr>
@@ -4214,7 +4215,7 @@
           <p:cNvPr id="5" name="Picture 4" descr="A subway train at a train station&#10;&#10;Description automatically generated">
             <a:extLst>
               <a:ext uri="{FF2B5EF4-FFF2-40B4-BE49-F238E27FC236}">
-                <a16:creationId xmlns="" xmlns:a16="http://schemas.microsoft.com/office/drawing/2014/main" id="{1A008779-89E0-497E-83AA-64606C6FC6A4}"/>
+                <a16:creationId xmlns:a16="http://schemas.microsoft.com/office/drawing/2014/main" id="{1A008779-89E0-497E-83AA-64606C6FC6A4}"/>
               </a:ext>
             </a:extLst>
           </p:cNvPr>
@@ -4249,10 +4250,10 @@
           <p:cNvPr id="72" name="Straight Connector 40">
             <a:extLst>
               <a:ext uri="{FF2B5EF4-FFF2-40B4-BE49-F238E27FC236}">
-                <a16:creationId xmlns="" xmlns:a16="http://schemas.microsoft.com/office/drawing/2014/main" id="{44D0821D-2F5D-44D2-90A2-EF08149AF0AF}"/>
+                <a16:creationId xmlns:a16="http://schemas.microsoft.com/office/drawing/2014/main" id="{44D0821D-2F5D-44D2-90A2-EF08149AF0AF}"/>
               </a:ext>
               <a:ext uri="{C183D7F6-B498-43B3-948B-1728B52AA6E4}">
-                <adec:decorative xmlns="" xmlns:adec="http://schemas.microsoft.com/office/drawing/2017/decorative" val="1"/>
+                <adec:decorative xmlns:adec="http://schemas.microsoft.com/office/drawing/2017/decorative" val="1"/>
               </a:ext>
             </a:extLst>
           </p:cNvPr>
@@ -4262,7 +4263,7 @@
           <p:nvPr>
             <p:extLst>
               <p:ext uri="{386F3935-93C4-4BCD-93E2-E3B085C9AB24}">
-                <p16:designElem xmlns="" xmlns:p16="http://schemas.microsoft.com/office/powerpoint/2015/main" val="1"/>
+                <p16:designElem xmlns:p16="http://schemas.microsoft.com/office/powerpoint/2015/main" val="1"/>
               </p:ext>
             </p:extLst>
           </p:nvPr>
@@ -4301,10 +4302,10 @@
           <p:cNvPr id="73" name="Freeform 5">
             <a:extLst>
               <a:ext uri="{FF2B5EF4-FFF2-40B4-BE49-F238E27FC236}">
-                <a16:creationId xmlns="" xmlns:a16="http://schemas.microsoft.com/office/drawing/2014/main" id="{5523C670-74D7-4ED8-BA51-B6FB6557024C}"/>
+                <a16:creationId xmlns:a16="http://schemas.microsoft.com/office/drawing/2014/main" id="{5523C670-74D7-4ED8-BA51-B6FB6557024C}"/>
               </a:ext>
               <a:ext uri="{C183D7F6-B498-43B3-948B-1728B52AA6E4}">
-                <adec:decorative xmlns="" xmlns:adec="http://schemas.microsoft.com/office/drawing/2017/decorative" val="1"/>
+                <adec:decorative xmlns:adec="http://schemas.microsoft.com/office/drawing/2017/decorative" val="1"/>
               </a:ext>
             </a:extLst>
           </p:cNvPr>
@@ -4314,7 +4315,7 @@
           <p:nvPr>
             <p:extLst>
               <p:ext uri="{386F3935-93C4-4BCD-93E2-E3B085C9AB24}">
-                <p16:designElem xmlns="" xmlns:p16="http://schemas.microsoft.com/office/powerpoint/2015/main" val="1"/>
+                <p16:designElem xmlns:p16="http://schemas.microsoft.com/office/powerpoint/2015/main" val="1"/>
               </p:ext>
             </p:extLst>
           </p:nvPr>
@@ -4404,10 +4405,10 @@
           <p:cNvPr id="74" name="Freeform 6">
             <a:extLst>
               <a:ext uri="{FF2B5EF4-FFF2-40B4-BE49-F238E27FC236}">
-                <a16:creationId xmlns="" xmlns:a16="http://schemas.microsoft.com/office/drawing/2014/main" id="{BAEEE533-7CA5-4134-A14A-8575F66C6140}"/>
+                <a16:creationId xmlns:a16="http://schemas.microsoft.com/office/drawing/2014/main" id="{BAEEE533-7CA5-4134-A14A-8575F66C6140}"/>
               </a:ext>
               <a:ext uri="{C183D7F6-B498-43B3-948B-1728B52AA6E4}">
-                <adec:decorative xmlns="" xmlns:adec="http://schemas.microsoft.com/office/drawing/2017/decorative" val="1"/>
+                <adec:decorative xmlns:adec="http://schemas.microsoft.com/office/drawing/2017/decorative" val="1"/>
               </a:ext>
             </a:extLst>
           </p:cNvPr>
@@ -4417,7 +4418,7 @@
           <p:nvPr>
             <p:extLst>
               <p:ext uri="{386F3935-93C4-4BCD-93E2-E3B085C9AB24}">
-                <p16:designElem xmlns="" xmlns:p16="http://schemas.microsoft.com/office/powerpoint/2015/main" val="1"/>
+                <p16:designElem xmlns:p16="http://schemas.microsoft.com/office/powerpoint/2015/main" val="1"/>
               </p:ext>
             </p:extLst>
           </p:nvPr>
@@ -4507,10 +4508,10 @@
           <p:cNvPr id="75" name="Freeform 7">
             <a:extLst>
               <a:ext uri="{FF2B5EF4-FFF2-40B4-BE49-F238E27FC236}">
-                <a16:creationId xmlns="" xmlns:a16="http://schemas.microsoft.com/office/drawing/2014/main" id="{E64B7817-E956-406B-A85B-5AEF36B1F50B}"/>
+                <a16:creationId xmlns:a16="http://schemas.microsoft.com/office/drawing/2014/main" id="{E64B7817-E956-406B-A85B-5AEF36B1F50B}"/>
               </a:ext>
               <a:ext uri="{C183D7F6-B498-43B3-948B-1728B52AA6E4}">
-                <adec:decorative xmlns="" xmlns:adec="http://schemas.microsoft.com/office/drawing/2017/decorative" val="1"/>
+                <adec:decorative xmlns:adec="http://schemas.microsoft.com/office/drawing/2017/decorative" val="1"/>
               </a:ext>
             </a:extLst>
           </p:cNvPr>
@@ -4520,7 +4521,7 @@
           <p:nvPr>
             <p:extLst>
               <p:ext uri="{386F3935-93C4-4BCD-93E2-E3B085C9AB24}">
-                <p16:designElem xmlns="" xmlns:p16="http://schemas.microsoft.com/office/powerpoint/2015/main" val="1"/>
+                <p16:designElem xmlns:p16="http://schemas.microsoft.com/office/powerpoint/2015/main" val="1"/>
               </p:ext>
             </p:extLst>
           </p:nvPr>
@@ -4610,10 +4611,10 @@
           <p:cNvPr id="76" name="Rectangle 8">
             <a:extLst>
               <a:ext uri="{FF2B5EF4-FFF2-40B4-BE49-F238E27FC236}">
-                <a16:creationId xmlns="" xmlns:a16="http://schemas.microsoft.com/office/drawing/2014/main" id="{92FC9C1F-8CBA-4083-8724-3735C556D844}"/>
+                <a16:creationId xmlns:a16="http://schemas.microsoft.com/office/drawing/2014/main" id="{92FC9C1F-8CBA-4083-8724-3735C556D844}"/>
               </a:ext>
               <a:ext uri="{C183D7F6-B498-43B3-948B-1728B52AA6E4}">
-                <adec:decorative xmlns="" xmlns:adec="http://schemas.microsoft.com/office/drawing/2017/decorative" val="1"/>
+                <adec:decorative xmlns:adec="http://schemas.microsoft.com/office/drawing/2017/decorative" val="1"/>
               </a:ext>
             </a:extLst>
           </p:cNvPr>
@@ -4623,7 +4624,7 @@
           <p:nvPr>
             <p:extLst>
               <p:ext uri="{386F3935-93C4-4BCD-93E2-E3B085C9AB24}">
-                <p16:designElem xmlns="" xmlns:p16="http://schemas.microsoft.com/office/powerpoint/2015/main" val="1"/>
+                <p16:designElem xmlns:p16="http://schemas.microsoft.com/office/powerpoint/2015/main" val="1"/>
               </p:ext>
             </p:extLst>
           </p:nvPr>
@@ -4660,7 +4661,7 @@
           <p:cNvPr id="2" name="Title 1">
             <a:extLst>
               <a:ext uri="{FF2B5EF4-FFF2-40B4-BE49-F238E27FC236}">
-                <a16:creationId xmlns="" xmlns:a16="http://schemas.microsoft.com/office/drawing/2014/main" id="{C777AC1A-1CF6-4135-8E9F-B2CD61A1A9D8}"/>
+                <a16:creationId xmlns:a16="http://schemas.microsoft.com/office/drawing/2014/main" id="{C777AC1A-1CF6-4135-8E9F-B2CD61A1A9D8}"/>
               </a:ext>
             </a:extLst>
           </p:cNvPr>
@@ -4700,7 +4701,7 @@
           <p:cNvPr id="3" name="Subtitle 2">
             <a:extLst>
               <a:ext uri="{FF2B5EF4-FFF2-40B4-BE49-F238E27FC236}">
-                <a16:creationId xmlns="" xmlns:a16="http://schemas.microsoft.com/office/drawing/2014/main" id="{782FC5D5-7A0A-43FD-B857-D9D253AC5158}"/>
+                <a16:creationId xmlns:a16="http://schemas.microsoft.com/office/drawing/2014/main" id="{782FC5D5-7A0A-43FD-B857-D9D253AC5158}"/>
               </a:ext>
             </a:extLst>
           </p:cNvPr>
@@ -4746,8 +4747,12 @@
           <a:p>
             <a:pPr algn="r"/>
             <a:r>
+              <a:rPr lang="en-CA" sz="2800" dirty="0" err="1"/>
+              <a:t>Shaohua</a:t>
+            </a:r>
+            <a:r>
               <a:rPr lang="en-CA" sz="2800" dirty="0"/>
-              <a:t>Shao/Jay Liu</a:t>
+              <a:t> Liu</a:t>
             </a:r>
           </a:p>
           <a:p>
@@ -4779,6 +4784,42 @@
           </a:p>
         </p:txBody>
       </p:sp>
+      <p:pic>
+        <p:nvPicPr>
+          <p:cNvPr id="8" name="Picture 7" descr="A picture containing drawing&#10;&#10;Description automatically generated">
+            <a:extLst>
+              <a:ext uri="{FF2B5EF4-FFF2-40B4-BE49-F238E27FC236}">
+                <a16:creationId xmlns:a16="http://schemas.microsoft.com/office/drawing/2014/main" id="{21CCABF3-C34A-4AED-A965-505ACB62E143}"/>
+              </a:ext>
+            </a:extLst>
+          </p:cNvPr>
+          <p:cNvPicPr>
+            <a:picLocks noChangeAspect="1"/>
+          </p:cNvPicPr>
+          <p:nvPr/>
+        </p:nvPicPr>
+        <p:blipFill>
+          <a:blip r:embed="rId5">
+            <a:extLst>
+              <a:ext uri="{28A0092B-C50C-407E-A947-70E740481C1C}">
+                <a14:useLocalDpi xmlns:a14="http://schemas.microsoft.com/office/drawing/2010/main" val="0"/>
+              </a:ext>
+            </a:extLst>
+          </a:blip>
+          <a:stretch>
+            <a:fillRect/>
+          </a:stretch>
+        </p:blipFill>
+        <p:spPr>
+          <a:xfrm>
+            <a:off x="2684018" y="1982679"/>
+            <a:ext cx="2143125" cy="838200"/>
+          </a:xfrm>
+          <a:prstGeom prst="rect">
+            <a:avLst/>
+          </a:prstGeom>
+        </p:spPr>
+      </p:pic>
     </p:spTree>
     <p:extLst>
       <p:ext uri="{BB962C8B-B14F-4D97-AF65-F5344CB8AC3E}">
@@ -4792,13 +4833,6 @@
   <p:transition spd="slow">
     <p:push dir="u"/>
   </p:transition>
-  <p:timing>
-    <p:tnLst>
-      <p:par>
-        <p:cTn id="1" dur="indefinite" restart="never" nodeType="tmRoot"/>
-      </p:par>
-    </p:tnLst>
-  </p:timing>
 </p:sld>
 </file>
 
@@ -4835,18 +4869,13 @@
           <a:lstStyle/>
           <a:p>
             <a:r>
-              <a:rPr lang="en-CA" dirty="0" smtClean="0">
+              <a:rPr lang="en-CA" dirty="0">
                 <a:solidFill>
                   <a:schemeClr val="accent1"/>
                 </a:solidFill>
               </a:rPr>
               <a:t>Project Scope</a:t>
             </a:r>
-            <a:endParaRPr lang="en-CA" dirty="0">
-              <a:solidFill>
-                <a:schemeClr val="accent1"/>
-              </a:solidFill>
-            </a:endParaRPr>
           </a:p>
         </p:txBody>
       </p:sp>
@@ -4880,20 +4909,12 @@
             <a:pPr lvl="1"/>
             <a:r>
               <a:rPr lang="en-CA" dirty="0"/>
-              <a:t>Map of Toronto and TTC subway </a:t>
-            </a:r>
-            <a:r>
-              <a:rPr lang="en-CA" dirty="0" smtClean="0"/>
-              <a:t>stations with popups showing: name of station, subway line, and </a:t>
-            </a:r>
-            <a:r>
-              <a:rPr lang="en-CA" dirty="0"/>
-              <a:t>total number of delays in 2019, and average minimum delay in 2019</a:t>
-            </a:r>
-          </a:p>
-          <a:p>
-            <a:r>
-              <a:rPr lang="en-CA" dirty="0" err="1" smtClean="0">
+              <a:t>Map of Toronto and TTC subway stations with popups showing: name of station, subway line, and total number of delays in 2019, and average minimum delay in 2019</a:t>
+            </a:r>
+          </a:p>
+          <a:p>
+            <a:r>
+              <a:rPr lang="en-CA" dirty="0" err="1">
                 <a:solidFill>
                   <a:schemeClr val="accent1"/>
                 </a:solidFill>
@@ -4901,77 +4922,39 @@
               <a:t>Plotly</a:t>
             </a:r>
             <a:r>
-              <a:rPr lang="en-CA" dirty="0" smtClean="0">
+              <a:rPr lang="en-CA" dirty="0">
                 <a:solidFill>
                   <a:schemeClr val="accent1"/>
                 </a:solidFill>
               </a:rPr>
               <a:t> Line Graph</a:t>
             </a:r>
-            <a:endParaRPr lang="en-CA" dirty="0">
-              <a:solidFill>
-                <a:schemeClr val="accent1"/>
-              </a:solidFill>
-            </a:endParaRPr>
           </a:p>
           <a:p>
             <a:pPr lvl="1"/>
             <a:r>
-              <a:rPr lang="en-CA" dirty="0" smtClean="0"/>
+              <a:rPr lang="en-CA" dirty="0"/>
               <a:t>Showing relationship between </a:t>
             </a:r>
             <a:r>
-              <a:rPr lang="en-CA" b="1" dirty="0" smtClean="0"/>
-              <a:t>time </a:t>
-            </a:r>
-            <a:r>
               <a:rPr lang="en-CA" b="1" dirty="0"/>
-              <a:t>of </a:t>
-            </a:r>
-            <a:r>
-              <a:rPr lang="en-CA" b="1" dirty="0" smtClean="0"/>
-              <a:t>day</a:t>
-            </a:r>
-            <a:r>
-              <a:rPr lang="en-CA" dirty="0" smtClean="0"/>
-              <a:t>, </a:t>
+              <a:t>time of day</a:t>
             </a:r>
             <a:r>
               <a:rPr lang="en-CA" dirty="0"/>
-              <a:t>a</a:t>
-            </a:r>
-            <a:r>
-              <a:rPr lang="en-CA" dirty="0" smtClean="0"/>
-              <a:t>verage </a:t>
-            </a:r>
+              <a:t>, average number of subway delays, and  average delay minutes</a:t>
+            </a:r>
+          </a:p>
+          <a:p>
+            <a:pPr lvl="1"/>
             <a:r>
               <a:rPr lang="en-CA" dirty="0"/>
-              <a:t>number of subway </a:t>
-            </a:r>
-            <a:r>
-              <a:rPr lang="en-CA" dirty="0" smtClean="0"/>
-              <a:t>delays, and  </a:t>
-            </a:r>
-            <a:r>
-              <a:rPr lang="en-CA" dirty="0" smtClean="0"/>
-              <a:t>average delay minutes</a:t>
-            </a:r>
-            <a:endParaRPr lang="en-CA" dirty="0"/>
-          </a:p>
-          <a:p>
-            <a:pPr lvl="1"/>
-            <a:r>
-              <a:rPr lang="en-CA" dirty="0" smtClean="0"/>
-              <a:t>Dropdowns to filter by Subway </a:t>
-            </a:r>
-            <a:r>
-              <a:rPr lang="en-CA" dirty="0"/>
-              <a:t>line, month, and day of the week</a:t>
-            </a:r>
-          </a:p>
-          <a:p>
-            <a:r>
-              <a:rPr lang="en-CA" dirty="0" err="1" smtClean="0">
+              <a:t>Dropdowns to filter by Subway line, month, and day of the week</a:t>
+            </a:r>
+          </a:p>
+          <a:p>
+            <a:r>
+              <a:rPr lang="en-CA" dirty="0" err="1">
                 <a:solidFill>
                   <a:schemeClr val="accent1"/>
                 </a:solidFill>
@@ -4979,75 +4962,34 @@
               <a:t>Plotly</a:t>
             </a:r>
             <a:r>
-              <a:rPr lang="en-CA" dirty="0" smtClean="0">
-                <a:solidFill>
-                  <a:schemeClr val="accent1"/>
-                </a:solidFill>
-              </a:rPr>
-              <a:t> Line</a:t>
-            </a:r>
-            <a:r>
-              <a:rPr lang="en-CA" dirty="0" smtClean="0">
-                <a:solidFill>
-                  <a:schemeClr val="accent1"/>
-                </a:solidFill>
-              </a:rPr>
-              <a:t> </a:t>
-            </a:r>
-            <a:r>
               <a:rPr lang="en-CA" dirty="0">
                 <a:solidFill>
                   <a:schemeClr val="accent1"/>
                 </a:solidFill>
               </a:rPr>
-              <a:t>graph</a:t>
+              <a:t> Line graph</a:t>
             </a:r>
           </a:p>
           <a:p>
             <a:pPr lvl="1"/>
             <a:r>
-              <a:rPr lang="en-CA" dirty="0" smtClean="0"/>
+              <a:rPr lang="en-CA" dirty="0"/>
               <a:t>Showing the relationship between </a:t>
             </a:r>
             <a:r>
-              <a:rPr lang="en-CA" b="1" dirty="0" smtClean="0"/>
-              <a:t>day </a:t>
-            </a:r>
-            <a:r>
               <a:rPr lang="en-CA" b="1" dirty="0"/>
-              <a:t>of </a:t>
-            </a:r>
-            <a:r>
-              <a:rPr lang="en-CA" b="1" dirty="0" smtClean="0"/>
-              <a:t>week</a:t>
-            </a:r>
-            <a:r>
-              <a:rPr lang="en-CA" dirty="0" smtClean="0"/>
-              <a:t>, average </a:t>
+              <a:t>day of week</a:t>
             </a:r>
             <a:r>
               <a:rPr lang="en-CA" dirty="0"/>
-              <a:t>number of subway </a:t>
-            </a:r>
-            <a:r>
-              <a:rPr lang="en-CA" dirty="0" smtClean="0"/>
-              <a:t>delays, and average </a:t>
-            </a:r>
-            <a:r>
-              <a:rPr lang="en-CA" dirty="0" smtClean="0"/>
-              <a:t>delay minutes</a:t>
-            </a:r>
-            <a:endParaRPr lang="en-CA" dirty="0"/>
+              <a:t>, average number of subway delays, and average delay minutes</a:t>
+            </a:r>
           </a:p>
           <a:p>
             <a:pPr lvl="1"/>
             <a:r>
-              <a:rPr lang="en-CA" dirty="0" smtClean="0"/>
-              <a:t>Dropdowns to filter by subway </a:t>
-            </a:r>
-            <a:r>
               <a:rPr lang="en-CA" dirty="0"/>
-              <a:t>line, month, and time of day</a:t>
+              <a:t>Dropdowns to filter by subway line, month, and time of day</a:t>
             </a:r>
           </a:p>
           <a:p>
@@ -5129,13 +5071,6 @@
   <p:clrMapOvr>
     <a:masterClrMapping/>
   </p:clrMapOvr>
-  <p:timing>
-    <p:tnLst>
-      <p:par>
-        <p:cTn id="1" dur="indefinite" restart="never" nodeType="tmRoot"/>
-      </p:par>
-    </p:tnLst>
-  </p:timing>
 </p:sld>
 </file>
 
@@ -5172,18 +5107,13 @@
           <a:lstStyle/>
           <a:p>
             <a:r>
-              <a:rPr lang="en-CA" dirty="0" smtClean="0">
+              <a:rPr lang="en-CA" dirty="0">
                 <a:solidFill>
                   <a:schemeClr val="accent1"/>
                 </a:solidFill>
               </a:rPr>
               <a:t>Data Sets</a:t>
             </a:r>
-            <a:endParaRPr lang="en-CA" dirty="0">
-              <a:solidFill>
-                <a:schemeClr val="accent1"/>
-              </a:solidFill>
-            </a:endParaRPr>
           </a:p>
         </p:txBody>
       </p:sp>
@@ -5208,45 +5138,23 @@
                   <a:schemeClr val="accent1"/>
                 </a:solidFill>
               </a:rPr>
-              <a:t>City of Toronto Open </a:t>
-            </a:r>
-            <a:r>
-              <a:rPr lang="en-CA" dirty="0" smtClean="0">
-                <a:solidFill>
-                  <a:schemeClr val="accent1"/>
-                </a:solidFill>
-              </a:rPr>
-              <a:t>Data</a:t>
+              <a:t>City of Toronto Open Data</a:t>
             </a:r>
           </a:p>
           <a:p>
             <a:pPr lvl="1"/>
             <a:r>
-              <a:rPr lang="en-CA" dirty="0" smtClean="0"/>
-              <a:t>TTC </a:t>
-            </a:r>
-            <a:r>
               <a:rPr lang="en-CA" dirty="0"/>
-              <a:t>monthly subway delay </a:t>
-            </a:r>
-            <a:r>
-              <a:rPr lang="en-CA" dirty="0" smtClean="0"/>
-              <a:t>data</a:t>
+              <a:t>TTC monthly subway delay data</a:t>
             </a:r>
           </a:p>
           <a:p>
             <a:pPr lvl="1"/>
-            <a:r>
-              <a:rPr lang="en-CA" dirty="0" smtClean="0">
-                <a:hlinkClick r:id="rId2"/>
-              </a:rPr>
-              <a:t>https</a:t>
-            </a:r>
             <a:r>
               <a:rPr lang="en-CA" dirty="0">
                 <a:hlinkClick r:id="rId2"/>
               </a:rPr>
-              <a:t>://open.toronto.ca/dataset/ttc-subway-delay-data/</a:t>
+              <a:t>https://open.toronto.ca/dataset/ttc-subway-delay-data/</a:t>
             </a:r>
             <a:endParaRPr lang="en-CA" dirty="0"/>
           </a:p>
@@ -5257,85 +5165,40 @@
                   <a:schemeClr val="accent1"/>
                 </a:solidFill>
               </a:rPr>
-              <a:t>Wikipedia (multiple web </a:t>
-            </a:r>
-            <a:r>
-              <a:rPr lang="en-CA" dirty="0" smtClean="0">
-                <a:solidFill>
-                  <a:schemeClr val="accent1"/>
-                </a:solidFill>
-              </a:rPr>
-              <a:t>pages)</a:t>
+              <a:t>Wikipedia (multiple web pages)</a:t>
             </a:r>
           </a:p>
           <a:p>
             <a:pPr lvl="1"/>
             <a:r>
-              <a:rPr lang="en-CA" dirty="0" smtClean="0"/>
-              <a:t>To get TTC </a:t>
-            </a:r>
-            <a:r>
               <a:rPr lang="en-CA" dirty="0"/>
-              <a:t>subway station </a:t>
-            </a:r>
-            <a:r>
-              <a:rPr lang="en-CA" dirty="0" smtClean="0"/>
-              <a:t>coordinates</a:t>
+              <a:t>To get TTC subway station coordinates</a:t>
             </a:r>
           </a:p>
           <a:p>
             <a:pPr lvl="1"/>
             <a:r>
-              <a:rPr lang="en-CA" dirty="0" smtClean="0"/>
-              <a:t>e.g</a:t>
-            </a:r>
-            <a:r>
               <a:rPr lang="en-CA" dirty="0"/>
-              <a:t>. </a:t>
-            </a:r>
-            <a:r>
-              <a:rPr lang="en-CA" dirty="0" smtClean="0"/>
-              <a:t>Bloor-</a:t>
-            </a:r>
-            <a:r>
-              <a:rPr lang="en-CA" dirty="0" err="1" smtClean="0"/>
+              <a:t>e.g. Bloor-</a:t>
+            </a:r>
+            <a:r>
+              <a:rPr lang="en-CA" dirty="0" err="1"/>
               <a:t>Yonge</a:t>
             </a:r>
             <a:r>
               <a:rPr lang="en-CA" dirty="0"/>
-              <a:t> </a:t>
-            </a:r>
-            <a:r>
-              <a:rPr lang="en-CA" dirty="0" smtClean="0"/>
-              <a:t>station</a:t>
-            </a:r>
-            <a:r>
-              <a:rPr lang="en-CA" dirty="0"/>
-              <a:t>: </a:t>
-            </a:r>
-            <a:endParaRPr lang="en-CA" dirty="0" smtClean="0"/>
+              <a:t> station: </a:t>
+            </a:r>
           </a:p>
           <a:p>
             <a:pPr marL="457200" lvl="1" indent="0">
               <a:buNone/>
             </a:pPr>
             <a:r>
-              <a:rPr lang="en-CA" dirty="0" smtClean="0">
-                <a:hlinkClick r:id="rId3"/>
-              </a:rPr>
-              <a:t>https</a:t>
-            </a:r>
-            <a:r>
               <a:rPr lang="en-CA" dirty="0">
                 <a:hlinkClick r:id="rId3"/>
               </a:rPr>
-              <a:t>://</a:t>
-            </a:r>
-            <a:r>
-              <a:rPr lang="en-CA" dirty="0" smtClean="0">
-                <a:hlinkClick r:id="rId3"/>
-              </a:rPr>
-              <a:t>en.wikipedia.org/wiki/Bloor%E2%80%93Yonge_station</a:t>
+              <a:t>https://en.wikipedia.org/wiki/Bloor%E2%80%93Yonge_station</a:t>
             </a:r>
             <a:endParaRPr lang="en-CA" dirty="0"/>
           </a:p>
@@ -5421,13 +5284,6 @@
   <p:clrMapOvr>
     <a:masterClrMapping/>
   </p:clrMapOvr>
-  <p:timing>
-    <p:tnLst>
-      <p:par>
-        <p:cTn id="1" dur="indefinite" restart="never" nodeType="tmRoot"/>
-      </p:par>
-    </p:tnLst>
-  </p:timing>
 </p:sld>
 </file>
 
@@ -5453,7 +5309,7 @@
           <p:cNvPr id="2" name="Title 1">
             <a:extLst>
               <a:ext uri="{FF2B5EF4-FFF2-40B4-BE49-F238E27FC236}">
-                <a16:creationId xmlns="" xmlns:a16="http://schemas.microsoft.com/office/drawing/2014/main" id="{5557318E-1F27-4314-B705-DDD4F24587DA}"/>
+                <a16:creationId xmlns:a16="http://schemas.microsoft.com/office/drawing/2014/main" id="{5557318E-1F27-4314-B705-DDD4F24587DA}"/>
               </a:ext>
             </a:extLst>
           </p:cNvPr>
@@ -5508,7 +5364,7 @@
           <p:cNvPr id="9" name="Content Placeholder 4" descr="A picture containing clock, meter&#10;&#10;Description automatically generated">
             <a:extLst>
               <a:ext uri="{FF2B5EF4-FFF2-40B4-BE49-F238E27FC236}">
-                <a16:creationId xmlns="" xmlns:a16="http://schemas.microsoft.com/office/drawing/2014/main" id="{03B88FE5-B277-4821-854B-9F1DD6384B6E}"/>
+                <a16:creationId xmlns:a16="http://schemas.microsoft.com/office/drawing/2014/main" id="{03B88FE5-B277-4821-854B-9F1DD6384B6E}"/>
               </a:ext>
             </a:extLst>
           </p:cNvPr>
@@ -5544,7 +5400,7 @@
           <p:cNvPr id="10" name="Content Placeholder 4" descr="A picture containing clock, meter&#10;&#10;Description automatically generated">
             <a:extLst>
               <a:ext uri="{FF2B5EF4-FFF2-40B4-BE49-F238E27FC236}">
-                <a16:creationId xmlns="" xmlns:a16="http://schemas.microsoft.com/office/drawing/2014/main" id="{32A94AA0-7BD3-4C7E-B2A0-E963B611384F}"/>
+                <a16:creationId xmlns:a16="http://schemas.microsoft.com/office/drawing/2014/main" id="{32A94AA0-7BD3-4C7E-B2A0-E963B611384F}"/>
               </a:ext>
             </a:extLst>
           </p:cNvPr>
@@ -5580,7 +5436,7 @@
           <p:cNvPr id="8" name="Content Placeholder 4" descr="A picture containing clock, meter&#10;&#10;Description automatically generated">
             <a:extLst>
               <a:ext uri="{FF2B5EF4-FFF2-40B4-BE49-F238E27FC236}">
-                <a16:creationId xmlns="" xmlns:a16="http://schemas.microsoft.com/office/drawing/2014/main" id="{D9865AE8-C51B-453D-8723-D56C46700D32}"/>
+                <a16:creationId xmlns:a16="http://schemas.microsoft.com/office/drawing/2014/main" id="{D9865AE8-C51B-453D-8723-D56C46700D32}"/>
               </a:ext>
             </a:extLst>
           </p:cNvPr>
@@ -5616,7 +5472,7 @@
           <p:cNvPr id="12" name="Picture 11" descr="A close up of a logo&#10;&#10;Description automatically generated">
             <a:extLst>
               <a:ext uri="{FF2B5EF4-FFF2-40B4-BE49-F238E27FC236}">
-                <a16:creationId xmlns="" xmlns:a16="http://schemas.microsoft.com/office/drawing/2014/main" id="{A311D656-5CA6-4736-81F1-EA7BDCE46802}"/>
+                <a16:creationId xmlns:a16="http://schemas.microsoft.com/office/drawing/2014/main" id="{A311D656-5CA6-4736-81F1-EA7BDCE46802}"/>
               </a:ext>
             </a:extLst>
           </p:cNvPr>
@@ -5652,7 +5508,7 @@
           <p:cNvPr id="20" name="Picture 19" descr="A close up of a logo&#10;&#10;Description automatically generated">
             <a:extLst>
               <a:ext uri="{FF2B5EF4-FFF2-40B4-BE49-F238E27FC236}">
-                <a16:creationId xmlns="" xmlns:a16="http://schemas.microsoft.com/office/drawing/2014/main" id="{C815E553-AD2B-4B08-8F2D-DE3809A4E0E8}"/>
+                <a16:creationId xmlns:a16="http://schemas.microsoft.com/office/drawing/2014/main" id="{C815E553-AD2B-4B08-8F2D-DE3809A4E0E8}"/>
               </a:ext>
             </a:extLst>
           </p:cNvPr>
@@ -5688,7 +5544,7 @@
           <p:cNvPr id="24" name="Picture 23" descr="A picture containing clock&#10;&#10;Description automatically generated">
             <a:extLst>
               <a:ext uri="{FF2B5EF4-FFF2-40B4-BE49-F238E27FC236}">
-                <a16:creationId xmlns="" xmlns:a16="http://schemas.microsoft.com/office/drawing/2014/main" id="{F0A87256-5E44-4D6E-A7DF-6531DCA02D49}"/>
+                <a16:creationId xmlns:a16="http://schemas.microsoft.com/office/drawing/2014/main" id="{F0A87256-5E44-4D6E-A7DF-6531DCA02D49}"/>
               </a:ext>
             </a:extLst>
           </p:cNvPr>
@@ -5724,7 +5580,7 @@
           <p:cNvPr id="26" name="Picture 25" descr="A close up of a logo&#10;&#10;Description automatically generated">
             <a:extLst>
               <a:ext uri="{FF2B5EF4-FFF2-40B4-BE49-F238E27FC236}">
-                <a16:creationId xmlns="" xmlns:a16="http://schemas.microsoft.com/office/drawing/2014/main" id="{5666146C-719B-42CD-93D0-D14BC5D8686B}"/>
+                <a16:creationId xmlns:a16="http://schemas.microsoft.com/office/drawing/2014/main" id="{5666146C-719B-42CD-93D0-D14BC5D8686B}"/>
               </a:ext>
             </a:extLst>
           </p:cNvPr>
@@ -5760,7 +5616,7 @@
           <p:cNvPr id="30" name="Picture 29" descr="A close up of a sign&#10;&#10;Description automatically generated">
             <a:extLst>
               <a:ext uri="{FF2B5EF4-FFF2-40B4-BE49-F238E27FC236}">
-                <a16:creationId xmlns="" xmlns:a16="http://schemas.microsoft.com/office/drawing/2014/main" id="{470862DD-1B77-44EC-93BA-92C41D33E2AC}"/>
+                <a16:creationId xmlns:a16="http://schemas.microsoft.com/office/drawing/2014/main" id="{470862DD-1B77-44EC-93BA-92C41D33E2AC}"/>
               </a:ext>
             </a:extLst>
           </p:cNvPr>
@@ -5796,7 +5652,7 @@
           <p:cNvPr id="32" name="Picture 31" descr="A close up of a sign&#10;&#10;Description automatically generated">
             <a:extLst>
               <a:ext uri="{FF2B5EF4-FFF2-40B4-BE49-F238E27FC236}">
-                <a16:creationId xmlns="" xmlns:a16="http://schemas.microsoft.com/office/drawing/2014/main" id="{026A51DE-B141-4E86-9B16-6682CF4D2F0A}"/>
+                <a16:creationId xmlns:a16="http://schemas.microsoft.com/office/drawing/2014/main" id="{026A51DE-B141-4E86-9B16-6682CF4D2F0A}"/>
               </a:ext>
             </a:extLst>
           </p:cNvPr>
@@ -5832,7 +5688,7 @@
           <p:cNvPr id="33" name="Rectangle 32">
             <a:extLst>
               <a:ext uri="{FF2B5EF4-FFF2-40B4-BE49-F238E27FC236}">
-                <a16:creationId xmlns="" xmlns:a16="http://schemas.microsoft.com/office/drawing/2014/main" id="{84F28BB1-ACAB-4434-BD2C-2EE1A6604CE2}"/>
+                <a16:creationId xmlns:a16="http://schemas.microsoft.com/office/drawing/2014/main" id="{84F28BB1-ACAB-4434-BD2C-2EE1A6604CE2}"/>
               </a:ext>
             </a:extLst>
           </p:cNvPr>
@@ -5886,7 +5742,7 @@
           <p:cNvPr id="34" name="Rectangle 33">
             <a:extLst>
               <a:ext uri="{FF2B5EF4-FFF2-40B4-BE49-F238E27FC236}">
-                <a16:creationId xmlns="" xmlns:a16="http://schemas.microsoft.com/office/drawing/2014/main" id="{C4E683FC-5983-48F4-A175-F58D42E20D3B}"/>
+                <a16:creationId xmlns:a16="http://schemas.microsoft.com/office/drawing/2014/main" id="{C4E683FC-5983-48F4-A175-F58D42E20D3B}"/>
               </a:ext>
             </a:extLst>
           </p:cNvPr>
@@ -5947,7 +5803,7 @@
           <p:cNvPr id="35" name="Rectangle 34">
             <a:extLst>
               <a:ext uri="{FF2B5EF4-FFF2-40B4-BE49-F238E27FC236}">
-                <a16:creationId xmlns="" xmlns:a16="http://schemas.microsoft.com/office/drawing/2014/main" id="{EE213907-3765-4E23-96A0-52B22C035E6B}"/>
+                <a16:creationId xmlns:a16="http://schemas.microsoft.com/office/drawing/2014/main" id="{EE213907-3765-4E23-96A0-52B22C035E6B}"/>
               </a:ext>
             </a:extLst>
           </p:cNvPr>
@@ -6001,7 +5857,7 @@
           <p:cNvPr id="36" name="Rectangle 35">
             <a:extLst>
               <a:ext uri="{FF2B5EF4-FFF2-40B4-BE49-F238E27FC236}">
-                <a16:creationId xmlns="" xmlns:a16="http://schemas.microsoft.com/office/drawing/2014/main" id="{A342E36E-1B6A-4BC0-A3F6-97F8CE491F19}"/>
+                <a16:creationId xmlns:a16="http://schemas.microsoft.com/office/drawing/2014/main" id="{A342E36E-1B6A-4BC0-A3F6-97F8CE491F19}"/>
               </a:ext>
             </a:extLst>
           </p:cNvPr>
@@ -6062,7 +5918,7 @@
           <p:cNvPr id="37" name="Rectangle 36">
             <a:extLst>
               <a:ext uri="{FF2B5EF4-FFF2-40B4-BE49-F238E27FC236}">
-                <a16:creationId xmlns="" xmlns:a16="http://schemas.microsoft.com/office/drawing/2014/main" id="{CC5B27AB-F985-4B2B-A428-878A2B1CECC6}"/>
+                <a16:creationId xmlns:a16="http://schemas.microsoft.com/office/drawing/2014/main" id="{CC5B27AB-F985-4B2B-A428-878A2B1CECC6}"/>
               </a:ext>
             </a:extLst>
           </p:cNvPr>
@@ -6116,7 +5972,7 @@
           <p:cNvPr id="38" name="Rectangle 37">
             <a:extLst>
               <a:ext uri="{FF2B5EF4-FFF2-40B4-BE49-F238E27FC236}">
-                <a16:creationId xmlns="" xmlns:a16="http://schemas.microsoft.com/office/drawing/2014/main" id="{D7F9680F-150E-48DA-93A0-34973B150B68}"/>
+                <a16:creationId xmlns:a16="http://schemas.microsoft.com/office/drawing/2014/main" id="{D7F9680F-150E-48DA-93A0-34973B150B68}"/>
               </a:ext>
             </a:extLst>
           </p:cNvPr>
@@ -6177,7 +6033,7 @@
           <p:cNvPr id="39" name="Rectangle 38">
             <a:extLst>
               <a:ext uri="{FF2B5EF4-FFF2-40B4-BE49-F238E27FC236}">
-                <a16:creationId xmlns="" xmlns:a16="http://schemas.microsoft.com/office/drawing/2014/main" id="{7491A279-884F-4918-B5E7-2800444DAB51}"/>
+                <a16:creationId xmlns:a16="http://schemas.microsoft.com/office/drawing/2014/main" id="{7491A279-884F-4918-B5E7-2800444DAB51}"/>
               </a:ext>
             </a:extLst>
           </p:cNvPr>
@@ -6231,7 +6087,7 @@
           <p:cNvPr id="40" name="Rectangle 39">
             <a:extLst>
               <a:ext uri="{FF2B5EF4-FFF2-40B4-BE49-F238E27FC236}">
-                <a16:creationId xmlns="" xmlns:a16="http://schemas.microsoft.com/office/drawing/2014/main" id="{D8ADD401-48CB-4CF5-9532-668C30F97395}"/>
+                <a16:creationId xmlns:a16="http://schemas.microsoft.com/office/drawing/2014/main" id="{D8ADD401-48CB-4CF5-9532-668C30F97395}"/>
               </a:ext>
             </a:extLst>
           </p:cNvPr>
@@ -6292,7 +6148,7 @@
           <p:cNvPr id="41" name="Rectangle 40">
             <a:extLst>
               <a:ext uri="{FF2B5EF4-FFF2-40B4-BE49-F238E27FC236}">
-                <a16:creationId xmlns="" xmlns:a16="http://schemas.microsoft.com/office/drawing/2014/main" id="{99C3C71C-DCE2-4539-8F26-E812C28406AA}"/>
+                <a16:creationId xmlns:a16="http://schemas.microsoft.com/office/drawing/2014/main" id="{99C3C71C-DCE2-4539-8F26-E812C28406AA}"/>
               </a:ext>
             </a:extLst>
           </p:cNvPr>
@@ -6346,7 +6202,7 @@
           <p:cNvPr id="42" name="Rectangle 41">
             <a:extLst>
               <a:ext uri="{FF2B5EF4-FFF2-40B4-BE49-F238E27FC236}">
-                <a16:creationId xmlns="" xmlns:a16="http://schemas.microsoft.com/office/drawing/2014/main" id="{C18762A2-13CF-4B97-8E63-7B3E5DC352EF}"/>
+                <a16:creationId xmlns:a16="http://schemas.microsoft.com/office/drawing/2014/main" id="{C18762A2-13CF-4B97-8E63-7B3E5DC352EF}"/>
               </a:ext>
             </a:extLst>
           </p:cNvPr>
@@ -6407,7 +6263,7 @@
           <p:cNvPr id="43" name="TextBox 42">
             <a:extLst>
               <a:ext uri="{FF2B5EF4-FFF2-40B4-BE49-F238E27FC236}">
-                <a16:creationId xmlns="" xmlns:a16="http://schemas.microsoft.com/office/drawing/2014/main" id="{C709F974-E49A-4B08-838F-5A6B9C856D49}"/>
+                <a16:creationId xmlns:a16="http://schemas.microsoft.com/office/drawing/2014/main" id="{C709F974-E49A-4B08-838F-5A6B9C856D49}"/>
               </a:ext>
             </a:extLst>
           </p:cNvPr>
@@ -6443,7 +6299,7 @@
           <p:cNvPr id="44" name="TextBox 43">
             <a:extLst>
               <a:ext uri="{FF2B5EF4-FFF2-40B4-BE49-F238E27FC236}">
-                <a16:creationId xmlns="" xmlns:a16="http://schemas.microsoft.com/office/drawing/2014/main" id="{75D80D74-4BB6-4A43-8D34-D91CE3F3D26B}"/>
+                <a16:creationId xmlns:a16="http://schemas.microsoft.com/office/drawing/2014/main" id="{75D80D74-4BB6-4A43-8D34-D91CE3F3D26B}"/>
               </a:ext>
             </a:extLst>
           </p:cNvPr>
@@ -6479,7 +6335,7 @@
           <p:cNvPr id="45" name="Arrow: Right 44">
             <a:extLst>
               <a:ext uri="{FF2B5EF4-FFF2-40B4-BE49-F238E27FC236}">
-                <a16:creationId xmlns="" xmlns:a16="http://schemas.microsoft.com/office/drawing/2014/main" id="{9C3C1338-0821-4682-8EF1-84C3A757D78C}"/>
+                <a16:creationId xmlns:a16="http://schemas.microsoft.com/office/drawing/2014/main" id="{9C3C1338-0821-4682-8EF1-84C3A757D78C}"/>
               </a:ext>
             </a:extLst>
           </p:cNvPr>
@@ -6525,7 +6381,7 @@
           <p:cNvPr id="46" name="Rectangle 45">
             <a:extLst>
               <a:ext uri="{FF2B5EF4-FFF2-40B4-BE49-F238E27FC236}">
-                <a16:creationId xmlns="" xmlns:a16="http://schemas.microsoft.com/office/drawing/2014/main" id="{6A4E7B7C-5436-47F3-811F-D5924F268E2A}"/>
+                <a16:creationId xmlns:a16="http://schemas.microsoft.com/office/drawing/2014/main" id="{6A4E7B7C-5436-47F3-811F-D5924F268E2A}"/>
               </a:ext>
             </a:extLst>
           </p:cNvPr>
@@ -6563,7 +6419,7 @@
           <p:cNvPr id="47" name="Rectangle 46">
             <a:extLst>
               <a:ext uri="{FF2B5EF4-FFF2-40B4-BE49-F238E27FC236}">
-                <a16:creationId xmlns="" xmlns:a16="http://schemas.microsoft.com/office/drawing/2014/main" id="{31D1C3A1-754B-465C-A814-3B3DF3E19256}"/>
+                <a16:creationId xmlns:a16="http://schemas.microsoft.com/office/drawing/2014/main" id="{31D1C3A1-754B-465C-A814-3B3DF3E19256}"/>
               </a:ext>
             </a:extLst>
           </p:cNvPr>
@@ -6586,14 +6442,11 @@
           <a:lstStyle/>
           <a:p>
             <a:r>
-              <a:rPr lang="en-CA" sz="1600" dirty="0" smtClean="0">
+              <a:rPr lang="en-CA" sz="1600" dirty="0">
                 <a:hlinkClick r:id="rId10"/>
               </a:rPr>
               <a:t>Sources: </a:t>
             </a:r>
-            <a:endParaRPr lang="en-CA" sz="1600" dirty="0">
-              <a:hlinkClick r:id="rId10"/>
-            </a:endParaRPr>
           </a:p>
           <a:p>
             <a:r>
@@ -6617,7 +6470,7 @@
           <p:cNvPr id="50" name="Content Placeholder 4" descr="A picture containing clock, meter&#10;&#10;Description automatically generated">
             <a:extLst>
               <a:ext uri="{FF2B5EF4-FFF2-40B4-BE49-F238E27FC236}">
-                <a16:creationId xmlns="" xmlns:a16="http://schemas.microsoft.com/office/drawing/2014/main" id="{DF5F6211-3B6F-469A-8616-35B8B7D01580}"/>
+                <a16:creationId xmlns:a16="http://schemas.microsoft.com/office/drawing/2014/main" id="{DF5F6211-3B6F-469A-8616-35B8B7D01580}"/>
               </a:ext>
             </a:extLst>
           </p:cNvPr>
@@ -6653,7 +6506,7 @@
           <p:cNvPr id="51" name="Content Placeholder 4" descr="A picture containing clock, meter&#10;&#10;Description automatically generated">
             <a:extLst>
               <a:ext uri="{FF2B5EF4-FFF2-40B4-BE49-F238E27FC236}">
-                <a16:creationId xmlns="" xmlns:a16="http://schemas.microsoft.com/office/drawing/2014/main" id="{060ACF17-DE25-41DF-9DD7-F38AEEF4AFC7}"/>
+                <a16:creationId xmlns:a16="http://schemas.microsoft.com/office/drawing/2014/main" id="{060ACF17-DE25-41DF-9DD7-F38AEEF4AFC7}"/>
               </a:ext>
             </a:extLst>
           </p:cNvPr>
@@ -6689,7 +6542,7 @@
           <p:cNvPr id="52" name="Content Placeholder 4" descr="A picture containing clock, meter&#10;&#10;Description automatically generated">
             <a:extLst>
               <a:ext uri="{FF2B5EF4-FFF2-40B4-BE49-F238E27FC236}">
-                <a16:creationId xmlns="" xmlns:a16="http://schemas.microsoft.com/office/drawing/2014/main" id="{42A74942-7B2E-484E-BDB3-D62D2669E6FB}"/>
+                <a16:creationId xmlns:a16="http://schemas.microsoft.com/office/drawing/2014/main" id="{42A74942-7B2E-484E-BDB3-D62D2669E6FB}"/>
               </a:ext>
             </a:extLst>
           </p:cNvPr>
@@ -6725,7 +6578,7 @@
           <p:cNvPr id="54" name="Content Placeholder 4" descr="A picture containing clock, meter&#10;&#10;Description automatically generated">
             <a:extLst>
               <a:ext uri="{FF2B5EF4-FFF2-40B4-BE49-F238E27FC236}">
-                <a16:creationId xmlns="" xmlns:a16="http://schemas.microsoft.com/office/drawing/2014/main" id="{23976E99-6304-4A26-A868-B45902DDE84E}"/>
+                <a16:creationId xmlns:a16="http://schemas.microsoft.com/office/drawing/2014/main" id="{23976E99-6304-4A26-A868-B45902DDE84E}"/>
               </a:ext>
             </a:extLst>
           </p:cNvPr>
@@ -6761,7 +6614,7 @@
           <p:cNvPr id="53" name="Content Placeholder 4" descr="A picture containing clock, meter&#10;&#10;Description automatically generated">
             <a:extLst>
               <a:ext uri="{FF2B5EF4-FFF2-40B4-BE49-F238E27FC236}">
-                <a16:creationId xmlns="" xmlns:a16="http://schemas.microsoft.com/office/drawing/2014/main" id="{C7EF310B-26BF-4233-8AB2-B5203D2BED8B}"/>
+                <a16:creationId xmlns:a16="http://schemas.microsoft.com/office/drawing/2014/main" id="{C7EF310B-26BF-4233-8AB2-B5203D2BED8B}"/>
               </a:ext>
             </a:extLst>
           </p:cNvPr>
@@ -6797,7 +6650,7 @@
           <p:cNvPr id="57" name="TextBox 56">
             <a:extLst>
               <a:ext uri="{FF2B5EF4-FFF2-40B4-BE49-F238E27FC236}">
-                <a16:creationId xmlns="" xmlns:a16="http://schemas.microsoft.com/office/drawing/2014/main" id="{A13A2ADC-EE2A-4E00-A83F-51A4E98D84A0}"/>
+                <a16:creationId xmlns:a16="http://schemas.microsoft.com/office/drawing/2014/main" id="{A13A2ADC-EE2A-4E00-A83F-51A4E98D84A0}"/>
               </a:ext>
             </a:extLst>
           </p:cNvPr>
@@ -6822,12 +6675,8 @@
           <a:p>
             <a:pPr algn="ctr"/>
             <a:r>
-              <a:rPr lang="en-CA" sz="1600" dirty="0" smtClean="0"/>
-              <a:t>Python </a:t>
-            </a:r>
-            <a:r>
               <a:rPr lang="en-CA" sz="1600" dirty="0"/>
-              <a:t>Flask generate Json</a:t>
+              <a:t>Python Flask generate Json</a:t>
             </a:r>
           </a:p>
         </p:txBody>
@@ -6866,13 +6715,1628 @@
   <p:clrMapOvr>
     <a:masterClrMapping/>
   </p:clrMapOvr>
-  <p:timing>
-    <p:tnLst>
-      <p:par>
-        <p:cTn id="1" dur="indefinite" restart="never" nodeType="tmRoot"/>
-      </p:par>
-    </p:tnLst>
-  </p:timing>
+</p:sld>
+</file>
+
+<file path=ppt/slides/slide5.xml><?xml version="1.0" encoding="utf-8"?>
+<p:sld xmlns:a="http://schemas.openxmlformats.org/drawingml/2006/main" xmlns:r="http://schemas.openxmlformats.org/officeDocument/2006/relationships" xmlns:p="http://schemas.openxmlformats.org/presentationml/2006/main">
+  <p:cSld>
+    <p:bg>
+      <p:bgPr>
+        <a:noFill/>
+        <a:effectLst/>
+      </p:bgPr>
+    </p:bg>
+    <p:spTree>
+      <p:nvGrpSpPr>
+        <p:cNvPr id="1" name=""/>
+        <p:cNvGrpSpPr/>
+        <p:nvPr/>
+      </p:nvGrpSpPr>
+      <p:grpSpPr>
+        <a:xfrm>
+          <a:off x="0" y="0"/>
+          <a:ext cx="0" cy="0"/>
+          <a:chOff x="0" y="0"/>
+          <a:chExt cx="0" cy="0"/>
+        </a:xfrm>
+      </p:grpSpPr>
+      <p:graphicFrame>
+        <p:nvGraphicFramePr>
+          <p:cNvPr id="5" name="Content Placeholder 4">
+            <a:extLst>
+              <a:ext uri="{FF2B5EF4-FFF2-40B4-BE49-F238E27FC236}">
+                <a16:creationId xmlns:a16="http://schemas.microsoft.com/office/drawing/2014/main" id="{116C4323-F7BB-4E5E-9AFA-15717E0D3A82}"/>
+              </a:ext>
+            </a:extLst>
+          </p:cNvPr>
+          <p:cNvGraphicFramePr>
+            <a:graphicFrameLocks noGrp="1"/>
+          </p:cNvGraphicFramePr>
+          <p:nvPr>
+            <p:ph idx="1"/>
+            <p:extLst>
+              <p:ext uri="{D42A27DB-BD31-4B8C-83A1-F6EECF244321}">
+                <p14:modId xmlns:p14="http://schemas.microsoft.com/office/powerpoint/2010/main" val="1180908363"/>
+              </p:ext>
+            </p:extLst>
+          </p:nvPr>
+        </p:nvGraphicFramePr>
+        <p:xfrm>
+          <a:off x="541168" y="3636432"/>
+          <a:ext cx="10515600" cy="1828800"/>
+        </p:xfrm>
+        <a:graphic>
+          <a:graphicData uri="http://schemas.openxmlformats.org/drawingml/2006/table">
+            <a:tbl>
+              <a:tblPr/>
+              <a:tblGrid>
+                <a:gridCol w="3505200">
+                  <a:extLst>
+                    <a:ext uri="{9D8B030D-6E8A-4147-A177-3AD203B41FA5}">
+                      <a16:colId xmlns:a16="http://schemas.microsoft.com/office/drawing/2014/main" val="3566642588"/>
+                    </a:ext>
+                  </a:extLst>
+                </a:gridCol>
+                <a:gridCol w="3505200">
+                  <a:extLst>
+                    <a:ext uri="{9D8B030D-6E8A-4147-A177-3AD203B41FA5}">
+                      <a16:colId xmlns:a16="http://schemas.microsoft.com/office/drawing/2014/main" val="3725561012"/>
+                    </a:ext>
+                  </a:extLst>
+                </a:gridCol>
+                <a:gridCol w="3505200">
+                  <a:extLst>
+                    <a:ext uri="{9D8B030D-6E8A-4147-A177-3AD203B41FA5}">
+                      <a16:colId xmlns:a16="http://schemas.microsoft.com/office/drawing/2014/main" val="4074017078"/>
+                    </a:ext>
+                  </a:extLst>
+                </a:gridCol>
+              </a:tblGrid>
+              <a:tr h="0">
+                <a:tc>
+                  <a:txBody>
+                    <a:bodyPr/>
+                    <a:lstStyle/>
+                    <a:p>
+                      <a:pPr algn="ctr"/>
+                      <a:r>
+                        <a:rPr lang="en-US" dirty="0">
+                          <a:effectLst/>
+                        </a:rPr>
+                        <a:t>Line</a:t>
+                      </a:r>
+                    </a:p>
+                  </a:txBody>
+                  <a:tcPr>
+                    <a:lnL w="7620" cap="flat" cmpd="sng" algn="ctr">
+                      <a:solidFill>
+                        <a:srgbClr val="A2A9B1"/>
+                      </a:solidFill>
+                      <a:prstDash val="solid"/>
+                      <a:round/>
+                      <a:headEnd type="none" w="med" len="med"/>
+                      <a:tailEnd type="none" w="med" len="med"/>
+                    </a:lnL>
+                    <a:lnR w="7620" cap="flat" cmpd="sng" algn="ctr">
+                      <a:solidFill>
+                        <a:srgbClr val="A2A9B1"/>
+                      </a:solidFill>
+                      <a:prstDash val="solid"/>
+                      <a:round/>
+                      <a:headEnd type="none" w="med" len="med"/>
+                      <a:tailEnd type="none" w="med" len="med"/>
+                    </a:lnR>
+                    <a:lnT w="7620" cap="flat" cmpd="sng" algn="ctr">
+                      <a:solidFill>
+                        <a:srgbClr val="A2A9B1"/>
+                      </a:solidFill>
+                      <a:prstDash val="solid"/>
+                      <a:round/>
+                      <a:headEnd type="none" w="med" len="med"/>
+                      <a:tailEnd type="none" w="med" len="med"/>
+                    </a:lnT>
+                    <a:lnB w="7620" cap="flat" cmpd="sng" algn="ctr">
+                      <a:solidFill>
+                        <a:srgbClr val="A2A9B1"/>
+                      </a:solidFill>
+                      <a:prstDash val="solid"/>
+                      <a:round/>
+                      <a:headEnd type="none" w="med" len="med"/>
+                      <a:tailEnd type="none" w="med" len="med"/>
+                    </a:lnB>
+                    <a:solidFill>
+                      <a:srgbClr val="EAECF0"/>
+                    </a:solidFill>
+                  </a:tcPr>
+                </a:tc>
+                <a:tc>
+                  <a:txBody>
+                    <a:bodyPr/>
+                    <a:lstStyle/>
+                    <a:p>
+                      <a:pPr algn="ctr"/>
+                      <a:r>
+                        <a:rPr lang="en-US" dirty="0">
+                          <a:effectLst/>
+                        </a:rPr>
+                        <a:t>Off-peak frequency</a:t>
+                      </a:r>
+                    </a:p>
+                  </a:txBody>
+                  <a:tcPr>
+                    <a:lnL w="7620" cap="flat" cmpd="sng" algn="ctr">
+                      <a:solidFill>
+                        <a:srgbClr val="A2A9B1"/>
+                      </a:solidFill>
+                      <a:prstDash val="solid"/>
+                      <a:round/>
+                      <a:headEnd type="none" w="med" len="med"/>
+                      <a:tailEnd type="none" w="med" len="med"/>
+                    </a:lnL>
+                    <a:lnR w="7620" cap="flat" cmpd="sng" algn="ctr">
+                      <a:solidFill>
+                        <a:srgbClr val="A2A9B1"/>
+                      </a:solidFill>
+                      <a:prstDash val="solid"/>
+                      <a:round/>
+                      <a:headEnd type="none" w="med" len="med"/>
+                      <a:tailEnd type="none" w="med" len="med"/>
+                    </a:lnR>
+                    <a:lnT w="7620" cap="flat" cmpd="sng" algn="ctr">
+                      <a:solidFill>
+                        <a:srgbClr val="A2A9B1"/>
+                      </a:solidFill>
+                      <a:prstDash val="solid"/>
+                      <a:round/>
+                      <a:headEnd type="none" w="med" len="med"/>
+                      <a:tailEnd type="none" w="med" len="med"/>
+                    </a:lnT>
+                    <a:lnB w="7620" cap="flat" cmpd="sng" algn="ctr">
+                      <a:solidFill>
+                        <a:srgbClr val="A2A9B1"/>
+                      </a:solidFill>
+                      <a:prstDash val="solid"/>
+                      <a:round/>
+                      <a:headEnd type="none" w="med" len="med"/>
+                      <a:tailEnd type="none" w="med" len="med"/>
+                    </a:lnB>
+                    <a:solidFill>
+                      <a:srgbClr val="EAECF0"/>
+                    </a:solidFill>
+                  </a:tcPr>
+                </a:tc>
+                <a:tc>
+                  <a:txBody>
+                    <a:bodyPr/>
+                    <a:lstStyle/>
+                    <a:p>
+                      <a:pPr algn="ctr"/>
+                      <a:r>
+                        <a:rPr lang="en-US" dirty="0">
+                          <a:effectLst/>
+                        </a:rPr>
+                        <a:t>Rush hour frequency</a:t>
+                      </a:r>
+                    </a:p>
+                  </a:txBody>
+                  <a:tcPr>
+                    <a:lnL w="7620" cap="flat" cmpd="sng" algn="ctr">
+                      <a:solidFill>
+                        <a:srgbClr val="A2A9B1"/>
+                      </a:solidFill>
+                      <a:prstDash val="solid"/>
+                      <a:round/>
+                      <a:headEnd type="none" w="med" len="med"/>
+                      <a:tailEnd type="none" w="med" len="med"/>
+                    </a:lnL>
+                    <a:lnR w="7620" cap="flat" cmpd="sng" algn="ctr">
+                      <a:solidFill>
+                        <a:srgbClr val="A2A9B1"/>
+                      </a:solidFill>
+                      <a:prstDash val="solid"/>
+                      <a:round/>
+                      <a:headEnd type="none" w="med" len="med"/>
+                      <a:tailEnd type="none" w="med" len="med"/>
+                    </a:lnR>
+                    <a:lnT w="7620" cap="flat" cmpd="sng" algn="ctr">
+                      <a:solidFill>
+                        <a:srgbClr val="A2A9B1"/>
+                      </a:solidFill>
+                      <a:prstDash val="solid"/>
+                      <a:round/>
+                      <a:headEnd type="none" w="med" len="med"/>
+                      <a:tailEnd type="none" w="med" len="med"/>
+                    </a:lnT>
+                    <a:lnB w="7620" cap="flat" cmpd="sng" algn="ctr">
+                      <a:solidFill>
+                        <a:srgbClr val="A2A9B1"/>
+                      </a:solidFill>
+                      <a:prstDash val="solid"/>
+                      <a:round/>
+                      <a:headEnd type="none" w="med" len="med"/>
+                      <a:tailEnd type="none" w="med" len="med"/>
+                    </a:lnB>
+                    <a:solidFill>
+                      <a:srgbClr val="EAECF0"/>
+                    </a:solidFill>
+                  </a:tcPr>
+                </a:tc>
+                <a:extLst>
+                  <a:ext uri="{0D108BD9-81ED-4DB2-BD59-A6C34878D82A}">
+                    <a16:rowId xmlns:a16="http://schemas.microsoft.com/office/drawing/2014/main" val="3642936658"/>
+                  </a:ext>
+                </a:extLst>
+              </a:tr>
+              <a:tr h="0">
+                <a:tc>
+                  <a:txBody>
+                    <a:bodyPr/>
+                    <a:lstStyle/>
+                    <a:p>
+                      <a:r>
+                        <a:rPr lang="en-US" dirty="0">
+                          <a:effectLst/>
+                        </a:rPr>
+                        <a:t>        </a:t>
+                      </a:r>
+                      <a:r>
+                        <a:rPr lang="en-US" u="none" strike="noStrike" dirty="0">
+                          <a:solidFill>
+                            <a:srgbClr val="0B0080"/>
+                          </a:solidFill>
+                          <a:effectLst/>
+                          <a:hlinkClick r:id="rId2" tooltip="Line 1 Yonge–University"/>
+                        </a:rPr>
+                        <a:t>Yonge–University</a:t>
+                      </a:r>
+                      <a:endParaRPr lang="en-US" dirty="0">
+                        <a:effectLst/>
+                      </a:endParaRPr>
+                    </a:p>
+                  </a:txBody>
+                  <a:tcPr anchor="ctr">
+                    <a:lnL w="7620" cap="flat" cmpd="sng" algn="ctr">
+                      <a:solidFill>
+                        <a:srgbClr val="A2A9B1"/>
+                      </a:solidFill>
+                      <a:prstDash val="solid"/>
+                      <a:round/>
+                      <a:headEnd type="none" w="med" len="med"/>
+                      <a:tailEnd type="none" w="med" len="med"/>
+                    </a:lnL>
+                    <a:lnR w="7620" cap="flat" cmpd="sng" algn="ctr">
+                      <a:solidFill>
+                        <a:srgbClr val="A2A9B1"/>
+                      </a:solidFill>
+                      <a:prstDash val="solid"/>
+                      <a:round/>
+                      <a:headEnd type="none" w="med" len="med"/>
+                      <a:tailEnd type="none" w="med" len="med"/>
+                    </a:lnR>
+                    <a:lnT w="7620" cap="flat" cmpd="sng" algn="ctr">
+                      <a:solidFill>
+                        <a:srgbClr val="A2A9B1"/>
+                      </a:solidFill>
+                      <a:prstDash val="solid"/>
+                      <a:round/>
+                      <a:headEnd type="none" w="med" len="med"/>
+                      <a:tailEnd type="none" w="med" len="med"/>
+                    </a:lnT>
+                    <a:lnB w="7620" cap="flat" cmpd="sng" algn="ctr">
+                      <a:solidFill>
+                        <a:srgbClr val="A2A9B1"/>
+                      </a:solidFill>
+                      <a:prstDash val="solid"/>
+                      <a:round/>
+                      <a:headEnd type="none" w="med" len="med"/>
+                      <a:tailEnd type="none" w="med" len="med"/>
+                    </a:lnB>
+                    <a:solidFill>
+                      <a:srgbClr val="F8F9FA"/>
+                    </a:solidFill>
+                  </a:tcPr>
+                </a:tc>
+                <a:tc>
+                  <a:txBody>
+                    <a:bodyPr/>
+                    <a:lstStyle/>
+                    <a:p>
+                      <a:r>
+                        <a:rPr lang="en-US" dirty="0">
+                          <a:effectLst/>
+                        </a:rPr>
+                        <a:t>3.5–5 minutes</a:t>
+                      </a:r>
+                    </a:p>
+                  </a:txBody>
+                  <a:tcPr anchor="ctr">
+                    <a:lnL w="7620" cap="flat" cmpd="sng" algn="ctr">
+                      <a:solidFill>
+                        <a:srgbClr val="A2A9B1"/>
+                      </a:solidFill>
+                      <a:prstDash val="solid"/>
+                      <a:round/>
+                      <a:headEnd type="none" w="med" len="med"/>
+                      <a:tailEnd type="none" w="med" len="med"/>
+                    </a:lnL>
+                    <a:lnR w="7620" cap="flat" cmpd="sng" algn="ctr">
+                      <a:solidFill>
+                        <a:srgbClr val="A2A9B1"/>
+                      </a:solidFill>
+                      <a:prstDash val="solid"/>
+                      <a:round/>
+                      <a:headEnd type="none" w="med" len="med"/>
+                      <a:tailEnd type="none" w="med" len="med"/>
+                    </a:lnR>
+                    <a:lnT w="7620" cap="flat" cmpd="sng" algn="ctr">
+                      <a:solidFill>
+                        <a:srgbClr val="A2A9B1"/>
+                      </a:solidFill>
+                      <a:prstDash val="solid"/>
+                      <a:round/>
+                      <a:headEnd type="none" w="med" len="med"/>
+                      <a:tailEnd type="none" w="med" len="med"/>
+                    </a:lnT>
+                    <a:lnB w="7620" cap="flat" cmpd="sng" algn="ctr">
+                      <a:solidFill>
+                        <a:srgbClr val="A2A9B1"/>
+                      </a:solidFill>
+                      <a:prstDash val="solid"/>
+                      <a:round/>
+                      <a:headEnd type="none" w="med" len="med"/>
+                      <a:tailEnd type="none" w="med" len="med"/>
+                    </a:lnB>
+                    <a:solidFill>
+                      <a:srgbClr val="F8F9FA"/>
+                    </a:solidFill>
+                  </a:tcPr>
+                </a:tc>
+                <a:tc>
+                  <a:txBody>
+                    <a:bodyPr/>
+                    <a:lstStyle/>
+                    <a:p>
+                      <a:r>
+                        <a:rPr lang="en-US">
+                          <a:effectLst/>
+                        </a:rPr>
+                        <a:t>2–3 minutes</a:t>
+                      </a:r>
+                    </a:p>
+                  </a:txBody>
+                  <a:tcPr anchor="ctr">
+                    <a:lnL w="7620" cap="flat" cmpd="sng" algn="ctr">
+                      <a:solidFill>
+                        <a:srgbClr val="A2A9B1"/>
+                      </a:solidFill>
+                      <a:prstDash val="solid"/>
+                      <a:round/>
+                      <a:headEnd type="none" w="med" len="med"/>
+                      <a:tailEnd type="none" w="med" len="med"/>
+                    </a:lnL>
+                    <a:lnR w="7620" cap="flat" cmpd="sng" algn="ctr">
+                      <a:solidFill>
+                        <a:srgbClr val="A2A9B1"/>
+                      </a:solidFill>
+                      <a:prstDash val="solid"/>
+                      <a:round/>
+                      <a:headEnd type="none" w="med" len="med"/>
+                      <a:tailEnd type="none" w="med" len="med"/>
+                    </a:lnR>
+                    <a:lnT w="7620" cap="flat" cmpd="sng" algn="ctr">
+                      <a:solidFill>
+                        <a:srgbClr val="A2A9B1"/>
+                      </a:solidFill>
+                      <a:prstDash val="solid"/>
+                      <a:round/>
+                      <a:headEnd type="none" w="med" len="med"/>
+                      <a:tailEnd type="none" w="med" len="med"/>
+                    </a:lnT>
+                    <a:lnB w="7620" cap="flat" cmpd="sng" algn="ctr">
+                      <a:solidFill>
+                        <a:srgbClr val="A2A9B1"/>
+                      </a:solidFill>
+                      <a:prstDash val="solid"/>
+                      <a:round/>
+                      <a:headEnd type="none" w="med" len="med"/>
+                      <a:tailEnd type="none" w="med" len="med"/>
+                    </a:lnB>
+                    <a:solidFill>
+                      <a:srgbClr val="F8F9FA"/>
+                    </a:solidFill>
+                  </a:tcPr>
+                </a:tc>
+                <a:extLst>
+                  <a:ext uri="{0D108BD9-81ED-4DB2-BD59-A6C34878D82A}">
+                    <a16:rowId xmlns:a16="http://schemas.microsoft.com/office/drawing/2014/main" val="3876303310"/>
+                  </a:ext>
+                </a:extLst>
+              </a:tr>
+              <a:tr h="0">
+                <a:tc>
+                  <a:txBody>
+                    <a:bodyPr/>
+                    <a:lstStyle/>
+                    <a:p>
+                      <a:r>
+                        <a:rPr lang="en-US" dirty="0">
+                          <a:effectLst/>
+                        </a:rPr>
+                        <a:t>        </a:t>
+                      </a:r>
+                      <a:r>
+                        <a:rPr lang="en-US" u="none" strike="noStrike" dirty="0">
+                          <a:solidFill>
+                            <a:srgbClr val="0B0080"/>
+                          </a:solidFill>
+                          <a:effectLst/>
+                          <a:hlinkClick r:id="rId3" tooltip="Line 2 Bloor–Danforth"/>
+                        </a:rPr>
+                        <a:t>Bloor–Danforth</a:t>
+                      </a:r>
+                      <a:endParaRPr lang="en-US" dirty="0">
+                        <a:effectLst/>
+                      </a:endParaRPr>
+                    </a:p>
+                  </a:txBody>
+                  <a:tcPr anchor="ctr">
+                    <a:lnL w="7620" cap="flat" cmpd="sng" algn="ctr">
+                      <a:solidFill>
+                        <a:srgbClr val="A2A9B1"/>
+                      </a:solidFill>
+                      <a:prstDash val="solid"/>
+                      <a:round/>
+                      <a:headEnd type="none" w="med" len="med"/>
+                      <a:tailEnd type="none" w="med" len="med"/>
+                    </a:lnL>
+                    <a:lnR w="7620" cap="flat" cmpd="sng" algn="ctr">
+                      <a:solidFill>
+                        <a:srgbClr val="A2A9B1"/>
+                      </a:solidFill>
+                      <a:prstDash val="solid"/>
+                      <a:round/>
+                      <a:headEnd type="none" w="med" len="med"/>
+                      <a:tailEnd type="none" w="med" len="med"/>
+                    </a:lnR>
+                    <a:lnT w="7620" cap="flat" cmpd="sng" algn="ctr">
+                      <a:solidFill>
+                        <a:srgbClr val="A2A9B1"/>
+                      </a:solidFill>
+                      <a:prstDash val="solid"/>
+                      <a:round/>
+                      <a:headEnd type="none" w="med" len="med"/>
+                      <a:tailEnd type="none" w="med" len="med"/>
+                    </a:lnT>
+                    <a:lnB w="7620" cap="flat" cmpd="sng" algn="ctr">
+                      <a:solidFill>
+                        <a:srgbClr val="A2A9B1"/>
+                      </a:solidFill>
+                      <a:prstDash val="solid"/>
+                      <a:round/>
+                      <a:headEnd type="none" w="med" len="med"/>
+                      <a:tailEnd type="none" w="med" len="med"/>
+                    </a:lnB>
+                    <a:solidFill>
+                      <a:srgbClr val="F8F9FA"/>
+                    </a:solidFill>
+                  </a:tcPr>
+                </a:tc>
+                <a:tc>
+                  <a:txBody>
+                    <a:bodyPr/>
+                    <a:lstStyle/>
+                    <a:p>
+                      <a:r>
+                        <a:rPr lang="en-US" dirty="0">
+                          <a:effectLst/>
+                        </a:rPr>
+                        <a:t>3–5 minutes</a:t>
+                      </a:r>
+                    </a:p>
+                  </a:txBody>
+                  <a:tcPr anchor="ctr">
+                    <a:lnL w="7620" cap="flat" cmpd="sng" algn="ctr">
+                      <a:solidFill>
+                        <a:srgbClr val="A2A9B1"/>
+                      </a:solidFill>
+                      <a:prstDash val="solid"/>
+                      <a:round/>
+                      <a:headEnd type="none" w="med" len="med"/>
+                      <a:tailEnd type="none" w="med" len="med"/>
+                    </a:lnL>
+                    <a:lnR w="7620" cap="flat" cmpd="sng" algn="ctr">
+                      <a:solidFill>
+                        <a:srgbClr val="A2A9B1"/>
+                      </a:solidFill>
+                      <a:prstDash val="solid"/>
+                      <a:round/>
+                      <a:headEnd type="none" w="med" len="med"/>
+                      <a:tailEnd type="none" w="med" len="med"/>
+                    </a:lnR>
+                    <a:lnT w="7620" cap="flat" cmpd="sng" algn="ctr">
+                      <a:solidFill>
+                        <a:srgbClr val="A2A9B1"/>
+                      </a:solidFill>
+                      <a:prstDash val="solid"/>
+                      <a:round/>
+                      <a:headEnd type="none" w="med" len="med"/>
+                      <a:tailEnd type="none" w="med" len="med"/>
+                    </a:lnT>
+                    <a:lnB w="7620" cap="flat" cmpd="sng" algn="ctr">
+                      <a:solidFill>
+                        <a:srgbClr val="A2A9B1"/>
+                      </a:solidFill>
+                      <a:prstDash val="solid"/>
+                      <a:round/>
+                      <a:headEnd type="none" w="med" len="med"/>
+                      <a:tailEnd type="none" w="med" len="med"/>
+                    </a:lnB>
+                    <a:solidFill>
+                      <a:srgbClr val="F8F9FA"/>
+                    </a:solidFill>
+                  </a:tcPr>
+                </a:tc>
+                <a:tc>
+                  <a:txBody>
+                    <a:bodyPr/>
+                    <a:lstStyle/>
+                    <a:p>
+                      <a:r>
+                        <a:rPr lang="en-US" dirty="0">
+                          <a:effectLst/>
+                        </a:rPr>
+                        <a:t>2–3 minutes</a:t>
+                      </a:r>
+                    </a:p>
+                  </a:txBody>
+                  <a:tcPr anchor="ctr">
+                    <a:lnL w="7620" cap="flat" cmpd="sng" algn="ctr">
+                      <a:solidFill>
+                        <a:srgbClr val="A2A9B1"/>
+                      </a:solidFill>
+                      <a:prstDash val="solid"/>
+                      <a:round/>
+                      <a:headEnd type="none" w="med" len="med"/>
+                      <a:tailEnd type="none" w="med" len="med"/>
+                    </a:lnL>
+                    <a:lnR w="7620" cap="flat" cmpd="sng" algn="ctr">
+                      <a:solidFill>
+                        <a:srgbClr val="A2A9B1"/>
+                      </a:solidFill>
+                      <a:prstDash val="solid"/>
+                      <a:round/>
+                      <a:headEnd type="none" w="med" len="med"/>
+                      <a:tailEnd type="none" w="med" len="med"/>
+                    </a:lnR>
+                    <a:lnT w="7620" cap="flat" cmpd="sng" algn="ctr">
+                      <a:solidFill>
+                        <a:srgbClr val="A2A9B1"/>
+                      </a:solidFill>
+                      <a:prstDash val="solid"/>
+                      <a:round/>
+                      <a:headEnd type="none" w="med" len="med"/>
+                      <a:tailEnd type="none" w="med" len="med"/>
+                    </a:lnT>
+                    <a:lnB w="7620" cap="flat" cmpd="sng" algn="ctr">
+                      <a:solidFill>
+                        <a:srgbClr val="A2A9B1"/>
+                      </a:solidFill>
+                      <a:prstDash val="solid"/>
+                      <a:round/>
+                      <a:headEnd type="none" w="med" len="med"/>
+                      <a:tailEnd type="none" w="med" len="med"/>
+                    </a:lnB>
+                    <a:solidFill>
+                      <a:srgbClr val="F8F9FA"/>
+                    </a:solidFill>
+                  </a:tcPr>
+                </a:tc>
+                <a:extLst>
+                  <a:ext uri="{0D108BD9-81ED-4DB2-BD59-A6C34878D82A}">
+                    <a16:rowId xmlns:a16="http://schemas.microsoft.com/office/drawing/2014/main" val="3516407103"/>
+                  </a:ext>
+                </a:extLst>
+              </a:tr>
+              <a:tr h="0">
+                <a:tc>
+                  <a:txBody>
+                    <a:bodyPr/>
+                    <a:lstStyle/>
+                    <a:p>
+                      <a:r>
+                        <a:rPr lang="en-US" dirty="0">
+                          <a:effectLst/>
+                        </a:rPr>
+                        <a:t>        </a:t>
+                      </a:r>
+                      <a:r>
+                        <a:rPr lang="en-US" u="none" strike="noStrike" dirty="0">
+                          <a:solidFill>
+                            <a:srgbClr val="0B0080"/>
+                          </a:solidFill>
+                          <a:effectLst/>
+                          <a:hlinkClick r:id="rId4" tooltip="Line 3 Scarborough"/>
+                        </a:rPr>
+                        <a:t>Scarborough</a:t>
+                      </a:r>
+                      <a:endParaRPr lang="en-US" dirty="0">
+                        <a:effectLst/>
+                      </a:endParaRPr>
+                    </a:p>
+                  </a:txBody>
+                  <a:tcPr anchor="ctr">
+                    <a:lnL w="7620" cap="flat" cmpd="sng" algn="ctr">
+                      <a:solidFill>
+                        <a:srgbClr val="A2A9B1"/>
+                      </a:solidFill>
+                      <a:prstDash val="solid"/>
+                      <a:round/>
+                      <a:headEnd type="none" w="med" len="med"/>
+                      <a:tailEnd type="none" w="med" len="med"/>
+                    </a:lnL>
+                    <a:lnR w="7620" cap="flat" cmpd="sng" algn="ctr">
+                      <a:solidFill>
+                        <a:srgbClr val="A2A9B1"/>
+                      </a:solidFill>
+                      <a:prstDash val="solid"/>
+                      <a:round/>
+                      <a:headEnd type="none" w="med" len="med"/>
+                      <a:tailEnd type="none" w="med" len="med"/>
+                    </a:lnR>
+                    <a:lnT w="7620" cap="flat" cmpd="sng" algn="ctr">
+                      <a:solidFill>
+                        <a:srgbClr val="A2A9B1"/>
+                      </a:solidFill>
+                      <a:prstDash val="solid"/>
+                      <a:round/>
+                      <a:headEnd type="none" w="med" len="med"/>
+                      <a:tailEnd type="none" w="med" len="med"/>
+                    </a:lnT>
+                    <a:lnB w="7620" cap="flat" cmpd="sng" algn="ctr">
+                      <a:solidFill>
+                        <a:srgbClr val="A2A9B1"/>
+                      </a:solidFill>
+                      <a:prstDash val="solid"/>
+                      <a:round/>
+                      <a:headEnd type="none" w="med" len="med"/>
+                      <a:tailEnd type="none" w="med" len="med"/>
+                    </a:lnB>
+                    <a:solidFill>
+                      <a:srgbClr val="F8F9FA"/>
+                    </a:solidFill>
+                  </a:tcPr>
+                </a:tc>
+                <a:tc>
+                  <a:txBody>
+                    <a:bodyPr/>
+                    <a:lstStyle/>
+                    <a:p>
+                      <a:r>
+                        <a:rPr lang="en-US">
+                          <a:effectLst/>
+                        </a:rPr>
+                        <a:t>6-7 minutes</a:t>
+                      </a:r>
+                    </a:p>
+                  </a:txBody>
+                  <a:tcPr anchor="ctr">
+                    <a:lnL w="7620" cap="flat" cmpd="sng" algn="ctr">
+                      <a:solidFill>
+                        <a:srgbClr val="A2A9B1"/>
+                      </a:solidFill>
+                      <a:prstDash val="solid"/>
+                      <a:round/>
+                      <a:headEnd type="none" w="med" len="med"/>
+                      <a:tailEnd type="none" w="med" len="med"/>
+                    </a:lnL>
+                    <a:lnR w="7620" cap="flat" cmpd="sng" algn="ctr">
+                      <a:solidFill>
+                        <a:srgbClr val="A2A9B1"/>
+                      </a:solidFill>
+                      <a:prstDash val="solid"/>
+                      <a:round/>
+                      <a:headEnd type="none" w="med" len="med"/>
+                      <a:tailEnd type="none" w="med" len="med"/>
+                    </a:lnR>
+                    <a:lnT w="7620" cap="flat" cmpd="sng" algn="ctr">
+                      <a:solidFill>
+                        <a:srgbClr val="A2A9B1"/>
+                      </a:solidFill>
+                      <a:prstDash val="solid"/>
+                      <a:round/>
+                      <a:headEnd type="none" w="med" len="med"/>
+                      <a:tailEnd type="none" w="med" len="med"/>
+                    </a:lnT>
+                    <a:lnB w="7620" cap="flat" cmpd="sng" algn="ctr">
+                      <a:solidFill>
+                        <a:srgbClr val="A2A9B1"/>
+                      </a:solidFill>
+                      <a:prstDash val="solid"/>
+                      <a:round/>
+                      <a:headEnd type="none" w="med" len="med"/>
+                      <a:tailEnd type="none" w="med" len="med"/>
+                    </a:lnB>
+                    <a:solidFill>
+                      <a:srgbClr val="F8F9FA"/>
+                    </a:solidFill>
+                  </a:tcPr>
+                </a:tc>
+                <a:tc>
+                  <a:txBody>
+                    <a:bodyPr/>
+                    <a:lstStyle/>
+                    <a:p>
+                      <a:r>
+                        <a:rPr lang="en-US" dirty="0">
+                          <a:effectLst/>
+                        </a:rPr>
+                        <a:t>5 minutes</a:t>
+                      </a:r>
+                    </a:p>
+                  </a:txBody>
+                  <a:tcPr anchor="ctr">
+                    <a:lnL w="7620" cap="flat" cmpd="sng" algn="ctr">
+                      <a:solidFill>
+                        <a:srgbClr val="A2A9B1"/>
+                      </a:solidFill>
+                      <a:prstDash val="solid"/>
+                      <a:round/>
+                      <a:headEnd type="none" w="med" len="med"/>
+                      <a:tailEnd type="none" w="med" len="med"/>
+                    </a:lnL>
+                    <a:lnR w="7620" cap="flat" cmpd="sng" algn="ctr">
+                      <a:solidFill>
+                        <a:srgbClr val="A2A9B1"/>
+                      </a:solidFill>
+                      <a:prstDash val="solid"/>
+                      <a:round/>
+                      <a:headEnd type="none" w="med" len="med"/>
+                      <a:tailEnd type="none" w="med" len="med"/>
+                    </a:lnR>
+                    <a:lnT w="7620" cap="flat" cmpd="sng" algn="ctr">
+                      <a:solidFill>
+                        <a:srgbClr val="A2A9B1"/>
+                      </a:solidFill>
+                      <a:prstDash val="solid"/>
+                      <a:round/>
+                      <a:headEnd type="none" w="med" len="med"/>
+                      <a:tailEnd type="none" w="med" len="med"/>
+                    </a:lnT>
+                    <a:lnB w="7620" cap="flat" cmpd="sng" algn="ctr">
+                      <a:solidFill>
+                        <a:srgbClr val="A2A9B1"/>
+                      </a:solidFill>
+                      <a:prstDash val="solid"/>
+                      <a:round/>
+                      <a:headEnd type="none" w="med" len="med"/>
+                      <a:tailEnd type="none" w="med" len="med"/>
+                    </a:lnB>
+                    <a:solidFill>
+                      <a:srgbClr val="F8F9FA"/>
+                    </a:solidFill>
+                  </a:tcPr>
+                </a:tc>
+                <a:extLst>
+                  <a:ext uri="{0D108BD9-81ED-4DB2-BD59-A6C34878D82A}">
+                    <a16:rowId xmlns:a16="http://schemas.microsoft.com/office/drawing/2014/main" val="3336548721"/>
+                  </a:ext>
+                </a:extLst>
+              </a:tr>
+              <a:tr h="0">
+                <a:tc>
+                  <a:txBody>
+                    <a:bodyPr/>
+                    <a:lstStyle/>
+                    <a:p>
+                      <a:r>
+                        <a:rPr lang="en-US" dirty="0">
+                          <a:effectLst/>
+                        </a:rPr>
+                        <a:t>        </a:t>
+                      </a:r>
+                      <a:r>
+                        <a:rPr lang="en-US" u="none" strike="noStrike" dirty="0">
+                          <a:solidFill>
+                            <a:srgbClr val="0B0080"/>
+                          </a:solidFill>
+                          <a:effectLst/>
+                          <a:hlinkClick r:id="rId5" tooltip="Line 4 Sheppard"/>
+                        </a:rPr>
+                        <a:t>Sheppard</a:t>
+                      </a:r>
+                      <a:endParaRPr lang="en-US" dirty="0">
+                        <a:effectLst/>
+                      </a:endParaRPr>
+                    </a:p>
+                  </a:txBody>
+                  <a:tcPr anchor="ctr">
+                    <a:lnL w="7620" cap="flat" cmpd="sng" algn="ctr">
+                      <a:solidFill>
+                        <a:srgbClr val="A2A9B1"/>
+                      </a:solidFill>
+                      <a:prstDash val="solid"/>
+                      <a:round/>
+                      <a:headEnd type="none" w="med" len="med"/>
+                      <a:tailEnd type="none" w="med" len="med"/>
+                    </a:lnL>
+                    <a:lnR w="7620" cap="flat" cmpd="sng" algn="ctr">
+                      <a:solidFill>
+                        <a:srgbClr val="A2A9B1"/>
+                      </a:solidFill>
+                      <a:prstDash val="solid"/>
+                      <a:round/>
+                      <a:headEnd type="none" w="med" len="med"/>
+                      <a:tailEnd type="none" w="med" len="med"/>
+                    </a:lnR>
+                    <a:lnT w="7620" cap="flat" cmpd="sng" algn="ctr">
+                      <a:solidFill>
+                        <a:srgbClr val="A2A9B1"/>
+                      </a:solidFill>
+                      <a:prstDash val="solid"/>
+                      <a:round/>
+                      <a:headEnd type="none" w="med" len="med"/>
+                      <a:tailEnd type="none" w="med" len="med"/>
+                    </a:lnT>
+                    <a:lnB w="7620" cap="flat" cmpd="sng" algn="ctr">
+                      <a:solidFill>
+                        <a:srgbClr val="A2A9B1"/>
+                      </a:solidFill>
+                      <a:prstDash val="solid"/>
+                      <a:round/>
+                      <a:headEnd type="none" w="med" len="med"/>
+                      <a:tailEnd type="none" w="med" len="med"/>
+                    </a:lnB>
+                    <a:solidFill>
+                      <a:srgbClr val="F8F9FA"/>
+                    </a:solidFill>
+                  </a:tcPr>
+                </a:tc>
+                <a:tc>
+                  <a:txBody>
+                    <a:bodyPr/>
+                    <a:lstStyle/>
+                    <a:p>
+                      <a:r>
+                        <a:rPr lang="en-US">
+                          <a:effectLst/>
+                        </a:rPr>
+                        <a:t>5.5 minutes</a:t>
+                      </a:r>
+                    </a:p>
+                  </a:txBody>
+                  <a:tcPr anchor="ctr">
+                    <a:lnL w="7620" cap="flat" cmpd="sng" algn="ctr">
+                      <a:solidFill>
+                        <a:srgbClr val="A2A9B1"/>
+                      </a:solidFill>
+                      <a:prstDash val="solid"/>
+                      <a:round/>
+                      <a:headEnd type="none" w="med" len="med"/>
+                      <a:tailEnd type="none" w="med" len="med"/>
+                    </a:lnL>
+                    <a:lnR w="7620" cap="flat" cmpd="sng" algn="ctr">
+                      <a:solidFill>
+                        <a:srgbClr val="A2A9B1"/>
+                      </a:solidFill>
+                      <a:prstDash val="solid"/>
+                      <a:round/>
+                      <a:headEnd type="none" w="med" len="med"/>
+                      <a:tailEnd type="none" w="med" len="med"/>
+                    </a:lnR>
+                    <a:lnT w="7620" cap="flat" cmpd="sng" algn="ctr">
+                      <a:solidFill>
+                        <a:srgbClr val="A2A9B1"/>
+                      </a:solidFill>
+                      <a:prstDash val="solid"/>
+                      <a:round/>
+                      <a:headEnd type="none" w="med" len="med"/>
+                      <a:tailEnd type="none" w="med" len="med"/>
+                    </a:lnT>
+                    <a:lnB w="7620" cap="flat" cmpd="sng" algn="ctr">
+                      <a:solidFill>
+                        <a:srgbClr val="A2A9B1"/>
+                      </a:solidFill>
+                      <a:prstDash val="solid"/>
+                      <a:round/>
+                      <a:headEnd type="none" w="med" len="med"/>
+                      <a:tailEnd type="none" w="med" len="med"/>
+                    </a:lnB>
+                    <a:solidFill>
+                      <a:srgbClr val="F8F9FA"/>
+                    </a:solidFill>
+                  </a:tcPr>
+                </a:tc>
+                <a:tc>
+                  <a:txBody>
+                    <a:bodyPr/>
+                    <a:lstStyle/>
+                    <a:p>
+                      <a:r>
+                        <a:rPr lang="en-US" dirty="0">
+                          <a:effectLst/>
+                        </a:rPr>
+                        <a:t>5.5 minutes</a:t>
+                      </a:r>
+                    </a:p>
+                  </a:txBody>
+                  <a:tcPr anchor="ctr">
+                    <a:lnL w="7620" cap="flat" cmpd="sng" algn="ctr">
+                      <a:solidFill>
+                        <a:srgbClr val="A2A9B1"/>
+                      </a:solidFill>
+                      <a:prstDash val="solid"/>
+                      <a:round/>
+                      <a:headEnd type="none" w="med" len="med"/>
+                      <a:tailEnd type="none" w="med" len="med"/>
+                    </a:lnL>
+                    <a:lnR w="7620" cap="flat" cmpd="sng" algn="ctr">
+                      <a:solidFill>
+                        <a:srgbClr val="A2A9B1"/>
+                      </a:solidFill>
+                      <a:prstDash val="solid"/>
+                      <a:round/>
+                      <a:headEnd type="none" w="med" len="med"/>
+                      <a:tailEnd type="none" w="med" len="med"/>
+                    </a:lnR>
+                    <a:lnT w="7620" cap="flat" cmpd="sng" algn="ctr">
+                      <a:solidFill>
+                        <a:srgbClr val="A2A9B1"/>
+                      </a:solidFill>
+                      <a:prstDash val="solid"/>
+                      <a:round/>
+                      <a:headEnd type="none" w="med" len="med"/>
+                      <a:tailEnd type="none" w="med" len="med"/>
+                    </a:lnT>
+                    <a:lnB w="7620" cap="flat" cmpd="sng" algn="ctr">
+                      <a:solidFill>
+                        <a:srgbClr val="A2A9B1"/>
+                      </a:solidFill>
+                      <a:prstDash val="solid"/>
+                      <a:round/>
+                      <a:headEnd type="none" w="med" len="med"/>
+                      <a:tailEnd type="none" w="med" len="med"/>
+                    </a:lnB>
+                    <a:solidFill>
+                      <a:srgbClr val="F8F9FA"/>
+                    </a:solidFill>
+                  </a:tcPr>
+                </a:tc>
+                <a:extLst>
+                  <a:ext uri="{0D108BD9-81ED-4DB2-BD59-A6C34878D82A}">
+                    <a16:rowId xmlns:a16="http://schemas.microsoft.com/office/drawing/2014/main" val="3804904752"/>
+                  </a:ext>
+                </a:extLst>
+              </a:tr>
+            </a:tbl>
+          </a:graphicData>
+        </a:graphic>
+      </p:graphicFrame>
+      <p:sp>
+        <p:nvSpPr>
+          <p:cNvPr id="4" name="Slide Number Placeholder 3">
+            <a:extLst>
+              <a:ext uri="{FF2B5EF4-FFF2-40B4-BE49-F238E27FC236}">
+                <a16:creationId xmlns:a16="http://schemas.microsoft.com/office/drawing/2014/main" id="{A84F05A0-7D1C-466E-B096-09963E83476D}"/>
+              </a:ext>
+            </a:extLst>
+          </p:cNvPr>
+          <p:cNvSpPr>
+            <a:spLocks noGrp="1"/>
+          </p:cNvSpPr>
+          <p:nvPr>
+            <p:ph type="sldNum" sz="quarter" idx="12"/>
+          </p:nvPr>
+        </p:nvSpPr>
+        <p:spPr/>
+        <p:txBody>
+          <a:bodyPr/>
+          <a:lstStyle/>
+          <a:p>
+            <a:fld id="{535C59D2-005D-47EB-A16C-A9C1B19FFA3C}" type="slidenum">
+              <a:rPr lang="en-CA" smtClean="0"/>
+              <a:t>5</a:t>
+            </a:fld>
+            <a:endParaRPr lang="en-CA"/>
+          </a:p>
+        </p:txBody>
+      </p:sp>
+      <p:sp>
+        <p:nvSpPr>
+          <p:cNvPr id="6" name="Rectangle 2">
+            <a:extLst>
+              <a:ext uri="{FF2B5EF4-FFF2-40B4-BE49-F238E27FC236}">
+                <a16:creationId xmlns:a16="http://schemas.microsoft.com/office/drawing/2014/main" id="{B51CA39D-AB42-41AB-A9F9-DFA9540A5751}"/>
+              </a:ext>
+            </a:extLst>
+          </p:cNvPr>
+          <p:cNvSpPr>
+            <a:spLocks noChangeArrowheads="1"/>
+          </p:cNvSpPr>
+          <p:nvPr/>
+        </p:nvSpPr>
+        <p:spPr bwMode="auto">
+          <a:xfrm>
+            <a:off x="3199660" y="590606"/>
+            <a:ext cx="5198616" cy="1002182"/>
+          </a:xfrm>
+          <a:prstGeom prst="rect">
+            <a:avLst/>
+          </a:prstGeom>
+          <a:noFill/>
+          <a:ln>
+            <a:noFill/>
+          </a:ln>
+          <a:effectLst/>
+          <a:extLst>
+            <a:ext uri="{909E8E84-426E-40DD-AFC4-6F175D3DCCD1}">
+              <a14:hiddenFill xmlns:a14="http://schemas.microsoft.com/office/drawing/2010/main">
+                <a:solidFill>
+                  <a:schemeClr val="accent1"/>
+                </a:solidFill>
+              </a14:hiddenFill>
+            </a:ext>
+            <a:ext uri="{91240B29-F687-4F45-9708-019B960494DF}">
+              <a14:hiddenLine xmlns:a14="http://schemas.microsoft.com/office/drawing/2010/main" w="9525">
+                <a:solidFill>
+                  <a:schemeClr val="tx1"/>
+                </a:solidFill>
+                <a:miter lim="800000"/>
+                <a:headEnd/>
+                <a:tailEnd/>
+              </a14:hiddenLine>
+            </a:ext>
+            <a:ext uri="{AF507438-7753-43E0-B8FC-AC1667EBCBE1}">
+              <a14:hiddenEffects xmlns:a14="http://schemas.microsoft.com/office/drawing/2010/main">
+                <a:effectLst>
+                  <a:outerShdw dist="35921" dir="2700000" algn="ctr" rotWithShape="0">
+                    <a:schemeClr val="bg2"/>
+                  </a:outerShdw>
+                </a:effectLst>
+              </a14:hiddenEffects>
+            </a:ext>
+          </a:extLst>
+        </p:spPr>
+        <p:txBody>
+          <a:bodyPr vert="horz" wrap="square" lIns="0" tIns="47610" rIns="0" bIns="0" numCol="1" anchor="ctr" anchorCtr="0" compatLnSpc="1">
+            <a:prstTxWarp prst="textNoShape">
+              <a:avLst/>
+            </a:prstTxWarp>
+            <a:spAutoFit/>
+          </a:bodyPr>
+          <a:lstStyle>
+            <a:lvl1pPr eaLnBrk="0" fontAlgn="base" hangingPunct="0">
+              <a:spcBef>
+                <a:spcPct val="0"/>
+              </a:spcBef>
+              <a:spcAft>
+                <a:spcPct val="0"/>
+              </a:spcAft>
+              <a:defRPr>
+                <a:solidFill>
+                  <a:schemeClr val="tx1"/>
+                </a:solidFill>
+                <a:latin typeface="Arial" panose="020B0604020202020204" pitchFamily="34" charset="0"/>
+              </a:defRPr>
+            </a:lvl1pPr>
+            <a:lvl2pPr eaLnBrk="0" fontAlgn="base" hangingPunct="0">
+              <a:spcBef>
+                <a:spcPct val="0"/>
+              </a:spcBef>
+              <a:spcAft>
+                <a:spcPct val="0"/>
+              </a:spcAft>
+              <a:defRPr>
+                <a:solidFill>
+                  <a:schemeClr val="tx1"/>
+                </a:solidFill>
+                <a:latin typeface="Arial" panose="020B0604020202020204" pitchFamily="34" charset="0"/>
+              </a:defRPr>
+            </a:lvl2pPr>
+            <a:lvl3pPr eaLnBrk="0" fontAlgn="base" hangingPunct="0">
+              <a:spcBef>
+                <a:spcPct val="0"/>
+              </a:spcBef>
+              <a:spcAft>
+                <a:spcPct val="0"/>
+              </a:spcAft>
+              <a:defRPr>
+                <a:solidFill>
+                  <a:schemeClr val="tx1"/>
+                </a:solidFill>
+                <a:latin typeface="Arial" panose="020B0604020202020204" pitchFamily="34" charset="0"/>
+              </a:defRPr>
+            </a:lvl3pPr>
+            <a:lvl4pPr eaLnBrk="0" fontAlgn="base" hangingPunct="0">
+              <a:spcBef>
+                <a:spcPct val="0"/>
+              </a:spcBef>
+              <a:spcAft>
+                <a:spcPct val="0"/>
+              </a:spcAft>
+              <a:defRPr>
+                <a:solidFill>
+                  <a:schemeClr val="tx1"/>
+                </a:solidFill>
+                <a:latin typeface="Arial" panose="020B0604020202020204" pitchFamily="34" charset="0"/>
+              </a:defRPr>
+            </a:lvl4pPr>
+            <a:lvl5pPr eaLnBrk="0" fontAlgn="base" hangingPunct="0">
+              <a:spcBef>
+                <a:spcPct val="0"/>
+              </a:spcBef>
+              <a:spcAft>
+                <a:spcPct val="0"/>
+              </a:spcAft>
+              <a:defRPr>
+                <a:solidFill>
+                  <a:schemeClr val="tx1"/>
+                </a:solidFill>
+                <a:latin typeface="Arial" panose="020B0604020202020204" pitchFamily="34" charset="0"/>
+              </a:defRPr>
+            </a:lvl5pPr>
+            <a:lvl6pPr eaLnBrk="0" fontAlgn="base" hangingPunct="0">
+              <a:spcBef>
+                <a:spcPct val="0"/>
+              </a:spcBef>
+              <a:spcAft>
+                <a:spcPct val="0"/>
+              </a:spcAft>
+              <a:defRPr>
+                <a:solidFill>
+                  <a:schemeClr val="tx1"/>
+                </a:solidFill>
+                <a:latin typeface="Arial" panose="020B0604020202020204" pitchFamily="34" charset="0"/>
+              </a:defRPr>
+            </a:lvl6pPr>
+            <a:lvl7pPr eaLnBrk="0" fontAlgn="base" hangingPunct="0">
+              <a:spcBef>
+                <a:spcPct val="0"/>
+              </a:spcBef>
+              <a:spcAft>
+                <a:spcPct val="0"/>
+              </a:spcAft>
+              <a:defRPr>
+                <a:solidFill>
+                  <a:schemeClr val="tx1"/>
+                </a:solidFill>
+                <a:latin typeface="Arial" panose="020B0604020202020204" pitchFamily="34" charset="0"/>
+              </a:defRPr>
+            </a:lvl7pPr>
+            <a:lvl8pPr eaLnBrk="0" fontAlgn="base" hangingPunct="0">
+              <a:spcBef>
+                <a:spcPct val="0"/>
+              </a:spcBef>
+              <a:spcAft>
+                <a:spcPct val="0"/>
+              </a:spcAft>
+              <a:defRPr>
+                <a:solidFill>
+                  <a:schemeClr val="tx1"/>
+                </a:solidFill>
+                <a:latin typeface="Arial" panose="020B0604020202020204" pitchFamily="34" charset="0"/>
+              </a:defRPr>
+            </a:lvl8pPr>
+            <a:lvl9pPr eaLnBrk="0" fontAlgn="base" hangingPunct="0">
+              <a:spcBef>
+                <a:spcPct val="0"/>
+              </a:spcBef>
+              <a:spcAft>
+                <a:spcPct val="0"/>
+              </a:spcAft>
+              <a:defRPr>
+                <a:solidFill>
+                  <a:schemeClr val="tx1"/>
+                </a:solidFill>
+                <a:latin typeface="Arial" panose="020B0604020202020204" pitchFamily="34" charset="0"/>
+              </a:defRPr>
+            </a:lvl9pPr>
+          </a:lstStyle>
+          <a:p>
+            <a:pPr marL="0" marR="0" lvl="0" indent="0" algn="l" defTabSz="914400" rtl="0" eaLnBrk="0" fontAlgn="base" latinLnBrk="0" hangingPunct="0">
+              <a:lnSpc>
+                <a:spcPct val="100000"/>
+              </a:lnSpc>
+              <a:spcBef>
+                <a:spcPct val="0"/>
+              </a:spcBef>
+              <a:spcAft>
+                <a:spcPct val="0"/>
+              </a:spcAft>
+              <a:buClrTx/>
+              <a:buSzTx/>
+              <a:buFontTx/>
+              <a:buNone/>
+              <a:tabLst/>
+            </a:pPr>
+            <a:r>
+              <a:rPr kumimoji="0" lang="en-US" altLang="en-US" sz="4400" b="1" i="0" u="none" strike="noStrike" cap="none" normalizeH="0" baseline="0" dirty="0">
+                <a:ln>
+                  <a:noFill/>
+                </a:ln>
+                <a:solidFill>
+                  <a:srgbClr val="000000"/>
+                </a:solidFill>
+                <a:effectLst/>
+                <a:latin typeface="Arial" panose="020B0604020202020204" pitchFamily="34" charset="0"/>
+                <a:cs typeface="Arial" panose="020B0604020202020204" pitchFamily="34" charset="0"/>
+              </a:rPr>
+              <a:t>Service frequency</a:t>
+            </a:r>
+            <a:endParaRPr kumimoji="0" lang="en-US" altLang="en-US" sz="800" b="0" i="0" u="none" strike="noStrike" cap="none" normalizeH="0" baseline="0" dirty="0">
+              <a:ln>
+                <a:noFill/>
+              </a:ln>
+              <a:solidFill>
+                <a:schemeClr val="tx1"/>
+              </a:solidFill>
+              <a:effectLst/>
+            </a:endParaRPr>
+          </a:p>
+          <a:p>
+            <a:pPr marL="0" marR="0" lvl="0" indent="0" algn="l" defTabSz="914400" rtl="0" eaLnBrk="0" fontAlgn="base" latinLnBrk="0" hangingPunct="0">
+              <a:lnSpc>
+                <a:spcPct val="100000"/>
+              </a:lnSpc>
+              <a:spcBef>
+                <a:spcPct val="0"/>
+              </a:spcBef>
+              <a:spcAft>
+                <a:spcPct val="0"/>
+              </a:spcAft>
+              <a:buClrTx/>
+              <a:buSzTx/>
+              <a:buFontTx/>
+              <a:buNone/>
+              <a:tabLst/>
+            </a:pPr>
+            <a:endParaRPr kumimoji="0" lang="en-US" altLang="en-US" sz="1800" b="0" i="0" u="none" strike="noStrike" cap="none" normalizeH="0" baseline="0" dirty="0">
+              <a:ln>
+                <a:noFill/>
+              </a:ln>
+              <a:solidFill>
+                <a:schemeClr val="tx1"/>
+              </a:solidFill>
+              <a:effectLst/>
+              <a:latin typeface="Arial" panose="020B0604020202020204" pitchFamily="34" charset="0"/>
+            </a:endParaRPr>
+          </a:p>
+        </p:txBody>
+      </p:sp>
+      <p:pic>
+        <p:nvPicPr>
+          <p:cNvPr id="2051" name="Picture 3">
+            <a:hlinkClick r:id="rId2" tooltip="Line 1 Yonge–University"/>
+            <a:extLst>
+              <a:ext uri="{FF2B5EF4-FFF2-40B4-BE49-F238E27FC236}">
+                <a16:creationId xmlns:a16="http://schemas.microsoft.com/office/drawing/2014/main" id="{6AC07199-6F89-433F-A21D-4ADA7782BCD1}"/>
+              </a:ext>
+            </a:extLst>
+          </p:cNvPr>
+          <p:cNvPicPr>
+            <a:picLocks noChangeAspect="1" noChangeArrowheads="1"/>
+          </p:cNvPicPr>
+          <p:nvPr/>
+        </p:nvPicPr>
+        <p:blipFill>
+          <a:blip r:embed="rId6">
+            <a:extLst>
+              <a:ext uri="{28A0092B-C50C-407E-A947-70E740481C1C}">
+                <a14:useLocalDpi xmlns:a14="http://schemas.microsoft.com/office/drawing/2010/main" val="0"/>
+              </a:ext>
+            </a:extLst>
+          </a:blip>
+          <a:srcRect/>
+          <a:stretch>
+            <a:fillRect/>
+          </a:stretch>
+        </p:blipFill>
+        <p:spPr bwMode="auto">
+          <a:xfrm>
+            <a:off x="685800" y="4157105"/>
+            <a:ext cx="152400" cy="152400"/>
+          </a:xfrm>
+          <a:prstGeom prst="rect">
+            <a:avLst/>
+          </a:prstGeom>
+          <a:noFill/>
+          <a:extLst>
+            <a:ext uri="{909E8E84-426E-40DD-AFC4-6F175D3DCCD1}">
+              <a14:hiddenFill xmlns:a14="http://schemas.microsoft.com/office/drawing/2010/main">
+                <a:solidFill>
+                  <a:srgbClr val="FFFFFF"/>
+                </a:solidFill>
+              </a14:hiddenFill>
+            </a:ext>
+          </a:extLst>
+        </p:spPr>
+      </p:pic>
+      <p:pic>
+        <p:nvPicPr>
+          <p:cNvPr id="2052" name="Picture 4">
+            <a:hlinkClick r:id="rId3" tooltip="Line 2 Bloor–Danforth"/>
+            <a:extLst>
+              <a:ext uri="{FF2B5EF4-FFF2-40B4-BE49-F238E27FC236}">
+                <a16:creationId xmlns:a16="http://schemas.microsoft.com/office/drawing/2014/main" id="{E444104D-16EB-4092-AB8E-4E14EF8606C7}"/>
+              </a:ext>
+            </a:extLst>
+          </p:cNvPr>
+          <p:cNvPicPr>
+            <a:picLocks noChangeAspect="1" noChangeArrowheads="1"/>
+          </p:cNvPicPr>
+          <p:nvPr/>
+        </p:nvPicPr>
+        <p:blipFill>
+          <a:blip r:embed="rId7">
+            <a:extLst>
+              <a:ext uri="{28A0092B-C50C-407E-A947-70E740481C1C}">
+                <a14:useLocalDpi xmlns:a14="http://schemas.microsoft.com/office/drawing/2010/main" val="0"/>
+              </a:ext>
+            </a:extLst>
+          </a:blip>
+          <a:srcRect/>
+          <a:stretch>
+            <a:fillRect/>
+          </a:stretch>
+        </p:blipFill>
+        <p:spPr bwMode="auto">
+          <a:xfrm>
+            <a:off x="698699" y="4474632"/>
+            <a:ext cx="152400" cy="152400"/>
+          </a:xfrm>
+          <a:prstGeom prst="rect">
+            <a:avLst/>
+          </a:prstGeom>
+          <a:noFill/>
+          <a:extLst>
+            <a:ext uri="{909E8E84-426E-40DD-AFC4-6F175D3DCCD1}">
+              <a14:hiddenFill xmlns:a14="http://schemas.microsoft.com/office/drawing/2010/main">
+                <a:solidFill>
+                  <a:srgbClr val="FFFFFF"/>
+                </a:solidFill>
+              </a14:hiddenFill>
+            </a:ext>
+          </a:extLst>
+        </p:spPr>
+      </p:pic>
+      <p:pic>
+        <p:nvPicPr>
+          <p:cNvPr id="2053" name="Picture 5">
+            <a:hlinkClick r:id="rId4" tooltip="Line 3 Scarborough"/>
+            <a:extLst>
+              <a:ext uri="{FF2B5EF4-FFF2-40B4-BE49-F238E27FC236}">
+                <a16:creationId xmlns:a16="http://schemas.microsoft.com/office/drawing/2014/main" id="{7F2DB5B8-8B51-4F43-BB6C-1CE547F148BE}"/>
+              </a:ext>
+            </a:extLst>
+          </p:cNvPr>
+          <p:cNvPicPr>
+            <a:picLocks noChangeAspect="1" noChangeArrowheads="1"/>
+          </p:cNvPicPr>
+          <p:nvPr/>
+        </p:nvPicPr>
+        <p:blipFill>
+          <a:blip r:embed="rId8">
+            <a:extLst>
+              <a:ext uri="{28A0092B-C50C-407E-A947-70E740481C1C}">
+                <a14:useLocalDpi xmlns:a14="http://schemas.microsoft.com/office/drawing/2010/main" val="0"/>
+              </a:ext>
+            </a:extLst>
+          </a:blip>
+          <a:srcRect/>
+          <a:stretch>
+            <a:fillRect/>
+          </a:stretch>
+        </p:blipFill>
+        <p:spPr bwMode="auto">
+          <a:xfrm>
+            <a:off x="700600" y="4817532"/>
+            <a:ext cx="152400" cy="152400"/>
+          </a:xfrm>
+          <a:prstGeom prst="rect">
+            <a:avLst/>
+          </a:prstGeom>
+          <a:noFill/>
+          <a:extLst>
+            <a:ext uri="{909E8E84-426E-40DD-AFC4-6F175D3DCCD1}">
+              <a14:hiddenFill xmlns:a14="http://schemas.microsoft.com/office/drawing/2010/main">
+                <a:solidFill>
+                  <a:srgbClr val="FFFFFF"/>
+                </a:solidFill>
+              </a14:hiddenFill>
+            </a:ext>
+          </a:extLst>
+        </p:spPr>
+      </p:pic>
+      <p:pic>
+        <p:nvPicPr>
+          <p:cNvPr id="2054" name="Picture 6">
+            <a:hlinkClick r:id="rId5" tooltip="Line 4 Sheppard"/>
+            <a:extLst>
+              <a:ext uri="{FF2B5EF4-FFF2-40B4-BE49-F238E27FC236}">
+                <a16:creationId xmlns:a16="http://schemas.microsoft.com/office/drawing/2014/main" id="{FD18B96E-5883-4F0B-8BE0-5A912029F977}"/>
+              </a:ext>
+            </a:extLst>
+          </p:cNvPr>
+          <p:cNvPicPr>
+            <a:picLocks noChangeAspect="1" noChangeArrowheads="1"/>
+          </p:cNvPicPr>
+          <p:nvPr/>
+        </p:nvPicPr>
+        <p:blipFill>
+          <a:blip r:embed="rId9">
+            <a:extLst>
+              <a:ext uri="{28A0092B-C50C-407E-A947-70E740481C1C}">
+                <a14:useLocalDpi xmlns:a14="http://schemas.microsoft.com/office/drawing/2010/main" val="0"/>
+              </a:ext>
+            </a:extLst>
+          </a:blip>
+          <a:srcRect/>
+          <a:stretch>
+            <a:fillRect/>
+          </a:stretch>
+        </p:blipFill>
+        <p:spPr bwMode="auto">
+          <a:xfrm>
+            <a:off x="685800" y="5190611"/>
+            <a:ext cx="152400" cy="152400"/>
+          </a:xfrm>
+          <a:prstGeom prst="rect">
+            <a:avLst/>
+          </a:prstGeom>
+          <a:noFill/>
+          <a:extLst>
+            <a:ext uri="{909E8E84-426E-40DD-AFC4-6F175D3DCCD1}">
+              <a14:hiddenFill xmlns:a14="http://schemas.microsoft.com/office/drawing/2010/main">
+                <a:solidFill>
+                  <a:srgbClr val="FFFFFF"/>
+                </a:solidFill>
+              </a14:hiddenFill>
+            </a:ext>
+          </a:extLst>
+        </p:spPr>
+      </p:pic>
+      <p:sp>
+        <p:nvSpPr>
+          <p:cNvPr id="7" name="Rectangle 6">
+            <a:extLst>
+              <a:ext uri="{FF2B5EF4-FFF2-40B4-BE49-F238E27FC236}">
+                <a16:creationId xmlns:a16="http://schemas.microsoft.com/office/drawing/2014/main" id="{500D4E63-9ED1-4BBB-BD79-31A5AE1323D6}"/>
+              </a:ext>
+            </a:extLst>
+          </p:cNvPr>
+          <p:cNvSpPr/>
+          <p:nvPr/>
+        </p:nvSpPr>
+        <p:spPr>
+          <a:xfrm>
+            <a:off x="490305" y="2225731"/>
+            <a:ext cx="9798913" cy="923330"/>
+          </a:xfrm>
+          <a:prstGeom prst="rect">
+            <a:avLst/>
+          </a:prstGeom>
+        </p:spPr>
+        <p:txBody>
+          <a:bodyPr wrap="square">
+            <a:spAutoFit/>
+          </a:bodyPr>
+          <a:lstStyle/>
+          <a:p>
+            <a:r>
+              <a:rPr lang="en-US" altLang="en-US" dirty="0">
+                <a:solidFill>
+                  <a:srgbClr val="222222"/>
+                </a:solidFill>
+                <a:latin typeface="Arial" panose="020B0604020202020204" pitchFamily="34" charset="0"/>
+                <a:cs typeface="Arial" panose="020B0604020202020204" pitchFamily="34" charset="0"/>
+              </a:rPr>
+              <a:t>During rush hour, up to </a:t>
+            </a:r>
+            <a:r>
+              <a:rPr lang="en-US" altLang="en-US" dirty="0">
+                <a:solidFill>
+                  <a:srgbClr val="222222"/>
+                </a:solidFill>
+                <a:highlight>
+                  <a:srgbClr val="FFFF00"/>
+                </a:highlight>
+                <a:latin typeface="Arial" panose="020B0604020202020204" pitchFamily="34" charset="0"/>
+                <a:cs typeface="Arial" panose="020B0604020202020204" pitchFamily="34" charset="0"/>
+              </a:rPr>
+              <a:t>65</a:t>
+            </a:r>
+            <a:r>
+              <a:rPr lang="en-US" altLang="en-US" dirty="0">
+                <a:solidFill>
+                  <a:srgbClr val="222222"/>
+                </a:solidFill>
+                <a:latin typeface="Arial" panose="020B0604020202020204" pitchFamily="34" charset="0"/>
+                <a:cs typeface="Arial" panose="020B0604020202020204" pitchFamily="34" charset="0"/>
+              </a:rPr>
+              <a:t> trains are on Line 1 simultaneously, </a:t>
+            </a:r>
+            <a:r>
+              <a:rPr lang="en-US" altLang="en-US" dirty="0">
+                <a:solidFill>
+                  <a:srgbClr val="222222"/>
+                </a:solidFill>
+                <a:highlight>
+                  <a:srgbClr val="00FF00"/>
+                </a:highlight>
+                <a:latin typeface="Arial" panose="020B0604020202020204" pitchFamily="34" charset="0"/>
+                <a:cs typeface="Arial" panose="020B0604020202020204" pitchFamily="34" charset="0"/>
+              </a:rPr>
+              <a:t>45</a:t>
+            </a:r>
+            <a:r>
+              <a:rPr lang="en-US" altLang="en-US" dirty="0">
+                <a:solidFill>
+                  <a:srgbClr val="222222"/>
+                </a:solidFill>
+                <a:latin typeface="Arial" panose="020B0604020202020204" pitchFamily="34" charset="0"/>
+                <a:cs typeface="Arial" panose="020B0604020202020204" pitchFamily="34" charset="0"/>
+              </a:rPr>
+              <a:t> trains on Line 2, </a:t>
+            </a:r>
+            <a:r>
+              <a:rPr lang="en-US" altLang="en-US" dirty="0">
+                <a:solidFill>
+                  <a:srgbClr val="222222"/>
+                </a:solidFill>
+                <a:highlight>
+                  <a:srgbClr val="0000FF"/>
+                </a:highlight>
+                <a:latin typeface="Arial" panose="020B0604020202020204" pitchFamily="34" charset="0"/>
+                <a:cs typeface="Arial" panose="020B0604020202020204" pitchFamily="34" charset="0"/>
+              </a:rPr>
+              <a:t>5</a:t>
+            </a:r>
+            <a:r>
+              <a:rPr lang="en-US" altLang="en-US" dirty="0">
+                <a:solidFill>
+                  <a:srgbClr val="222222"/>
+                </a:solidFill>
+                <a:latin typeface="Arial" panose="020B0604020202020204" pitchFamily="34" charset="0"/>
+                <a:cs typeface="Arial" panose="020B0604020202020204" pitchFamily="34" charset="0"/>
+              </a:rPr>
+              <a:t> trains on Line 3, and </a:t>
+            </a:r>
+            <a:r>
+              <a:rPr lang="en-US" altLang="en-US" dirty="0">
+                <a:solidFill>
+                  <a:srgbClr val="222222"/>
+                </a:solidFill>
+                <a:highlight>
+                  <a:srgbClr val="FF00FF"/>
+                </a:highlight>
+                <a:latin typeface="Arial" panose="020B0604020202020204" pitchFamily="34" charset="0"/>
+                <a:cs typeface="Arial" panose="020B0604020202020204" pitchFamily="34" charset="0"/>
+              </a:rPr>
+              <a:t>4</a:t>
+            </a:r>
+            <a:r>
+              <a:rPr lang="en-US" altLang="en-US" dirty="0">
+                <a:solidFill>
+                  <a:srgbClr val="222222"/>
+                </a:solidFill>
+                <a:latin typeface="Arial" panose="020B0604020202020204" pitchFamily="34" charset="0"/>
+                <a:cs typeface="Arial" panose="020B0604020202020204" pitchFamily="34" charset="0"/>
+              </a:rPr>
+              <a:t> trains on Line 4. During non-rush hour periods, there are 30-46 trains on Line 1 at any one time.</a:t>
+            </a:r>
+          </a:p>
+        </p:txBody>
+      </p:sp>
+    </p:spTree>
+    <p:extLst>
+      <p:ext uri="{BB962C8B-B14F-4D97-AF65-F5344CB8AC3E}">
+        <p14:creationId xmlns:p14="http://schemas.microsoft.com/office/powerpoint/2010/main" val="1967072340"/>
+      </p:ext>
+    </p:extLst>
+  </p:cSld>
+  <p:clrMapOvr>
+    <a:masterClrMapping/>
+  </p:clrMapOvr>
 </p:sld>
 </file>
 
